--- a/articles/201602/reg.pptx
+++ b/articles/201602/reg.pptx
@@ -7,7 +7,9 @@
   <p:sldIdLst>
     <p:sldId id="256" r:id="rId2"/>
     <p:sldId id="257" r:id="rId3"/>
-    <p:sldId id="258" r:id="rId4"/>
+    <p:sldId id="259" r:id="rId4"/>
+    <p:sldId id="258" r:id="rId5"/>
+    <p:sldId id="260" r:id="rId6"/>
   </p:sldIdLst>
   <p:sldSz cx="9144000" cy="6858000" type="screen4x3"/>
   <p:notesSz cx="6858000" cy="9144000"/>
@@ -108,7 +110,7 @@
   </p:defaultTextStyle>
   <p:extLst>
     <p:ext uri="{EFAFB233-063F-42B5-8137-9DF3F51BA10A}">
-      <p15:sldGuideLst xmlns:p15="http://schemas.microsoft.com/office/powerpoint/2012/main">
+      <p15:sldGuideLst xmlns:p15="http://schemas.microsoft.com/office/powerpoint/2012/main" xmlns="">
         <p15:guide id="1" orient="horz" pos="2160">
           <p15:clr>
             <a:srgbClr val="A4A3A4"/>
@@ -306,7 +308,7 @@
           <a:p>
             <a:fld id="{F398A4FB-147A-2342-8E4D-45CE9D336126}" type="datetimeFigureOut">
               <a:rPr kumimoji="1" lang="ja-JP" altLang="en-US" smtClean="0"/>
-              <a:t>2016/2/3</a:t>
+              <a:t>2/20/16</a:t>
             </a:fld>
             <a:endParaRPr kumimoji="1" lang="ja-JP" altLang="en-US"/>
           </a:p>
@@ -508,7 +510,7 @@
           <a:p>
             <a:fld id="{F398A4FB-147A-2342-8E4D-45CE9D336126}" type="datetimeFigureOut">
               <a:rPr kumimoji="1" lang="ja-JP" altLang="en-US" smtClean="0"/>
-              <a:t>2016/2/3</a:t>
+              <a:t>2/20/16</a:t>
             </a:fld>
             <a:endParaRPr kumimoji="1" lang="ja-JP" altLang="en-US"/>
           </a:p>
@@ -720,7 +722,7 @@
           <a:p>
             <a:fld id="{F398A4FB-147A-2342-8E4D-45CE9D336126}" type="datetimeFigureOut">
               <a:rPr kumimoji="1" lang="ja-JP" altLang="en-US" smtClean="0"/>
-              <a:t>2016/2/3</a:t>
+              <a:t>2/20/16</a:t>
             </a:fld>
             <a:endParaRPr kumimoji="1" lang="ja-JP" altLang="en-US"/>
           </a:p>
@@ -922,7 +924,7 @@
           <a:p>
             <a:fld id="{F398A4FB-147A-2342-8E4D-45CE9D336126}" type="datetimeFigureOut">
               <a:rPr kumimoji="1" lang="ja-JP" altLang="en-US" smtClean="0"/>
-              <a:t>2016/2/3</a:t>
+              <a:t>2/20/16</a:t>
             </a:fld>
             <a:endParaRPr kumimoji="1" lang="ja-JP" altLang="en-US"/>
           </a:p>
@@ -1168,7 +1170,7 @@
           <a:p>
             <a:fld id="{F398A4FB-147A-2342-8E4D-45CE9D336126}" type="datetimeFigureOut">
               <a:rPr kumimoji="1" lang="ja-JP" altLang="en-US" smtClean="0"/>
-              <a:t>2016/2/3</a:t>
+              <a:t>2/20/16</a:t>
             </a:fld>
             <a:endParaRPr kumimoji="1" lang="ja-JP" altLang="en-US"/>
           </a:p>
@@ -1520,7 +1522,7 @@
           <a:p>
             <a:fld id="{F398A4FB-147A-2342-8E4D-45CE9D336126}" type="datetimeFigureOut">
               <a:rPr kumimoji="1" lang="ja-JP" altLang="en-US" smtClean="0"/>
-              <a:t>2016/2/3</a:t>
+              <a:t>2/20/16</a:t>
             </a:fld>
             <a:endParaRPr kumimoji="1" lang="ja-JP" altLang="en-US"/>
           </a:p>
@@ -2006,7 +2008,7 @@
           <a:p>
             <a:fld id="{F398A4FB-147A-2342-8E4D-45CE9D336126}" type="datetimeFigureOut">
               <a:rPr kumimoji="1" lang="ja-JP" altLang="en-US" smtClean="0"/>
-              <a:t>2016/2/3</a:t>
+              <a:t>2/20/16</a:t>
             </a:fld>
             <a:endParaRPr kumimoji="1" lang="ja-JP" altLang="en-US"/>
           </a:p>
@@ -2124,7 +2126,7 @@
           <a:p>
             <a:fld id="{F398A4FB-147A-2342-8E4D-45CE9D336126}" type="datetimeFigureOut">
               <a:rPr kumimoji="1" lang="ja-JP" altLang="en-US" smtClean="0"/>
-              <a:t>2016/2/3</a:t>
+              <a:t>2/20/16</a:t>
             </a:fld>
             <a:endParaRPr kumimoji="1" lang="ja-JP" altLang="en-US"/>
           </a:p>
@@ -2219,7 +2221,7 @@
           <a:p>
             <a:fld id="{F398A4FB-147A-2342-8E4D-45CE9D336126}" type="datetimeFigureOut">
               <a:rPr kumimoji="1" lang="ja-JP" altLang="en-US" smtClean="0"/>
-              <a:t>2016/2/3</a:t>
+              <a:t>2/20/16</a:t>
             </a:fld>
             <a:endParaRPr kumimoji="1" lang="ja-JP" altLang="en-US"/>
           </a:p>
@@ -2528,7 +2530,7 @@
           <a:p>
             <a:fld id="{F398A4FB-147A-2342-8E4D-45CE9D336126}" type="datetimeFigureOut">
               <a:rPr kumimoji="1" lang="ja-JP" altLang="en-US" smtClean="0"/>
-              <a:t>2016/2/3</a:t>
+              <a:t>2/20/16</a:t>
             </a:fld>
             <a:endParaRPr kumimoji="1" lang="ja-JP" altLang="en-US"/>
           </a:p>
@@ -2781,7 +2783,7 @@
           <a:p>
             <a:fld id="{F398A4FB-147A-2342-8E4D-45CE9D336126}" type="datetimeFigureOut">
               <a:rPr kumimoji="1" lang="ja-JP" altLang="en-US" smtClean="0"/>
-              <a:t>2016/2/3</a:t>
+              <a:t>2/20/16</a:t>
             </a:fld>
             <a:endParaRPr kumimoji="1" lang="ja-JP" altLang="en-US"/>
           </a:p>
@@ -3026,7 +3028,7 @@
           <a:p>
             <a:fld id="{F398A4FB-147A-2342-8E4D-45CE9D336126}" type="datetimeFigureOut">
               <a:rPr kumimoji="1" lang="ja-JP" altLang="en-US" smtClean="0"/>
-              <a:t>2016/2/3</a:t>
+              <a:t>2/20/16</a:t>
             </a:fld>
             <a:endParaRPr kumimoji="1" lang="ja-JP" altLang="en-US"/>
           </a:p>
@@ -8822,10 +8824,4722 @@
           <a:lstStyle/>
           <a:p>
             <a:r>
+              <a:rPr kumimoji="1" lang="en-US" altLang="ja-JP" dirty="0" smtClean="0"/>
+              <a:t>S-R</a:t>
+            </a:r>
+            <a:r>
+              <a:rPr kumimoji="1" lang="ja-JP" altLang="en-US" dirty="0" smtClean="0"/>
+              <a:t> </a:t>
+            </a:r>
+            <a:r>
+              <a:rPr kumimoji="1" lang="en-US" altLang="ja-JP" dirty="0" smtClean="0"/>
+              <a:t>Flip-Flop</a:t>
+            </a:r>
+            <a:endParaRPr kumimoji="1" lang="ja-JP" altLang="en-US" dirty="0"/>
+          </a:p>
+        </p:txBody>
+      </p:sp>
+      <p:sp>
+        <p:nvSpPr>
+          <p:cNvPr id="6" name="円/楕円 5"/>
+          <p:cNvSpPr/>
+          <p:nvPr/>
+        </p:nvSpPr>
+        <p:spPr>
+          <a:xfrm>
+            <a:off x="3874832" y="4678942"/>
+            <a:ext cx="106681" cy="107950"/>
+          </a:xfrm>
+          <a:prstGeom prst="ellipse">
+            <a:avLst/>
+          </a:prstGeom>
+          <a:noFill/>
+          <a:ln w="22225">
+            <a:solidFill>
+              <a:schemeClr val="tx1"/>
+            </a:solidFill>
+          </a:ln>
+          <a:effectLst/>
+        </p:spPr>
+        <p:style>
+          <a:lnRef idx="1">
+            <a:schemeClr val="accent1"/>
+          </a:lnRef>
+          <a:fillRef idx="3">
+            <a:schemeClr val="accent1"/>
+          </a:fillRef>
+          <a:effectRef idx="2">
+            <a:schemeClr val="accent1"/>
+          </a:effectRef>
+          <a:fontRef idx="minor">
+            <a:schemeClr val="lt1"/>
+          </a:fontRef>
+        </p:style>
+        <p:txBody>
+          <a:bodyPr/>
+          <a:lstStyle/>
+          <a:p>
+            <a:endParaRPr lang="ja-JP" altLang="en-US" dirty="0"/>
+          </a:p>
+        </p:txBody>
+      </p:sp>
+      <p:grpSp>
+        <p:nvGrpSpPr>
+          <p:cNvPr id="8" name="図形グループ 7"/>
+          <p:cNvGrpSpPr/>
+          <p:nvPr/>
+        </p:nvGrpSpPr>
+        <p:grpSpPr>
+          <a:xfrm>
+            <a:off x="2854987" y="4345564"/>
+            <a:ext cx="1019845" cy="762000"/>
+            <a:chOff x="2495550" y="3385820"/>
+            <a:chExt cx="1019845" cy="762000"/>
+          </a:xfrm>
+        </p:grpSpPr>
+        <p:sp>
+          <p:nvSpPr>
+            <p:cNvPr id="17" name="円弧 16"/>
+            <p:cNvSpPr/>
+            <p:nvPr/>
+          </p:nvSpPr>
+          <p:spPr>
+            <a:xfrm>
+              <a:off x="2692435" y="3385820"/>
+              <a:ext cx="822960" cy="760730"/>
+            </a:xfrm>
+            <a:prstGeom prst="arc">
+              <a:avLst>
+                <a:gd name="adj1" fmla="val 16200000"/>
+                <a:gd name="adj2" fmla="val 5440160"/>
+              </a:avLst>
+            </a:prstGeom>
+            <a:ln>
+              <a:solidFill>
+                <a:schemeClr val="tx1"/>
+              </a:solidFill>
+            </a:ln>
+            <a:effectLst/>
+          </p:spPr>
+          <p:style>
+            <a:lnRef idx="2">
+              <a:schemeClr val="accent1"/>
+            </a:lnRef>
+            <a:fillRef idx="0">
+              <a:schemeClr val="accent1"/>
+            </a:fillRef>
+            <a:effectRef idx="1">
+              <a:schemeClr val="accent1"/>
+            </a:effectRef>
+            <a:fontRef idx="minor">
+              <a:schemeClr val="tx1"/>
+            </a:fontRef>
+          </p:style>
+          <p:txBody>
+            <a:bodyPr/>
+            <a:lstStyle/>
+            <a:p>
+              <a:endParaRPr lang="ja-JP" altLang="en-US" dirty="0"/>
+            </a:p>
+          </p:txBody>
+        </p:sp>
+        <p:cxnSp>
+          <p:nvCxnSpPr>
+            <p:cNvPr id="18" name="直線コネクタ 17"/>
+            <p:cNvCxnSpPr>
+              <a:endCxn id="17" idx="0"/>
+            </p:cNvCxnSpPr>
+            <p:nvPr/>
+          </p:nvCxnSpPr>
+          <p:spPr>
+            <a:xfrm>
+              <a:off x="2495550" y="3385820"/>
+              <a:ext cx="608365" cy="0"/>
+            </a:xfrm>
+            <a:prstGeom prst="line">
+              <a:avLst/>
+            </a:prstGeom>
+            <a:ln>
+              <a:solidFill>
+                <a:schemeClr val="tx1"/>
+              </a:solidFill>
+            </a:ln>
+            <a:effectLst/>
+          </p:spPr>
+          <p:style>
+            <a:lnRef idx="2">
+              <a:schemeClr val="accent1"/>
+            </a:lnRef>
+            <a:fillRef idx="0">
+              <a:schemeClr val="accent1"/>
+            </a:fillRef>
+            <a:effectRef idx="1">
+              <a:schemeClr val="accent1"/>
+            </a:effectRef>
+            <a:fontRef idx="minor">
+              <a:schemeClr val="tx1"/>
+            </a:fontRef>
+          </p:style>
+        </p:cxnSp>
+        <p:cxnSp>
+          <p:nvCxnSpPr>
+            <p:cNvPr id="19" name="直線コネクタ 18"/>
+            <p:cNvCxnSpPr/>
+            <p:nvPr/>
+          </p:nvCxnSpPr>
+          <p:spPr>
+            <a:xfrm>
+              <a:off x="2501900" y="3387090"/>
+              <a:ext cx="0" cy="760730"/>
+            </a:xfrm>
+            <a:prstGeom prst="line">
+              <a:avLst/>
+            </a:prstGeom>
+            <a:ln>
+              <a:solidFill>
+                <a:schemeClr val="tx1"/>
+              </a:solidFill>
+            </a:ln>
+            <a:effectLst/>
+          </p:spPr>
+          <p:style>
+            <a:lnRef idx="2">
+              <a:schemeClr val="accent1"/>
+            </a:lnRef>
+            <a:fillRef idx="0">
+              <a:schemeClr val="accent1"/>
+            </a:fillRef>
+            <a:effectRef idx="1">
+              <a:schemeClr val="accent1"/>
+            </a:effectRef>
+            <a:fontRef idx="minor">
+              <a:schemeClr val="tx1"/>
+            </a:fontRef>
+          </p:style>
+        </p:cxnSp>
+        <p:cxnSp>
+          <p:nvCxnSpPr>
+            <p:cNvPr id="20" name="直線コネクタ 19"/>
+            <p:cNvCxnSpPr>
+              <a:endCxn id="17" idx="2"/>
+            </p:cNvCxnSpPr>
+            <p:nvPr/>
+          </p:nvCxnSpPr>
+          <p:spPr>
+            <a:xfrm flipV="1">
+              <a:off x="2495550" y="4146528"/>
+              <a:ext cx="603922" cy="1292"/>
+            </a:xfrm>
+            <a:prstGeom prst="line">
+              <a:avLst/>
+            </a:prstGeom>
+            <a:ln>
+              <a:solidFill>
+                <a:schemeClr val="tx1"/>
+              </a:solidFill>
+            </a:ln>
+            <a:effectLst/>
+          </p:spPr>
+          <p:style>
+            <a:lnRef idx="2">
+              <a:schemeClr val="accent1"/>
+            </a:lnRef>
+            <a:fillRef idx="0">
+              <a:schemeClr val="accent1"/>
+            </a:fillRef>
+            <a:effectRef idx="1">
+              <a:schemeClr val="accent1"/>
+            </a:effectRef>
+            <a:fontRef idx="minor">
+              <a:schemeClr val="tx1"/>
+            </a:fontRef>
+          </p:style>
+        </p:cxnSp>
+      </p:grpSp>
+      <p:cxnSp>
+        <p:nvCxnSpPr>
+          <p:cNvPr id="9" name="直線コネクタ 8"/>
+          <p:cNvCxnSpPr/>
+          <p:nvPr/>
+        </p:nvCxnSpPr>
+        <p:spPr>
+          <a:xfrm>
+            <a:off x="2570507" y="4472567"/>
+            <a:ext cx="284480" cy="0"/>
+          </a:xfrm>
+          <a:prstGeom prst="line">
+            <a:avLst/>
+          </a:prstGeom>
+          <a:ln>
+            <a:solidFill>
+              <a:schemeClr val="tx1"/>
+            </a:solidFill>
+          </a:ln>
+          <a:effectLst/>
+        </p:spPr>
+        <p:style>
+          <a:lnRef idx="2">
+            <a:schemeClr val="accent1"/>
+          </a:lnRef>
+          <a:fillRef idx="0">
+            <a:schemeClr val="accent1"/>
+          </a:fillRef>
+          <a:effectRef idx="1">
+            <a:schemeClr val="accent1"/>
+          </a:effectRef>
+          <a:fontRef idx="minor">
+            <a:schemeClr val="tx1"/>
+          </a:fontRef>
+        </p:style>
+      </p:cxnSp>
+      <p:cxnSp>
+        <p:nvCxnSpPr>
+          <p:cNvPr id="11" name="直線コネクタ 10"/>
+          <p:cNvCxnSpPr/>
+          <p:nvPr/>
+        </p:nvCxnSpPr>
+        <p:spPr>
+          <a:xfrm flipV="1">
+            <a:off x="2153394" y="4985007"/>
+            <a:ext cx="705651" cy="1292"/>
+          </a:xfrm>
+          <a:prstGeom prst="line">
+            <a:avLst/>
+          </a:prstGeom>
+          <a:ln>
+            <a:solidFill>
+              <a:schemeClr val="tx1"/>
+            </a:solidFill>
+          </a:ln>
+          <a:effectLst/>
+        </p:spPr>
+        <p:style>
+          <a:lnRef idx="2">
+            <a:schemeClr val="accent1"/>
+          </a:lnRef>
+          <a:fillRef idx="0">
+            <a:schemeClr val="accent1"/>
+          </a:fillRef>
+          <a:effectRef idx="1">
+            <a:schemeClr val="accent1"/>
+          </a:effectRef>
+          <a:fontRef idx="minor">
+            <a:schemeClr val="tx1"/>
+          </a:fontRef>
+        </p:style>
+      </p:cxnSp>
+      <p:cxnSp>
+        <p:nvCxnSpPr>
+          <p:cNvPr id="12" name="直線コネクタ 11"/>
+          <p:cNvCxnSpPr>
+            <a:stCxn id="6" idx="6"/>
+          </p:cNvCxnSpPr>
+          <p:nvPr/>
+        </p:nvCxnSpPr>
+        <p:spPr>
+          <a:xfrm>
+            <a:off x="3981513" y="4732917"/>
+            <a:ext cx="653987" cy="0"/>
+          </a:xfrm>
+          <a:prstGeom prst="line">
+            <a:avLst/>
+          </a:prstGeom>
+          <a:ln>
+            <a:solidFill>
+              <a:schemeClr val="tx1"/>
+            </a:solidFill>
+          </a:ln>
+          <a:effectLst/>
+        </p:spPr>
+        <p:style>
+          <a:lnRef idx="2">
+            <a:schemeClr val="accent1"/>
+          </a:lnRef>
+          <a:fillRef idx="0">
+            <a:schemeClr val="accent1"/>
+          </a:fillRef>
+          <a:effectRef idx="1">
+            <a:schemeClr val="accent1"/>
+          </a:effectRef>
+          <a:fontRef idx="minor">
+            <a:schemeClr val="tx1"/>
+          </a:fontRef>
+        </p:style>
+      </p:cxnSp>
+      <p:sp>
+        <p:nvSpPr>
+          <p:cNvPr id="15" name="テキスト ボックス 14"/>
+          <p:cNvSpPr txBox="1"/>
+          <p:nvPr/>
+        </p:nvSpPr>
+        <p:spPr>
+          <a:xfrm>
+            <a:off x="1834650" y="4678942"/>
+            <a:ext cx="317252" cy="461665"/>
+          </a:xfrm>
+          <a:prstGeom prst="rect">
+            <a:avLst/>
+          </a:prstGeom>
+          <a:noFill/>
+        </p:spPr>
+        <p:txBody>
+          <a:bodyPr wrap="none" rtlCol="0">
+            <a:spAutoFit/>
+          </a:bodyPr>
+          <a:lstStyle/>
+          <a:p>
+            <a:r>
+              <a:rPr kumimoji="1" lang="en-US" altLang="ja-JP" sz="1200" i="1" dirty="0" smtClean="0">
+                <a:latin typeface="Book Antiqua"/>
+                <a:cs typeface="Book Antiqua"/>
+              </a:rPr>
+              <a:t>_</a:t>
+            </a:r>
+          </a:p>
+          <a:p>
+            <a:r>
+              <a:rPr kumimoji="1" lang="en-US" altLang="ja-JP" sz="1200" i="1" dirty="0" smtClean="0">
+                <a:latin typeface="Book Antiqua"/>
+                <a:cs typeface="Book Antiqua"/>
+              </a:rPr>
+              <a:t>R</a:t>
+            </a:r>
+            <a:endParaRPr kumimoji="1" lang="ja-JP" altLang="en-US" sz="1200" i="1" baseline="-25000" dirty="0">
+              <a:latin typeface="Book Antiqua"/>
+              <a:cs typeface="Book Antiqua"/>
+            </a:endParaRPr>
+          </a:p>
+        </p:txBody>
+      </p:sp>
+      <p:sp>
+        <p:nvSpPr>
+          <p:cNvPr id="16" name="テキスト ボックス 15"/>
+          <p:cNvSpPr txBox="1"/>
+          <p:nvPr/>
+        </p:nvSpPr>
+        <p:spPr>
+          <a:xfrm>
+            <a:off x="4691158" y="4397309"/>
+            <a:ext cx="334309" cy="461665"/>
+          </a:xfrm>
+          <a:prstGeom prst="rect">
+            <a:avLst/>
+          </a:prstGeom>
+          <a:noFill/>
+        </p:spPr>
+        <p:txBody>
+          <a:bodyPr wrap="none" rtlCol="0">
+            <a:spAutoFit/>
+          </a:bodyPr>
+          <a:lstStyle/>
+          <a:p>
+            <a:r>
+              <a:rPr lang="en-US" altLang="ja-JP" sz="1200" i="1" dirty="0" smtClean="0">
+                <a:latin typeface="Book Antiqua"/>
+                <a:cs typeface="Book Antiqua"/>
+              </a:rPr>
+              <a:t>_</a:t>
+            </a:r>
+          </a:p>
+          <a:p>
+            <a:r>
+              <a:rPr lang="en-US" altLang="ja-JP" sz="1200" i="1" dirty="0" smtClean="0">
+                <a:latin typeface="Book Antiqua"/>
+                <a:cs typeface="Book Antiqua"/>
+              </a:rPr>
+              <a:t>Q</a:t>
+            </a:r>
+            <a:endParaRPr kumimoji="1" lang="ja-JP" altLang="en-US" sz="1200" i="1" baseline="-25000" dirty="0">
+              <a:latin typeface="Book Antiqua"/>
+              <a:cs typeface="Book Antiqua"/>
+            </a:endParaRPr>
+          </a:p>
+        </p:txBody>
+      </p:sp>
+      <p:sp>
+        <p:nvSpPr>
+          <p:cNvPr id="23" name="円/楕円 22"/>
+          <p:cNvSpPr/>
+          <p:nvPr/>
+        </p:nvSpPr>
+        <p:spPr>
+          <a:xfrm>
+            <a:off x="3874832" y="3228645"/>
+            <a:ext cx="106681" cy="107950"/>
+          </a:xfrm>
+          <a:prstGeom prst="ellipse">
+            <a:avLst/>
+          </a:prstGeom>
+          <a:noFill/>
+          <a:ln w="22225">
+            <a:solidFill>
+              <a:schemeClr val="tx1"/>
+            </a:solidFill>
+          </a:ln>
+          <a:effectLst/>
+        </p:spPr>
+        <p:style>
+          <a:lnRef idx="1">
+            <a:schemeClr val="accent1"/>
+          </a:lnRef>
+          <a:fillRef idx="3">
+            <a:schemeClr val="accent1"/>
+          </a:fillRef>
+          <a:effectRef idx="2">
+            <a:schemeClr val="accent1"/>
+          </a:effectRef>
+          <a:fontRef idx="minor">
+            <a:schemeClr val="lt1"/>
+          </a:fontRef>
+        </p:style>
+        <p:txBody>
+          <a:bodyPr/>
+          <a:lstStyle/>
+          <a:p>
+            <a:endParaRPr lang="ja-JP" altLang="en-US" dirty="0"/>
+          </a:p>
+        </p:txBody>
+      </p:sp>
+      <p:grpSp>
+        <p:nvGrpSpPr>
+          <p:cNvPr id="25" name="図形グループ 24"/>
+          <p:cNvGrpSpPr/>
+          <p:nvPr/>
+        </p:nvGrpSpPr>
+        <p:grpSpPr>
+          <a:xfrm>
+            <a:off x="2854987" y="2895267"/>
+            <a:ext cx="1019845" cy="762000"/>
+            <a:chOff x="2495550" y="3385820"/>
+            <a:chExt cx="1019845" cy="762000"/>
+          </a:xfrm>
+        </p:grpSpPr>
+        <p:sp>
+          <p:nvSpPr>
+            <p:cNvPr id="34" name="円弧 33"/>
+            <p:cNvSpPr/>
+            <p:nvPr/>
+          </p:nvSpPr>
+          <p:spPr>
+            <a:xfrm>
+              <a:off x="2692435" y="3385820"/>
+              <a:ext cx="822960" cy="760730"/>
+            </a:xfrm>
+            <a:prstGeom prst="arc">
+              <a:avLst>
+                <a:gd name="adj1" fmla="val 16200000"/>
+                <a:gd name="adj2" fmla="val 5440160"/>
+              </a:avLst>
+            </a:prstGeom>
+            <a:ln>
+              <a:solidFill>
+                <a:schemeClr val="tx1"/>
+              </a:solidFill>
+            </a:ln>
+            <a:effectLst/>
+          </p:spPr>
+          <p:style>
+            <a:lnRef idx="2">
+              <a:schemeClr val="accent1"/>
+            </a:lnRef>
+            <a:fillRef idx="0">
+              <a:schemeClr val="accent1"/>
+            </a:fillRef>
+            <a:effectRef idx="1">
+              <a:schemeClr val="accent1"/>
+            </a:effectRef>
+            <a:fontRef idx="minor">
+              <a:schemeClr val="tx1"/>
+            </a:fontRef>
+          </p:style>
+          <p:txBody>
+            <a:bodyPr/>
+            <a:lstStyle/>
+            <a:p>
+              <a:endParaRPr lang="ja-JP" altLang="en-US" dirty="0"/>
+            </a:p>
+          </p:txBody>
+        </p:sp>
+        <p:cxnSp>
+          <p:nvCxnSpPr>
+            <p:cNvPr id="35" name="直線コネクタ 34"/>
+            <p:cNvCxnSpPr>
+              <a:endCxn id="34" idx="0"/>
+            </p:cNvCxnSpPr>
+            <p:nvPr/>
+          </p:nvCxnSpPr>
+          <p:spPr>
+            <a:xfrm>
+              <a:off x="2495550" y="3385820"/>
+              <a:ext cx="608365" cy="0"/>
+            </a:xfrm>
+            <a:prstGeom prst="line">
+              <a:avLst/>
+            </a:prstGeom>
+            <a:ln>
+              <a:solidFill>
+                <a:schemeClr val="tx1"/>
+              </a:solidFill>
+            </a:ln>
+            <a:effectLst/>
+          </p:spPr>
+          <p:style>
+            <a:lnRef idx="2">
+              <a:schemeClr val="accent1"/>
+            </a:lnRef>
+            <a:fillRef idx="0">
+              <a:schemeClr val="accent1"/>
+            </a:fillRef>
+            <a:effectRef idx="1">
+              <a:schemeClr val="accent1"/>
+            </a:effectRef>
+            <a:fontRef idx="minor">
+              <a:schemeClr val="tx1"/>
+            </a:fontRef>
+          </p:style>
+        </p:cxnSp>
+        <p:cxnSp>
+          <p:nvCxnSpPr>
+            <p:cNvPr id="36" name="直線コネクタ 35"/>
+            <p:cNvCxnSpPr/>
+            <p:nvPr/>
+          </p:nvCxnSpPr>
+          <p:spPr>
+            <a:xfrm>
+              <a:off x="2501900" y="3387090"/>
+              <a:ext cx="0" cy="760730"/>
+            </a:xfrm>
+            <a:prstGeom prst="line">
+              <a:avLst/>
+            </a:prstGeom>
+            <a:ln>
+              <a:solidFill>
+                <a:schemeClr val="tx1"/>
+              </a:solidFill>
+            </a:ln>
+            <a:effectLst/>
+          </p:spPr>
+          <p:style>
+            <a:lnRef idx="2">
+              <a:schemeClr val="accent1"/>
+            </a:lnRef>
+            <a:fillRef idx="0">
+              <a:schemeClr val="accent1"/>
+            </a:fillRef>
+            <a:effectRef idx="1">
+              <a:schemeClr val="accent1"/>
+            </a:effectRef>
+            <a:fontRef idx="minor">
+              <a:schemeClr val="tx1"/>
+            </a:fontRef>
+          </p:style>
+        </p:cxnSp>
+        <p:cxnSp>
+          <p:nvCxnSpPr>
+            <p:cNvPr id="37" name="直線コネクタ 36"/>
+            <p:cNvCxnSpPr>
+              <a:endCxn id="34" idx="2"/>
+            </p:cNvCxnSpPr>
+            <p:nvPr/>
+          </p:nvCxnSpPr>
+          <p:spPr>
+            <a:xfrm flipV="1">
+              <a:off x="2495550" y="4146528"/>
+              <a:ext cx="603922" cy="1292"/>
+            </a:xfrm>
+            <a:prstGeom prst="line">
+              <a:avLst/>
+            </a:prstGeom>
+            <a:ln>
+              <a:solidFill>
+                <a:schemeClr val="tx1"/>
+              </a:solidFill>
+            </a:ln>
+            <a:effectLst/>
+          </p:spPr>
+          <p:style>
+            <a:lnRef idx="2">
+              <a:schemeClr val="accent1"/>
+            </a:lnRef>
+            <a:fillRef idx="0">
+              <a:schemeClr val="accent1"/>
+            </a:fillRef>
+            <a:effectRef idx="1">
+              <a:schemeClr val="accent1"/>
+            </a:effectRef>
+            <a:fontRef idx="minor">
+              <a:schemeClr val="tx1"/>
+            </a:fontRef>
+          </p:style>
+        </p:cxnSp>
+      </p:grpSp>
+      <p:cxnSp>
+        <p:nvCxnSpPr>
+          <p:cNvPr id="26" name="直線コネクタ 25"/>
+          <p:cNvCxnSpPr/>
+          <p:nvPr/>
+        </p:nvCxnSpPr>
+        <p:spPr>
+          <a:xfrm>
+            <a:off x="2153394" y="3022270"/>
+            <a:ext cx="701593" cy="0"/>
+          </a:xfrm>
+          <a:prstGeom prst="line">
+            <a:avLst/>
+          </a:prstGeom>
+          <a:ln>
+            <a:solidFill>
+              <a:schemeClr val="tx1"/>
+            </a:solidFill>
+          </a:ln>
+          <a:effectLst/>
+        </p:spPr>
+        <p:style>
+          <a:lnRef idx="2">
+            <a:schemeClr val="accent1"/>
+          </a:lnRef>
+          <a:fillRef idx="0">
+            <a:schemeClr val="accent1"/>
+          </a:fillRef>
+          <a:effectRef idx="1">
+            <a:schemeClr val="accent1"/>
+          </a:effectRef>
+          <a:fontRef idx="minor">
+            <a:schemeClr val="tx1"/>
+          </a:fontRef>
+        </p:style>
+      </p:cxnSp>
+      <p:cxnSp>
+        <p:nvCxnSpPr>
+          <p:cNvPr id="28" name="直線コネクタ 27"/>
+          <p:cNvCxnSpPr/>
+          <p:nvPr/>
+        </p:nvCxnSpPr>
+        <p:spPr>
+          <a:xfrm>
+            <a:off x="2580667" y="3536620"/>
+            <a:ext cx="284480" cy="0"/>
+          </a:xfrm>
+          <a:prstGeom prst="line">
+            <a:avLst/>
+          </a:prstGeom>
+          <a:ln>
+            <a:solidFill>
+              <a:schemeClr val="tx1"/>
+            </a:solidFill>
+          </a:ln>
+          <a:effectLst/>
+        </p:spPr>
+        <p:style>
+          <a:lnRef idx="2">
+            <a:schemeClr val="accent1"/>
+          </a:lnRef>
+          <a:fillRef idx="0">
+            <a:schemeClr val="accent1"/>
+          </a:fillRef>
+          <a:effectRef idx="1">
+            <a:schemeClr val="accent1"/>
+          </a:effectRef>
+          <a:fontRef idx="minor">
+            <a:schemeClr val="tx1"/>
+          </a:fontRef>
+        </p:style>
+      </p:cxnSp>
+      <p:cxnSp>
+        <p:nvCxnSpPr>
+          <p:cNvPr id="29" name="直線コネクタ 28"/>
+          <p:cNvCxnSpPr>
+            <a:stCxn id="23" idx="6"/>
+          </p:cNvCxnSpPr>
+          <p:nvPr/>
+        </p:nvCxnSpPr>
+        <p:spPr>
+          <a:xfrm>
+            <a:off x="3981513" y="3282620"/>
+            <a:ext cx="653987" cy="0"/>
+          </a:xfrm>
+          <a:prstGeom prst="line">
+            <a:avLst/>
+          </a:prstGeom>
+          <a:ln>
+            <a:solidFill>
+              <a:schemeClr val="tx1"/>
+            </a:solidFill>
+          </a:ln>
+          <a:effectLst/>
+        </p:spPr>
+        <p:style>
+          <a:lnRef idx="2">
+            <a:schemeClr val="accent1"/>
+          </a:lnRef>
+          <a:fillRef idx="0">
+            <a:schemeClr val="accent1"/>
+          </a:fillRef>
+          <a:effectRef idx="1">
+            <a:schemeClr val="accent1"/>
+          </a:effectRef>
+          <a:fontRef idx="minor">
+            <a:schemeClr val="tx1"/>
+          </a:fontRef>
+        </p:style>
+      </p:cxnSp>
+      <p:sp>
+        <p:nvSpPr>
+          <p:cNvPr id="30" name="テキスト ボックス 29"/>
+          <p:cNvSpPr txBox="1"/>
+          <p:nvPr/>
+        </p:nvSpPr>
+        <p:spPr>
+          <a:xfrm>
+            <a:off x="1851707" y="2699885"/>
+            <a:ext cx="300195" cy="461665"/>
+          </a:xfrm>
+          <a:prstGeom prst="rect">
+            <a:avLst/>
+          </a:prstGeom>
+          <a:noFill/>
+        </p:spPr>
+        <p:txBody>
+          <a:bodyPr wrap="none" rtlCol="0">
+            <a:spAutoFit/>
+          </a:bodyPr>
+          <a:lstStyle/>
+          <a:p>
+            <a:r>
+              <a:rPr kumimoji="1" lang="en-US" altLang="ja-JP" sz="1200" i="1" dirty="0" smtClean="0">
+                <a:latin typeface="Book Antiqua"/>
+                <a:cs typeface="Book Antiqua"/>
+              </a:rPr>
+              <a:t>_</a:t>
+            </a:r>
+          </a:p>
+          <a:p>
+            <a:r>
+              <a:rPr kumimoji="1" lang="en-US" altLang="ja-JP" sz="1200" i="1" dirty="0" smtClean="0">
+                <a:latin typeface="Book Antiqua"/>
+                <a:cs typeface="Book Antiqua"/>
+              </a:rPr>
+              <a:t>S</a:t>
+            </a:r>
+            <a:endParaRPr kumimoji="1" lang="ja-JP" altLang="en-US" sz="1200" i="1" baseline="-25000" dirty="0">
+              <a:latin typeface="Book Antiqua"/>
+              <a:cs typeface="Book Antiqua"/>
+            </a:endParaRPr>
+          </a:p>
+        </p:txBody>
+      </p:sp>
+      <p:sp>
+        <p:nvSpPr>
+          <p:cNvPr id="33" name="テキスト ボックス 32"/>
+          <p:cNvSpPr txBox="1"/>
+          <p:nvPr/>
+        </p:nvSpPr>
+        <p:spPr>
+          <a:xfrm>
+            <a:off x="4691158" y="3111626"/>
+            <a:ext cx="334309" cy="276999"/>
+          </a:xfrm>
+          <a:prstGeom prst="rect">
+            <a:avLst/>
+          </a:prstGeom>
+          <a:noFill/>
+        </p:spPr>
+        <p:txBody>
+          <a:bodyPr wrap="none" rtlCol="0">
+            <a:spAutoFit/>
+          </a:bodyPr>
+          <a:lstStyle/>
+          <a:p>
+            <a:r>
+              <a:rPr lang="en-US" altLang="ja-JP" sz="1200" i="1" dirty="0" smtClean="0">
+                <a:latin typeface="Book Antiqua"/>
+                <a:cs typeface="Book Antiqua"/>
+              </a:rPr>
+              <a:t>Q</a:t>
+            </a:r>
+            <a:endParaRPr kumimoji="1" lang="ja-JP" altLang="en-US" sz="1200" i="1" baseline="-25000" dirty="0">
+              <a:latin typeface="Book Antiqua"/>
+              <a:cs typeface="Book Antiqua"/>
+            </a:endParaRPr>
+          </a:p>
+        </p:txBody>
+      </p:sp>
+      <p:cxnSp>
+        <p:nvCxnSpPr>
+          <p:cNvPr id="44" name="直線コネクタ 43"/>
+          <p:cNvCxnSpPr/>
+          <p:nvPr/>
+        </p:nvCxnSpPr>
+        <p:spPr>
+          <a:xfrm>
+            <a:off x="2570507" y="3525635"/>
+            <a:ext cx="0" cy="273380"/>
+          </a:xfrm>
+          <a:prstGeom prst="line">
+            <a:avLst/>
+          </a:prstGeom>
+          <a:ln>
+            <a:solidFill>
+              <a:schemeClr val="tx1"/>
+            </a:solidFill>
+          </a:ln>
+          <a:effectLst/>
+        </p:spPr>
+        <p:style>
+          <a:lnRef idx="2">
+            <a:schemeClr val="accent1"/>
+          </a:lnRef>
+          <a:fillRef idx="0">
+            <a:schemeClr val="accent1"/>
+          </a:fillRef>
+          <a:effectRef idx="1">
+            <a:schemeClr val="accent1"/>
+          </a:effectRef>
+          <a:fontRef idx="minor">
+            <a:schemeClr val="tx1"/>
+          </a:fontRef>
+        </p:style>
+      </p:cxnSp>
+      <p:cxnSp>
+        <p:nvCxnSpPr>
+          <p:cNvPr id="47" name="直線コネクタ 46"/>
+          <p:cNvCxnSpPr/>
+          <p:nvPr/>
+        </p:nvCxnSpPr>
+        <p:spPr>
+          <a:xfrm>
+            <a:off x="2580667" y="4199187"/>
+            <a:ext cx="0" cy="273380"/>
+          </a:xfrm>
+          <a:prstGeom prst="line">
+            <a:avLst/>
+          </a:prstGeom>
+          <a:ln>
+            <a:solidFill>
+              <a:schemeClr val="tx1"/>
+            </a:solidFill>
+          </a:ln>
+          <a:effectLst/>
+        </p:spPr>
+        <p:style>
+          <a:lnRef idx="2">
+            <a:schemeClr val="accent1"/>
+          </a:lnRef>
+          <a:fillRef idx="0">
+            <a:schemeClr val="accent1"/>
+          </a:fillRef>
+          <a:effectRef idx="1">
+            <a:schemeClr val="accent1"/>
+          </a:effectRef>
+          <a:fontRef idx="minor">
+            <a:schemeClr val="tx1"/>
+          </a:fontRef>
+        </p:style>
+      </p:cxnSp>
+      <p:cxnSp>
+        <p:nvCxnSpPr>
+          <p:cNvPr id="48" name="直線コネクタ 47"/>
+          <p:cNvCxnSpPr/>
+          <p:nvPr/>
+        </p:nvCxnSpPr>
+        <p:spPr>
+          <a:xfrm>
+            <a:off x="4265957" y="4459537"/>
+            <a:ext cx="0" cy="273380"/>
+          </a:xfrm>
+          <a:prstGeom prst="line">
+            <a:avLst/>
+          </a:prstGeom>
+          <a:ln>
+            <a:solidFill>
+              <a:schemeClr val="tx1"/>
+            </a:solidFill>
+          </a:ln>
+          <a:effectLst/>
+        </p:spPr>
+        <p:style>
+          <a:lnRef idx="2">
+            <a:schemeClr val="accent1"/>
+          </a:lnRef>
+          <a:fillRef idx="0">
+            <a:schemeClr val="accent1"/>
+          </a:fillRef>
+          <a:effectRef idx="1">
+            <a:schemeClr val="accent1"/>
+          </a:effectRef>
+          <a:fontRef idx="minor">
+            <a:schemeClr val="tx1"/>
+          </a:fontRef>
+        </p:style>
+      </p:cxnSp>
+      <p:cxnSp>
+        <p:nvCxnSpPr>
+          <p:cNvPr id="49" name="直線コネクタ 48"/>
+          <p:cNvCxnSpPr/>
+          <p:nvPr/>
+        </p:nvCxnSpPr>
+        <p:spPr>
+          <a:xfrm>
+            <a:off x="4264714" y="3282620"/>
+            <a:ext cx="0" cy="273380"/>
+          </a:xfrm>
+          <a:prstGeom prst="line">
+            <a:avLst/>
+          </a:prstGeom>
+          <a:ln>
+            <a:solidFill>
+              <a:schemeClr val="tx1"/>
+            </a:solidFill>
+          </a:ln>
+          <a:effectLst/>
+        </p:spPr>
+        <p:style>
+          <a:lnRef idx="2">
+            <a:schemeClr val="accent1"/>
+          </a:lnRef>
+          <a:fillRef idx="0">
+            <a:schemeClr val="accent1"/>
+          </a:fillRef>
+          <a:effectRef idx="1">
+            <a:schemeClr val="accent1"/>
+          </a:effectRef>
+          <a:fontRef idx="minor">
+            <a:schemeClr val="tx1"/>
+          </a:fontRef>
+        </p:style>
+      </p:cxnSp>
+      <p:sp>
+        <p:nvSpPr>
+          <p:cNvPr id="50" name="円/楕円 49"/>
+          <p:cNvSpPr/>
+          <p:nvPr/>
+        </p:nvSpPr>
+        <p:spPr>
+          <a:xfrm flipV="1">
+            <a:off x="4235127" y="3250126"/>
+            <a:ext cx="59174" cy="64988"/>
+          </a:xfrm>
+          <a:prstGeom prst="ellipse">
+            <a:avLst/>
+          </a:prstGeom>
+          <a:solidFill>
+            <a:srgbClr val="000000"/>
+          </a:solidFill>
+        </p:spPr>
+        <p:style>
+          <a:lnRef idx="2">
+            <a:schemeClr val="dk1"/>
+          </a:lnRef>
+          <a:fillRef idx="1">
+            <a:schemeClr val="lt1"/>
+          </a:fillRef>
+          <a:effectRef idx="0">
+            <a:schemeClr val="dk1"/>
+          </a:effectRef>
+          <a:fontRef idx="minor">
+            <a:schemeClr val="dk1"/>
+          </a:fontRef>
+        </p:style>
+        <p:txBody>
+          <a:bodyPr rtlCol="0" anchor="ctr"/>
+          <a:lstStyle/>
+          <a:p>
+            <a:pPr algn="ctr"/>
+            <a:endParaRPr kumimoji="1" lang="ja-JP" altLang="en-US" dirty="0"/>
+          </a:p>
+        </p:txBody>
+      </p:sp>
+      <p:sp>
+        <p:nvSpPr>
+          <p:cNvPr id="51" name="円/楕円 50"/>
+          <p:cNvSpPr/>
+          <p:nvPr/>
+        </p:nvSpPr>
+        <p:spPr>
+          <a:xfrm flipV="1">
+            <a:off x="4236370" y="4700423"/>
+            <a:ext cx="59174" cy="64988"/>
+          </a:xfrm>
+          <a:prstGeom prst="ellipse">
+            <a:avLst/>
+          </a:prstGeom>
+          <a:solidFill>
+            <a:srgbClr val="000000"/>
+          </a:solidFill>
+        </p:spPr>
+        <p:style>
+          <a:lnRef idx="2">
+            <a:schemeClr val="dk1"/>
+          </a:lnRef>
+          <a:fillRef idx="1">
+            <a:schemeClr val="lt1"/>
+          </a:fillRef>
+          <a:effectRef idx="0">
+            <a:schemeClr val="dk1"/>
+          </a:effectRef>
+          <a:fontRef idx="minor">
+            <a:schemeClr val="dk1"/>
+          </a:fontRef>
+        </p:style>
+        <p:txBody>
+          <a:bodyPr rtlCol="0" anchor="ctr"/>
+          <a:lstStyle/>
+          <a:p>
+            <a:pPr algn="ctr"/>
+            <a:endParaRPr kumimoji="1" lang="ja-JP" altLang="en-US" dirty="0"/>
+          </a:p>
+        </p:txBody>
+      </p:sp>
+      <p:cxnSp>
+        <p:nvCxnSpPr>
+          <p:cNvPr id="52" name="直線コネクタ 51"/>
+          <p:cNvCxnSpPr/>
+          <p:nvPr/>
+        </p:nvCxnSpPr>
+        <p:spPr>
+          <a:xfrm>
+            <a:off x="2570507" y="3799015"/>
+            <a:ext cx="1695450" cy="673552"/>
+          </a:xfrm>
+          <a:prstGeom prst="line">
+            <a:avLst/>
+          </a:prstGeom>
+          <a:ln>
+            <a:solidFill>
+              <a:schemeClr val="tx1"/>
+            </a:solidFill>
+          </a:ln>
+          <a:effectLst/>
+        </p:spPr>
+        <p:style>
+          <a:lnRef idx="2">
+            <a:schemeClr val="accent1"/>
+          </a:lnRef>
+          <a:fillRef idx="0">
+            <a:schemeClr val="accent1"/>
+          </a:fillRef>
+          <a:effectRef idx="1">
+            <a:schemeClr val="accent1"/>
+          </a:effectRef>
+          <a:fontRef idx="minor">
+            <a:schemeClr val="tx1"/>
+          </a:fontRef>
+        </p:style>
+      </p:cxnSp>
+      <p:cxnSp>
+        <p:nvCxnSpPr>
+          <p:cNvPr id="55" name="直線コネクタ 54"/>
+          <p:cNvCxnSpPr/>
+          <p:nvPr/>
+        </p:nvCxnSpPr>
+        <p:spPr>
+          <a:xfrm flipV="1">
+            <a:off x="2570507" y="3536620"/>
+            <a:ext cx="1695450" cy="662568"/>
+          </a:xfrm>
+          <a:prstGeom prst="line">
+            <a:avLst/>
+          </a:prstGeom>
+          <a:ln>
+            <a:solidFill>
+              <a:schemeClr val="tx1"/>
+            </a:solidFill>
+          </a:ln>
+          <a:effectLst/>
+        </p:spPr>
+        <p:style>
+          <a:lnRef idx="2">
+            <a:schemeClr val="accent1"/>
+          </a:lnRef>
+          <a:fillRef idx="0">
+            <a:schemeClr val="accent1"/>
+          </a:fillRef>
+          <a:effectRef idx="1">
+            <a:schemeClr val="accent1"/>
+          </a:effectRef>
+          <a:fontRef idx="minor">
+            <a:schemeClr val="tx1"/>
+          </a:fontRef>
+        </p:style>
+      </p:cxnSp>
+    </p:spTree>
+    <p:extLst>
+      <p:ext uri="{BB962C8B-B14F-4D97-AF65-F5344CB8AC3E}">
+        <p14:creationId xmlns:p14="http://schemas.microsoft.com/office/powerpoint/2010/main" val="1546193900"/>
+      </p:ext>
+    </p:extLst>
+  </p:cSld>
+  <p:clrMapOvr>
+    <a:masterClrMapping/>
+  </p:clrMapOvr>
+</p:sld>
+</file>
+
+<file path=ppt/slides/slide4.xml><?xml version="1.0" encoding="utf-8"?>
+<p:sld xmlns:a="http://schemas.openxmlformats.org/drawingml/2006/main" xmlns:r="http://schemas.openxmlformats.org/officeDocument/2006/relationships" xmlns:p="http://schemas.openxmlformats.org/presentationml/2006/main">
+  <p:cSld>
+    <p:spTree>
+      <p:nvGrpSpPr>
+        <p:cNvPr id="1" name=""/>
+        <p:cNvGrpSpPr/>
+        <p:nvPr/>
+      </p:nvGrpSpPr>
+      <p:grpSpPr>
+        <a:xfrm>
+          <a:off x="0" y="0"/>
+          <a:ext cx="0" cy="0"/>
+          <a:chOff x="0" y="0"/>
+          <a:chExt cx="0" cy="0"/>
+        </a:xfrm>
+      </p:grpSpPr>
+      <p:sp>
+        <p:nvSpPr>
+          <p:cNvPr id="2" name="タイトル 1"/>
+          <p:cNvSpPr>
+            <a:spLocks noGrp="1"/>
+          </p:cNvSpPr>
+          <p:nvPr>
+            <p:ph type="title"/>
+          </p:nvPr>
+        </p:nvSpPr>
+        <p:spPr/>
+        <p:txBody>
+          <a:bodyPr/>
+          <a:lstStyle/>
+          <a:p>
+            <a:pPr algn="l"/>
+            <a:r>
               <a:rPr lang="en-US" altLang="ja-JP" dirty="0" smtClean="0"/>
-              <a:t>D-FF</a:t>
+              <a:t>D</a:t>
+            </a:r>
+            <a:r>
+              <a:rPr lang="en-US" altLang="ja-JP" dirty="0" smtClean="0"/>
+              <a:t>-FF</a:t>
             </a:r>
             <a:endParaRPr kumimoji="1" lang="ja-JP" altLang="en-US" dirty="0"/>
+          </a:p>
+        </p:txBody>
+      </p:sp>
+      <p:sp>
+        <p:nvSpPr>
+          <p:cNvPr id="3" name="円/楕円 2"/>
+          <p:cNvSpPr/>
+          <p:nvPr/>
+        </p:nvSpPr>
+        <p:spPr>
+          <a:xfrm>
+            <a:off x="7201240" y="4483560"/>
+            <a:ext cx="106681" cy="107950"/>
+          </a:xfrm>
+          <a:prstGeom prst="ellipse">
+            <a:avLst/>
+          </a:prstGeom>
+          <a:noFill/>
+          <a:ln w="22225">
+            <a:solidFill>
+              <a:schemeClr val="tx1"/>
+            </a:solidFill>
+          </a:ln>
+          <a:effectLst/>
+        </p:spPr>
+        <p:style>
+          <a:lnRef idx="1">
+            <a:schemeClr val="accent1"/>
+          </a:lnRef>
+          <a:fillRef idx="3">
+            <a:schemeClr val="accent1"/>
+          </a:fillRef>
+          <a:effectRef idx="2">
+            <a:schemeClr val="accent1"/>
+          </a:effectRef>
+          <a:fontRef idx="minor">
+            <a:schemeClr val="lt1"/>
+          </a:fontRef>
+        </p:style>
+        <p:txBody>
+          <a:bodyPr/>
+          <a:lstStyle/>
+          <a:p>
+            <a:endParaRPr lang="ja-JP" altLang="en-US" dirty="0"/>
+          </a:p>
+        </p:txBody>
+      </p:sp>
+      <p:grpSp>
+        <p:nvGrpSpPr>
+          <p:cNvPr id="4" name="図形グループ 3"/>
+          <p:cNvGrpSpPr/>
+          <p:nvPr/>
+        </p:nvGrpSpPr>
+        <p:grpSpPr>
+          <a:xfrm>
+            <a:off x="6181395" y="4150182"/>
+            <a:ext cx="1019845" cy="762000"/>
+            <a:chOff x="2495550" y="3385820"/>
+            <a:chExt cx="1019845" cy="762000"/>
+          </a:xfrm>
+        </p:grpSpPr>
+        <p:sp>
+          <p:nvSpPr>
+            <p:cNvPr id="5" name="円弧 4"/>
+            <p:cNvSpPr/>
+            <p:nvPr/>
+          </p:nvSpPr>
+          <p:spPr>
+            <a:xfrm>
+              <a:off x="2692435" y="3385820"/>
+              <a:ext cx="822960" cy="760730"/>
+            </a:xfrm>
+            <a:prstGeom prst="arc">
+              <a:avLst>
+                <a:gd name="adj1" fmla="val 16200000"/>
+                <a:gd name="adj2" fmla="val 5440160"/>
+              </a:avLst>
+            </a:prstGeom>
+            <a:ln>
+              <a:solidFill>
+                <a:schemeClr val="tx1"/>
+              </a:solidFill>
+            </a:ln>
+            <a:effectLst/>
+          </p:spPr>
+          <p:style>
+            <a:lnRef idx="2">
+              <a:schemeClr val="accent1"/>
+            </a:lnRef>
+            <a:fillRef idx="0">
+              <a:schemeClr val="accent1"/>
+            </a:fillRef>
+            <a:effectRef idx="1">
+              <a:schemeClr val="accent1"/>
+            </a:effectRef>
+            <a:fontRef idx="minor">
+              <a:schemeClr val="tx1"/>
+            </a:fontRef>
+          </p:style>
+          <p:txBody>
+            <a:bodyPr/>
+            <a:lstStyle/>
+            <a:p>
+              <a:endParaRPr lang="ja-JP" altLang="en-US" dirty="0"/>
+            </a:p>
+          </p:txBody>
+        </p:sp>
+        <p:cxnSp>
+          <p:nvCxnSpPr>
+            <p:cNvPr id="6" name="直線コネクタ 5"/>
+            <p:cNvCxnSpPr>
+              <a:endCxn id="5" idx="0"/>
+            </p:cNvCxnSpPr>
+            <p:nvPr/>
+          </p:nvCxnSpPr>
+          <p:spPr>
+            <a:xfrm>
+              <a:off x="2495550" y="3385820"/>
+              <a:ext cx="608365" cy="0"/>
+            </a:xfrm>
+            <a:prstGeom prst="line">
+              <a:avLst/>
+            </a:prstGeom>
+            <a:ln>
+              <a:solidFill>
+                <a:schemeClr val="tx1"/>
+              </a:solidFill>
+            </a:ln>
+            <a:effectLst/>
+          </p:spPr>
+          <p:style>
+            <a:lnRef idx="2">
+              <a:schemeClr val="accent1"/>
+            </a:lnRef>
+            <a:fillRef idx="0">
+              <a:schemeClr val="accent1"/>
+            </a:fillRef>
+            <a:effectRef idx="1">
+              <a:schemeClr val="accent1"/>
+            </a:effectRef>
+            <a:fontRef idx="minor">
+              <a:schemeClr val="tx1"/>
+            </a:fontRef>
+          </p:style>
+        </p:cxnSp>
+        <p:cxnSp>
+          <p:nvCxnSpPr>
+            <p:cNvPr id="7" name="直線コネクタ 6"/>
+            <p:cNvCxnSpPr/>
+            <p:nvPr/>
+          </p:nvCxnSpPr>
+          <p:spPr>
+            <a:xfrm>
+              <a:off x="2501900" y="3387090"/>
+              <a:ext cx="0" cy="760730"/>
+            </a:xfrm>
+            <a:prstGeom prst="line">
+              <a:avLst/>
+            </a:prstGeom>
+            <a:ln>
+              <a:solidFill>
+                <a:schemeClr val="tx1"/>
+              </a:solidFill>
+            </a:ln>
+            <a:effectLst/>
+          </p:spPr>
+          <p:style>
+            <a:lnRef idx="2">
+              <a:schemeClr val="accent1"/>
+            </a:lnRef>
+            <a:fillRef idx="0">
+              <a:schemeClr val="accent1"/>
+            </a:fillRef>
+            <a:effectRef idx="1">
+              <a:schemeClr val="accent1"/>
+            </a:effectRef>
+            <a:fontRef idx="minor">
+              <a:schemeClr val="tx1"/>
+            </a:fontRef>
+          </p:style>
+        </p:cxnSp>
+        <p:cxnSp>
+          <p:nvCxnSpPr>
+            <p:cNvPr id="8" name="直線コネクタ 7"/>
+            <p:cNvCxnSpPr>
+              <a:endCxn id="5" idx="2"/>
+            </p:cNvCxnSpPr>
+            <p:nvPr/>
+          </p:nvCxnSpPr>
+          <p:spPr>
+            <a:xfrm flipV="1">
+              <a:off x="2495550" y="4146528"/>
+              <a:ext cx="603922" cy="1292"/>
+            </a:xfrm>
+            <a:prstGeom prst="line">
+              <a:avLst/>
+            </a:prstGeom>
+            <a:ln>
+              <a:solidFill>
+                <a:schemeClr val="tx1"/>
+              </a:solidFill>
+            </a:ln>
+            <a:effectLst/>
+          </p:spPr>
+          <p:style>
+            <a:lnRef idx="2">
+              <a:schemeClr val="accent1"/>
+            </a:lnRef>
+            <a:fillRef idx="0">
+              <a:schemeClr val="accent1"/>
+            </a:fillRef>
+            <a:effectRef idx="1">
+              <a:schemeClr val="accent1"/>
+            </a:effectRef>
+            <a:fontRef idx="minor">
+              <a:schemeClr val="tx1"/>
+            </a:fontRef>
+          </p:style>
+        </p:cxnSp>
+      </p:grpSp>
+      <p:cxnSp>
+        <p:nvCxnSpPr>
+          <p:cNvPr id="9" name="直線コネクタ 8"/>
+          <p:cNvCxnSpPr/>
+          <p:nvPr/>
+        </p:nvCxnSpPr>
+        <p:spPr>
+          <a:xfrm>
+            <a:off x="5896915" y="4277185"/>
+            <a:ext cx="284480" cy="0"/>
+          </a:xfrm>
+          <a:prstGeom prst="line">
+            <a:avLst/>
+          </a:prstGeom>
+          <a:ln>
+            <a:solidFill>
+              <a:schemeClr val="tx1"/>
+            </a:solidFill>
+          </a:ln>
+          <a:effectLst/>
+        </p:spPr>
+        <p:style>
+          <a:lnRef idx="2">
+            <a:schemeClr val="accent1"/>
+          </a:lnRef>
+          <a:fillRef idx="0">
+            <a:schemeClr val="accent1"/>
+          </a:fillRef>
+          <a:effectRef idx="1">
+            <a:schemeClr val="accent1"/>
+          </a:effectRef>
+          <a:fontRef idx="minor">
+            <a:schemeClr val="tx1"/>
+          </a:fontRef>
+        </p:style>
+      </p:cxnSp>
+      <p:cxnSp>
+        <p:nvCxnSpPr>
+          <p:cNvPr id="11" name="直線コネクタ 10"/>
+          <p:cNvCxnSpPr>
+            <a:stCxn id="3" idx="6"/>
+          </p:cNvCxnSpPr>
+          <p:nvPr/>
+        </p:nvCxnSpPr>
+        <p:spPr>
+          <a:xfrm>
+            <a:off x="7307921" y="4537535"/>
+            <a:ext cx="653987" cy="0"/>
+          </a:xfrm>
+          <a:prstGeom prst="line">
+            <a:avLst/>
+          </a:prstGeom>
+          <a:ln>
+            <a:solidFill>
+              <a:schemeClr val="tx1"/>
+            </a:solidFill>
+          </a:ln>
+          <a:effectLst/>
+        </p:spPr>
+        <p:style>
+          <a:lnRef idx="2">
+            <a:schemeClr val="accent1"/>
+          </a:lnRef>
+          <a:fillRef idx="0">
+            <a:schemeClr val="accent1"/>
+          </a:fillRef>
+          <a:effectRef idx="1">
+            <a:schemeClr val="accent1"/>
+          </a:effectRef>
+          <a:fontRef idx="minor">
+            <a:schemeClr val="tx1"/>
+          </a:fontRef>
+        </p:style>
+      </p:cxnSp>
+      <p:sp>
+        <p:nvSpPr>
+          <p:cNvPr id="12" name="テキスト ボックス 11"/>
+          <p:cNvSpPr txBox="1"/>
+          <p:nvPr/>
+        </p:nvSpPr>
+        <p:spPr>
+          <a:xfrm>
+            <a:off x="5738289" y="4701760"/>
+            <a:ext cx="317252" cy="461665"/>
+          </a:xfrm>
+          <a:prstGeom prst="rect">
+            <a:avLst/>
+          </a:prstGeom>
+          <a:noFill/>
+        </p:spPr>
+        <p:txBody>
+          <a:bodyPr wrap="none" rtlCol="0">
+            <a:spAutoFit/>
+          </a:bodyPr>
+          <a:lstStyle/>
+          <a:p>
+            <a:r>
+              <a:rPr kumimoji="1" lang="en-US" altLang="ja-JP" sz="1200" i="1" dirty="0" smtClean="0">
+                <a:latin typeface="Book Antiqua"/>
+                <a:cs typeface="Book Antiqua"/>
+              </a:rPr>
+              <a:t>_</a:t>
+            </a:r>
+          </a:p>
+          <a:p>
+            <a:r>
+              <a:rPr kumimoji="1" lang="en-US" altLang="ja-JP" sz="1200" i="1" dirty="0" smtClean="0">
+                <a:latin typeface="Book Antiqua"/>
+                <a:cs typeface="Book Antiqua"/>
+              </a:rPr>
+              <a:t>R</a:t>
+            </a:r>
+            <a:endParaRPr kumimoji="1" lang="ja-JP" altLang="en-US" sz="1200" i="1" baseline="-25000" dirty="0">
+              <a:latin typeface="Book Antiqua"/>
+              <a:cs typeface="Book Antiqua"/>
+            </a:endParaRPr>
+          </a:p>
+        </p:txBody>
+      </p:sp>
+      <p:sp>
+        <p:nvSpPr>
+          <p:cNvPr id="13" name="テキスト ボックス 12"/>
+          <p:cNvSpPr txBox="1"/>
+          <p:nvPr/>
+        </p:nvSpPr>
+        <p:spPr>
+          <a:xfrm>
+            <a:off x="8017566" y="4201927"/>
+            <a:ext cx="334309" cy="461665"/>
+          </a:xfrm>
+          <a:prstGeom prst="rect">
+            <a:avLst/>
+          </a:prstGeom>
+          <a:noFill/>
+        </p:spPr>
+        <p:txBody>
+          <a:bodyPr wrap="none" rtlCol="0">
+            <a:spAutoFit/>
+          </a:bodyPr>
+          <a:lstStyle/>
+          <a:p>
+            <a:r>
+              <a:rPr lang="en-US" altLang="ja-JP" sz="1200" i="1" dirty="0" smtClean="0">
+                <a:latin typeface="Book Antiqua"/>
+                <a:cs typeface="Book Antiqua"/>
+              </a:rPr>
+              <a:t>_</a:t>
+            </a:r>
+          </a:p>
+          <a:p>
+            <a:r>
+              <a:rPr lang="en-US" altLang="ja-JP" sz="1200" i="1" dirty="0" smtClean="0">
+                <a:latin typeface="Book Antiqua"/>
+                <a:cs typeface="Book Antiqua"/>
+              </a:rPr>
+              <a:t>Q</a:t>
+            </a:r>
+            <a:endParaRPr kumimoji="1" lang="ja-JP" altLang="en-US" sz="1200" i="1" baseline="-25000" dirty="0">
+              <a:latin typeface="Book Antiqua"/>
+              <a:cs typeface="Book Antiqua"/>
+            </a:endParaRPr>
+          </a:p>
+        </p:txBody>
+      </p:sp>
+      <p:sp>
+        <p:nvSpPr>
+          <p:cNvPr id="14" name="円/楕円 13"/>
+          <p:cNvSpPr/>
+          <p:nvPr/>
+        </p:nvSpPr>
+        <p:spPr>
+          <a:xfrm>
+            <a:off x="7201240" y="3033263"/>
+            <a:ext cx="106681" cy="107950"/>
+          </a:xfrm>
+          <a:prstGeom prst="ellipse">
+            <a:avLst/>
+          </a:prstGeom>
+          <a:noFill/>
+          <a:ln w="22225">
+            <a:solidFill>
+              <a:schemeClr val="tx1"/>
+            </a:solidFill>
+          </a:ln>
+          <a:effectLst/>
+        </p:spPr>
+        <p:style>
+          <a:lnRef idx="1">
+            <a:schemeClr val="accent1"/>
+          </a:lnRef>
+          <a:fillRef idx="3">
+            <a:schemeClr val="accent1"/>
+          </a:fillRef>
+          <a:effectRef idx="2">
+            <a:schemeClr val="accent1"/>
+          </a:effectRef>
+          <a:fontRef idx="minor">
+            <a:schemeClr val="lt1"/>
+          </a:fontRef>
+        </p:style>
+        <p:txBody>
+          <a:bodyPr/>
+          <a:lstStyle/>
+          <a:p>
+            <a:endParaRPr lang="ja-JP" altLang="en-US" dirty="0"/>
+          </a:p>
+        </p:txBody>
+      </p:sp>
+      <p:grpSp>
+        <p:nvGrpSpPr>
+          <p:cNvPr id="15" name="図形グループ 14"/>
+          <p:cNvGrpSpPr/>
+          <p:nvPr/>
+        </p:nvGrpSpPr>
+        <p:grpSpPr>
+          <a:xfrm>
+            <a:off x="6181395" y="2699885"/>
+            <a:ext cx="1019845" cy="762000"/>
+            <a:chOff x="2495550" y="3385820"/>
+            <a:chExt cx="1019845" cy="762000"/>
+          </a:xfrm>
+        </p:grpSpPr>
+        <p:sp>
+          <p:nvSpPr>
+            <p:cNvPr id="16" name="円弧 15"/>
+            <p:cNvSpPr/>
+            <p:nvPr/>
+          </p:nvSpPr>
+          <p:spPr>
+            <a:xfrm>
+              <a:off x="2692435" y="3385820"/>
+              <a:ext cx="822960" cy="760730"/>
+            </a:xfrm>
+            <a:prstGeom prst="arc">
+              <a:avLst>
+                <a:gd name="adj1" fmla="val 16200000"/>
+                <a:gd name="adj2" fmla="val 5440160"/>
+              </a:avLst>
+            </a:prstGeom>
+            <a:ln>
+              <a:solidFill>
+                <a:schemeClr val="tx1"/>
+              </a:solidFill>
+            </a:ln>
+            <a:effectLst/>
+          </p:spPr>
+          <p:style>
+            <a:lnRef idx="2">
+              <a:schemeClr val="accent1"/>
+            </a:lnRef>
+            <a:fillRef idx="0">
+              <a:schemeClr val="accent1"/>
+            </a:fillRef>
+            <a:effectRef idx="1">
+              <a:schemeClr val="accent1"/>
+            </a:effectRef>
+            <a:fontRef idx="minor">
+              <a:schemeClr val="tx1"/>
+            </a:fontRef>
+          </p:style>
+          <p:txBody>
+            <a:bodyPr/>
+            <a:lstStyle/>
+            <a:p>
+              <a:endParaRPr lang="ja-JP" altLang="en-US" dirty="0"/>
+            </a:p>
+          </p:txBody>
+        </p:sp>
+        <p:cxnSp>
+          <p:nvCxnSpPr>
+            <p:cNvPr id="17" name="直線コネクタ 16"/>
+            <p:cNvCxnSpPr>
+              <a:endCxn id="16" idx="0"/>
+            </p:cNvCxnSpPr>
+            <p:nvPr/>
+          </p:nvCxnSpPr>
+          <p:spPr>
+            <a:xfrm>
+              <a:off x="2495550" y="3385820"/>
+              <a:ext cx="608365" cy="0"/>
+            </a:xfrm>
+            <a:prstGeom prst="line">
+              <a:avLst/>
+            </a:prstGeom>
+            <a:ln>
+              <a:solidFill>
+                <a:schemeClr val="tx1"/>
+              </a:solidFill>
+            </a:ln>
+            <a:effectLst/>
+          </p:spPr>
+          <p:style>
+            <a:lnRef idx="2">
+              <a:schemeClr val="accent1"/>
+            </a:lnRef>
+            <a:fillRef idx="0">
+              <a:schemeClr val="accent1"/>
+            </a:fillRef>
+            <a:effectRef idx="1">
+              <a:schemeClr val="accent1"/>
+            </a:effectRef>
+            <a:fontRef idx="minor">
+              <a:schemeClr val="tx1"/>
+            </a:fontRef>
+          </p:style>
+        </p:cxnSp>
+        <p:cxnSp>
+          <p:nvCxnSpPr>
+            <p:cNvPr id="18" name="直線コネクタ 17"/>
+            <p:cNvCxnSpPr/>
+            <p:nvPr/>
+          </p:nvCxnSpPr>
+          <p:spPr>
+            <a:xfrm>
+              <a:off x="2501900" y="3387090"/>
+              <a:ext cx="0" cy="760730"/>
+            </a:xfrm>
+            <a:prstGeom prst="line">
+              <a:avLst/>
+            </a:prstGeom>
+            <a:ln>
+              <a:solidFill>
+                <a:schemeClr val="tx1"/>
+              </a:solidFill>
+            </a:ln>
+            <a:effectLst/>
+          </p:spPr>
+          <p:style>
+            <a:lnRef idx="2">
+              <a:schemeClr val="accent1"/>
+            </a:lnRef>
+            <a:fillRef idx="0">
+              <a:schemeClr val="accent1"/>
+            </a:fillRef>
+            <a:effectRef idx="1">
+              <a:schemeClr val="accent1"/>
+            </a:effectRef>
+            <a:fontRef idx="minor">
+              <a:schemeClr val="tx1"/>
+            </a:fontRef>
+          </p:style>
+        </p:cxnSp>
+        <p:cxnSp>
+          <p:nvCxnSpPr>
+            <p:cNvPr id="19" name="直線コネクタ 18"/>
+            <p:cNvCxnSpPr>
+              <a:endCxn id="16" idx="2"/>
+            </p:cNvCxnSpPr>
+            <p:nvPr/>
+          </p:nvCxnSpPr>
+          <p:spPr>
+            <a:xfrm flipV="1">
+              <a:off x="2495550" y="4146528"/>
+              <a:ext cx="603922" cy="1292"/>
+            </a:xfrm>
+            <a:prstGeom prst="line">
+              <a:avLst/>
+            </a:prstGeom>
+            <a:ln>
+              <a:solidFill>
+                <a:schemeClr val="tx1"/>
+              </a:solidFill>
+            </a:ln>
+            <a:effectLst/>
+          </p:spPr>
+          <p:style>
+            <a:lnRef idx="2">
+              <a:schemeClr val="accent1"/>
+            </a:lnRef>
+            <a:fillRef idx="0">
+              <a:schemeClr val="accent1"/>
+            </a:fillRef>
+            <a:effectRef idx="1">
+              <a:schemeClr val="accent1"/>
+            </a:effectRef>
+            <a:fontRef idx="minor">
+              <a:schemeClr val="tx1"/>
+            </a:fontRef>
+          </p:style>
+        </p:cxnSp>
+      </p:grpSp>
+      <p:cxnSp>
+        <p:nvCxnSpPr>
+          <p:cNvPr id="21" name="直線コネクタ 20"/>
+          <p:cNvCxnSpPr/>
+          <p:nvPr/>
+        </p:nvCxnSpPr>
+        <p:spPr>
+          <a:xfrm>
+            <a:off x="5907075" y="3341238"/>
+            <a:ext cx="284480" cy="0"/>
+          </a:xfrm>
+          <a:prstGeom prst="line">
+            <a:avLst/>
+          </a:prstGeom>
+          <a:ln>
+            <a:solidFill>
+              <a:schemeClr val="tx1"/>
+            </a:solidFill>
+          </a:ln>
+          <a:effectLst/>
+        </p:spPr>
+        <p:style>
+          <a:lnRef idx="2">
+            <a:schemeClr val="accent1"/>
+          </a:lnRef>
+          <a:fillRef idx="0">
+            <a:schemeClr val="accent1"/>
+          </a:fillRef>
+          <a:effectRef idx="1">
+            <a:schemeClr val="accent1"/>
+          </a:effectRef>
+          <a:fontRef idx="minor">
+            <a:schemeClr val="tx1"/>
+          </a:fontRef>
+        </p:style>
+      </p:cxnSp>
+      <p:cxnSp>
+        <p:nvCxnSpPr>
+          <p:cNvPr id="22" name="直線コネクタ 21"/>
+          <p:cNvCxnSpPr>
+            <a:stCxn id="14" idx="6"/>
+          </p:cNvCxnSpPr>
+          <p:nvPr/>
+        </p:nvCxnSpPr>
+        <p:spPr>
+          <a:xfrm>
+            <a:off x="7307921" y="3087238"/>
+            <a:ext cx="653987" cy="0"/>
+          </a:xfrm>
+          <a:prstGeom prst="line">
+            <a:avLst/>
+          </a:prstGeom>
+          <a:ln>
+            <a:solidFill>
+              <a:schemeClr val="tx1"/>
+            </a:solidFill>
+          </a:ln>
+          <a:effectLst/>
+        </p:spPr>
+        <p:style>
+          <a:lnRef idx="2">
+            <a:schemeClr val="accent1"/>
+          </a:lnRef>
+          <a:fillRef idx="0">
+            <a:schemeClr val="accent1"/>
+          </a:fillRef>
+          <a:effectRef idx="1">
+            <a:schemeClr val="accent1"/>
+          </a:effectRef>
+          <a:fontRef idx="minor">
+            <a:schemeClr val="tx1"/>
+          </a:fontRef>
+        </p:style>
+      </p:cxnSp>
+      <p:sp>
+        <p:nvSpPr>
+          <p:cNvPr id="23" name="テキスト ボックス 22"/>
+          <p:cNvSpPr txBox="1"/>
+          <p:nvPr/>
+        </p:nvSpPr>
+        <p:spPr>
+          <a:xfrm>
+            <a:off x="5756977" y="2354954"/>
+            <a:ext cx="300195" cy="461665"/>
+          </a:xfrm>
+          <a:prstGeom prst="rect">
+            <a:avLst/>
+          </a:prstGeom>
+          <a:noFill/>
+        </p:spPr>
+        <p:txBody>
+          <a:bodyPr wrap="none" rtlCol="0">
+            <a:spAutoFit/>
+          </a:bodyPr>
+          <a:lstStyle/>
+          <a:p>
+            <a:r>
+              <a:rPr kumimoji="1" lang="en-US" altLang="ja-JP" sz="1200" i="1" dirty="0" smtClean="0">
+                <a:latin typeface="Book Antiqua"/>
+                <a:cs typeface="Book Antiqua"/>
+              </a:rPr>
+              <a:t>_</a:t>
+            </a:r>
+          </a:p>
+          <a:p>
+            <a:r>
+              <a:rPr kumimoji="1" lang="en-US" altLang="ja-JP" sz="1200" i="1" dirty="0" smtClean="0">
+                <a:latin typeface="Book Antiqua"/>
+                <a:cs typeface="Book Antiqua"/>
+              </a:rPr>
+              <a:t>S</a:t>
+            </a:r>
+            <a:endParaRPr kumimoji="1" lang="ja-JP" altLang="en-US" sz="1200" i="1" baseline="-25000" dirty="0">
+              <a:latin typeface="Book Antiqua"/>
+              <a:cs typeface="Book Antiqua"/>
+            </a:endParaRPr>
+          </a:p>
+        </p:txBody>
+      </p:sp>
+      <p:sp>
+        <p:nvSpPr>
+          <p:cNvPr id="24" name="テキスト ボックス 23"/>
+          <p:cNvSpPr txBox="1"/>
+          <p:nvPr/>
+        </p:nvSpPr>
+        <p:spPr>
+          <a:xfrm>
+            <a:off x="8017566" y="2916244"/>
+            <a:ext cx="334309" cy="276999"/>
+          </a:xfrm>
+          <a:prstGeom prst="rect">
+            <a:avLst/>
+          </a:prstGeom>
+          <a:noFill/>
+        </p:spPr>
+        <p:txBody>
+          <a:bodyPr wrap="none" rtlCol="0">
+            <a:spAutoFit/>
+          </a:bodyPr>
+          <a:lstStyle/>
+          <a:p>
+            <a:r>
+              <a:rPr lang="en-US" altLang="ja-JP" sz="1200" i="1" dirty="0" smtClean="0">
+                <a:latin typeface="Book Antiqua"/>
+                <a:cs typeface="Book Antiqua"/>
+              </a:rPr>
+              <a:t>Q</a:t>
+            </a:r>
+            <a:endParaRPr kumimoji="1" lang="ja-JP" altLang="en-US" sz="1200" i="1" baseline="-25000" dirty="0">
+              <a:latin typeface="Book Antiqua"/>
+              <a:cs typeface="Book Antiqua"/>
+            </a:endParaRPr>
+          </a:p>
+        </p:txBody>
+      </p:sp>
+      <p:cxnSp>
+        <p:nvCxnSpPr>
+          <p:cNvPr id="25" name="直線コネクタ 24"/>
+          <p:cNvCxnSpPr/>
+          <p:nvPr/>
+        </p:nvCxnSpPr>
+        <p:spPr>
+          <a:xfrm>
+            <a:off x="5896915" y="3330253"/>
+            <a:ext cx="0" cy="273380"/>
+          </a:xfrm>
+          <a:prstGeom prst="line">
+            <a:avLst/>
+          </a:prstGeom>
+          <a:ln>
+            <a:solidFill>
+              <a:schemeClr val="tx1"/>
+            </a:solidFill>
+          </a:ln>
+          <a:effectLst/>
+        </p:spPr>
+        <p:style>
+          <a:lnRef idx="2">
+            <a:schemeClr val="accent1"/>
+          </a:lnRef>
+          <a:fillRef idx="0">
+            <a:schemeClr val="accent1"/>
+          </a:fillRef>
+          <a:effectRef idx="1">
+            <a:schemeClr val="accent1"/>
+          </a:effectRef>
+          <a:fontRef idx="minor">
+            <a:schemeClr val="tx1"/>
+          </a:fontRef>
+        </p:style>
+      </p:cxnSp>
+      <p:cxnSp>
+        <p:nvCxnSpPr>
+          <p:cNvPr id="26" name="直線コネクタ 25"/>
+          <p:cNvCxnSpPr/>
+          <p:nvPr/>
+        </p:nvCxnSpPr>
+        <p:spPr>
+          <a:xfrm>
+            <a:off x="5907075" y="4003805"/>
+            <a:ext cx="0" cy="273380"/>
+          </a:xfrm>
+          <a:prstGeom prst="line">
+            <a:avLst/>
+          </a:prstGeom>
+          <a:ln>
+            <a:solidFill>
+              <a:schemeClr val="tx1"/>
+            </a:solidFill>
+          </a:ln>
+          <a:effectLst/>
+        </p:spPr>
+        <p:style>
+          <a:lnRef idx="2">
+            <a:schemeClr val="accent1"/>
+          </a:lnRef>
+          <a:fillRef idx="0">
+            <a:schemeClr val="accent1"/>
+          </a:fillRef>
+          <a:effectRef idx="1">
+            <a:schemeClr val="accent1"/>
+          </a:effectRef>
+          <a:fontRef idx="minor">
+            <a:schemeClr val="tx1"/>
+          </a:fontRef>
+        </p:style>
+      </p:cxnSp>
+      <p:cxnSp>
+        <p:nvCxnSpPr>
+          <p:cNvPr id="27" name="直線コネクタ 26"/>
+          <p:cNvCxnSpPr/>
+          <p:nvPr/>
+        </p:nvCxnSpPr>
+        <p:spPr>
+          <a:xfrm>
+            <a:off x="7592365" y="4264155"/>
+            <a:ext cx="0" cy="273380"/>
+          </a:xfrm>
+          <a:prstGeom prst="line">
+            <a:avLst/>
+          </a:prstGeom>
+          <a:ln>
+            <a:solidFill>
+              <a:schemeClr val="tx1"/>
+            </a:solidFill>
+          </a:ln>
+          <a:effectLst/>
+        </p:spPr>
+        <p:style>
+          <a:lnRef idx="2">
+            <a:schemeClr val="accent1"/>
+          </a:lnRef>
+          <a:fillRef idx="0">
+            <a:schemeClr val="accent1"/>
+          </a:fillRef>
+          <a:effectRef idx="1">
+            <a:schemeClr val="accent1"/>
+          </a:effectRef>
+          <a:fontRef idx="minor">
+            <a:schemeClr val="tx1"/>
+          </a:fontRef>
+        </p:style>
+      </p:cxnSp>
+      <p:cxnSp>
+        <p:nvCxnSpPr>
+          <p:cNvPr id="28" name="直線コネクタ 27"/>
+          <p:cNvCxnSpPr/>
+          <p:nvPr/>
+        </p:nvCxnSpPr>
+        <p:spPr>
+          <a:xfrm>
+            <a:off x="7591122" y="3087238"/>
+            <a:ext cx="0" cy="273380"/>
+          </a:xfrm>
+          <a:prstGeom prst="line">
+            <a:avLst/>
+          </a:prstGeom>
+          <a:ln>
+            <a:solidFill>
+              <a:schemeClr val="tx1"/>
+            </a:solidFill>
+          </a:ln>
+          <a:effectLst/>
+        </p:spPr>
+        <p:style>
+          <a:lnRef idx="2">
+            <a:schemeClr val="accent1"/>
+          </a:lnRef>
+          <a:fillRef idx="0">
+            <a:schemeClr val="accent1"/>
+          </a:fillRef>
+          <a:effectRef idx="1">
+            <a:schemeClr val="accent1"/>
+          </a:effectRef>
+          <a:fontRef idx="minor">
+            <a:schemeClr val="tx1"/>
+          </a:fontRef>
+        </p:style>
+      </p:cxnSp>
+      <p:sp>
+        <p:nvSpPr>
+          <p:cNvPr id="29" name="円/楕円 28"/>
+          <p:cNvSpPr/>
+          <p:nvPr/>
+        </p:nvSpPr>
+        <p:spPr>
+          <a:xfrm flipV="1">
+            <a:off x="7561535" y="3054744"/>
+            <a:ext cx="59174" cy="64988"/>
+          </a:xfrm>
+          <a:prstGeom prst="ellipse">
+            <a:avLst/>
+          </a:prstGeom>
+          <a:solidFill>
+            <a:srgbClr val="000000"/>
+          </a:solidFill>
+        </p:spPr>
+        <p:style>
+          <a:lnRef idx="2">
+            <a:schemeClr val="dk1"/>
+          </a:lnRef>
+          <a:fillRef idx="1">
+            <a:schemeClr val="lt1"/>
+          </a:fillRef>
+          <a:effectRef idx="0">
+            <a:schemeClr val="dk1"/>
+          </a:effectRef>
+          <a:fontRef idx="minor">
+            <a:schemeClr val="dk1"/>
+          </a:fontRef>
+        </p:style>
+        <p:txBody>
+          <a:bodyPr rtlCol="0" anchor="ctr"/>
+          <a:lstStyle/>
+          <a:p>
+            <a:pPr algn="ctr"/>
+            <a:endParaRPr kumimoji="1" lang="ja-JP" altLang="en-US" dirty="0"/>
+          </a:p>
+        </p:txBody>
+      </p:sp>
+      <p:sp>
+        <p:nvSpPr>
+          <p:cNvPr id="30" name="円/楕円 29"/>
+          <p:cNvSpPr/>
+          <p:nvPr/>
+        </p:nvSpPr>
+        <p:spPr>
+          <a:xfrm flipV="1">
+            <a:off x="7562778" y="4505041"/>
+            <a:ext cx="59174" cy="64988"/>
+          </a:xfrm>
+          <a:prstGeom prst="ellipse">
+            <a:avLst/>
+          </a:prstGeom>
+          <a:solidFill>
+            <a:srgbClr val="000000"/>
+          </a:solidFill>
+        </p:spPr>
+        <p:style>
+          <a:lnRef idx="2">
+            <a:schemeClr val="dk1"/>
+          </a:lnRef>
+          <a:fillRef idx="1">
+            <a:schemeClr val="lt1"/>
+          </a:fillRef>
+          <a:effectRef idx="0">
+            <a:schemeClr val="dk1"/>
+          </a:effectRef>
+          <a:fontRef idx="minor">
+            <a:schemeClr val="dk1"/>
+          </a:fontRef>
+        </p:style>
+        <p:txBody>
+          <a:bodyPr rtlCol="0" anchor="ctr"/>
+          <a:lstStyle/>
+          <a:p>
+            <a:pPr algn="ctr"/>
+            <a:endParaRPr kumimoji="1" lang="ja-JP" altLang="en-US" dirty="0"/>
+          </a:p>
+        </p:txBody>
+      </p:sp>
+      <p:cxnSp>
+        <p:nvCxnSpPr>
+          <p:cNvPr id="31" name="直線コネクタ 30"/>
+          <p:cNvCxnSpPr/>
+          <p:nvPr/>
+        </p:nvCxnSpPr>
+        <p:spPr>
+          <a:xfrm>
+            <a:off x="5896915" y="3603633"/>
+            <a:ext cx="1695450" cy="673552"/>
+          </a:xfrm>
+          <a:prstGeom prst="line">
+            <a:avLst/>
+          </a:prstGeom>
+          <a:ln>
+            <a:solidFill>
+              <a:schemeClr val="tx1"/>
+            </a:solidFill>
+          </a:ln>
+          <a:effectLst/>
+        </p:spPr>
+        <p:style>
+          <a:lnRef idx="2">
+            <a:schemeClr val="accent1"/>
+          </a:lnRef>
+          <a:fillRef idx="0">
+            <a:schemeClr val="accent1"/>
+          </a:fillRef>
+          <a:effectRef idx="1">
+            <a:schemeClr val="accent1"/>
+          </a:effectRef>
+          <a:fontRef idx="minor">
+            <a:schemeClr val="tx1"/>
+          </a:fontRef>
+        </p:style>
+      </p:cxnSp>
+      <p:cxnSp>
+        <p:nvCxnSpPr>
+          <p:cNvPr id="32" name="直線コネクタ 31"/>
+          <p:cNvCxnSpPr/>
+          <p:nvPr/>
+        </p:nvCxnSpPr>
+        <p:spPr>
+          <a:xfrm flipV="1">
+            <a:off x="5896915" y="3341238"/>
+            <a:ext cx="1695450" cy="662568"/>
+          </a:xfrm>
+          <a:prstGeom prst="line">
+            <a:avLst/>
+          </a:prstGeom>
+          <a:ln>
+            <a:solidFill>
+              <a:schemeClr val="tx1"/>
+            </a:solidFill>
+          </a:ln>
+          <a:effectLst/>
+        </p:spPr>
+        <p:style>
+          <a:lnRef idx="2">
+            <a:schemeClr val="accent1"/>
+          </a:lnRef>
+          <a:fillRef idx="0">
+            <a:schemeClr val="accent1"/>
+          </a:fillRef>
+          <a:effectRef idx="1">
+            <a:schemeClr val="accent1"/>
+          </a:effectRef>
+          <a:fontRef idx="minor">
+            <a:schemeClr val="tx1"/>
+          </a:fontRef>
+        </p:style>
+      </p:cxnSp>
+      <p:sp>
+        <p:nvSpPr>
+          <p:cNvPr id="33" name="円/楕円 32"/>
+          <p:cNvSpPr/>
+          <p:nvPr/>
+        </p:nvSpPr>
+        <p:spPr>
+          <a:xfrm>
+            <a:off x="4654631" y="6186392"/>
+            <a:ext cx="106681" cy="107950"/>
+          </a:xfrm>
+          <a:prstGeom prst="ellipse">
+            <a:avLst/>
+          </a:prstGeom>
+          <a:noFill/>
+          <a:ln w="22225">
+            <a:solidFill>
+              <a:schemeClr val="tx1"/>
+            </a:solidFill>
+          </a:ln>
+          <a:effectLst/>
+        </p:spPr>
+        <p:style>
+          <a:lnRef idx="1">
+            <a:schemeClr val="accent1"/>
+          </a:lnRef>
+          <a:fillRef idx="3">
+            <a:schemeClr val="accent1"/>
+          </a:fillRef>
+          <a:effectRef idx="2">
+            <a:schemeClr val="accent1"/>
+          </a:effectRef>
+          <a:fontRef idx="minor">
+            <a:schemeClr val="lt1"/>
+          </a:fontRef>
+        </p:style>
+        <p:txBody>
+          <a:bodyPr/>
+          <a:lstStyle/>
+          <a:p>
+            <a:endParaRPr lang="ja-JP" altLang="en-US" dirty="0"/>
+          </a:p>
+        </p:txBody>
+      </p:sp>
+      <p:grpSp>
+        <p:nvGrpSpPr>
+          <p:cNvPr id="34" name="図形グループ 33"/>
+          <p:cNvGrpSpPr/>
+          <p:nvPr/>
+        </p:nvGrpSpPr>
+        <p:grpSpPr>
+          <a:xfrm>
+            <a:off x="3634786" y="5853014"/>
+            <a:ext cx="1019845" cy="762000"/>
+            <a:chOff x="2495550" y="3385820"/>
+            <a:chExt cx="1019845" cy="762000"/>
+          </a:xfrm>
+        </p:grpSpPr>
+        <p:sp>
+          <p:nvSpPr>
+            <p:cNvPr id="35" name="円弧 34"/>
+            <p:cNvSpPr/>
+            <p:nvPr/>
+          </p:nvSpPr>
+          <p:spPr>
+            <a:xfrm>
+              <a:off x="2692435" y="3385820"/>
+              <a:ext cx="822960" cy="760730"/>
+            </a:xfrm>
+            <a:prstGeom prst="arc">
+              <a:avLst>
+                <a:gd name="adj1" fmla="val 16200000"/>
+                <a:gd name="adj2" fmla="val 5440160"/>
+              </a:avLst>
+            </a:prstGeom>
+            <a:ln>
+              <a:solidFill>
+                <a:schemeClr val="tx1"/>
+              </a:solidFill>
+            </a:ln>
+            <a:effectLst/>
+          </p:spPr>
+          <p:style>
+            <a:lnRef idx="2">
+              <a:schemeClr val="accent1"/>
+            </a:lnRef>
+            <a:fillRef idx="0">
+              <a:schemeClr val="accent1"/>
+            </a:fillRef>
+            <a:effectRef idx="1">
+              <a:schemeClr val="accent1"/>
+            </a:effectRef>
+            <a:fontRef idx="minor">
+              <a:schemeClr val="tx1"/>
+            </a:fontRef>
+          </p:style>
+          <p:txBody>
+            <a:bodyPr/>
+            <a:lstStyle/>
+            <a:p>
+              <a:endParaRPr lang="ja-JP" altLang="en-US" dirty="0"/>
+            </a:p>
+          </p:txBody>
+        </p:sp>
+        <p:cxnSp>
+          <p:nvCxnSpPr>
+            <p:cNvPr id="36" name="直線コネクタ 35"/>
+            <p:cNvCxnSpPr>
+              <a:endCxn id="35" idx="0"/>
+            </p:cNvCxnSpPr>
+            <p:nvPr/>
+          </p:nvCxnSpPr>
+          <p:spPr>
+            <a:xfrm>
+              <a:off x="2495550" y="3385820"/>
+              <a:ext cx="608365" cy="0"/>
+            </a:xfrm>
+            <a:prstGeom prst="line">
+              <a:avLst/>
+            </a:prstGeom>
+            <a:ln>
+              <a:solidFill>
+                <a:schemeClr val="tx1"/>
+              </a:solidFill>
+            </a:ln>
+            <a:effectLst/>
+          </p:spPr>
+          <p:style>
+            <a:lnRef idx="2">
+              <a:schemeClr val="accent1"/>
+            </a:lnRef>
+            <a:fillRef idx="0">
+              <a:schemeClr val="accent1"/>
+            </a:fillRef>
+            <a:effectRef idx="1">
+              <a:schemeClr val="accent1"/>
+            </a:effectRef>
+            <a:fontRef idx="minor">
+              <a:schemeClr val="tx1"/>
+            </a:fontRef>
+          </p:style>
+        </p:cxnSp>
+        <p:cxnSp>
+          <p:nvCxnSpPr>
+            <p:cNvPr id="37" name="直線コネクタ 36"/>
+            <p:cNvCxnSpPr/>
+            <p:nvPr/>
+          </p:nvCxnSpPr>
+          <p:spPr>
+            <a:xfrm>
+              <a:off x="2501900" y="3387090"/>
+              <a:ext cx="0" cy="760730"/>
+            </a:xfrm>
+            <a:prstGeom prst="line">
+              <a:avLst/>
+            </a:prstGeom>
+            <a:ln>
+              <a:solidFill>
+                <a:schemeClr val="tx1"/>
+              </a:solidFill>
+            </a:ln>
+            <a:effectLst/>
+          </p:spPr>
+          <p:style>
+            <a:lnRef idx="2">
+              <a:schemeClr val="accent1"/>
+            </a:lnRef>
+            <a:fillRef idx="0">
+              <a:schemeClr val="accent1"/>
+            </a:fillRef>
+            <a:effectRef idx="1">
+              <a:schemeClr val="accent1"/>
+            </a:effectRef>
+            <a:fontRef idx="minor">
+              <a:schemeClr val="tx1"/>
+            </a:fontRef>
+          </p:style>
+        </p:cxnSp>
+        <p:cxnSp>
+          <p:nvCxnSpPr>
+            <p:cNvPr id="38" name="直線コネクタ 37"/>
+            <p:cNvCxnSpPr>
+              <a:endCxn id="35" idx="2"/>
+            </p:cNvCxnSpPr>
+            <p:nvPr/>
+          </p:nvCxnSpPr>
+          <p:spPr>
+            <a:xfrm flipV="1">
+              <a:off x="2495550" y="4146528"/>
+              <a:ext cx="603922" cy="1292"/>
+            </a:xfrm>
+            <a:prstGeom prst="line">
+              <a:avLst/>
+            </a:prstGeom>
+            <a:ln>
+              <a:solidFill>
+                <a:schemeClr val="tx1"/>
+              </a:solidFill>
+            </a:ln>
+            <a:effectLst/>
+          </p:spPr>
+          <p:style>
+            <a:lnRef idx="2">
+              <a:schemeClr val="accent1"/>
+            </a:lnRef>
+            <a:fillRef idx="0">
+              <a:schemeClr val="accent1"/>
+            </a:fillRef>
+            <a:effectRef idx="1">
+              <a:schemeClr val="accent1"/>
+            </a:effectRef>
+            <a:fontRef idx="minor">
+              <a:schemeClr val="tx1"/>
+            </a:fontRef>
+          </p:style>
+        </p:cxnSp>
+      </p:grpSp>
+      <p:cxnSp>
+        <p:nvCxnSpPr>
+          <p:cNvPr id="39" name="直線コネクタ 38"/>
+          <p:cNvCxnSpPr/>
+          <p:nvPr/>
+        </p:nvCxnSpPr>
+        <p:spPr>
+          <a:xfrm>
+            <a:off x="3350306" y="5980017"/>
+            <a:ext cx="284480" cy="0"/>
+          </a:xfrm>
+          <a:prstGeom prst="line">
+            <a:avLst/>
+          </a:prstGeom>
+          <a:ln>
+            <a:solidFill>
+              <a:schemeClr val="tx1"/>
+            </a:solidFill>
+          </a:ln>
+          <a:effectLst/>
+        </p:spPr>
+        <p:style>
+          <a:lnRef idx="2">
+            <a:schemeClr val="accent1"/>
+          </a:lnRef>
+          <a:fillRef idx="0">
+            <a:schemeClr val="accent1"/>
+          </a:fillRef>
+          <a:effectRef idx="1">
+            <a:schemeClr val="accent1"/>
+          </a:effectRef>
+          <a:fontRef idx="minor">
+            <a:schemeClr val="tx1"/>
+          </a:fontRef>
+        </p:style>
+      </p:cxnSp>
+      <p:cxnSp>
+        <p:nvCxnSpPr>
+          <p:cNvPr id="40" name="直線コネクタ 39"/>
+          <p:cNvCxnSpPr/>
+          <p:nvPr/>
+        </p:nvCxnSpPr>
+        <p:spPr>
+          <a:xfrm>
+            <a:off x="2614449" y="6492457"/>
+            <a:ext cx="1024395" cy="0"/>
+          </a:xfrm>
+          <a:prstGeom prst="line">
+            <a:avLst/>
+          </a:prstGeom>
+          <a:ln>
+            <a:solidFill>
+              <a:schemeClr val="tx1"/>
+            </a:solidFill>
+          </a:ln>
+          <a:effectLst/>
+        </p:spPr>
+        <p:style>
+          <a:lnRef idx="2">
+            <a:schemeClr val="accent1"/>
+          </a:lnRef>
+          <a:fillRef idx="0">
+            <a:schemeClr val="accent1"/>
+          </a:fillRef>
+          <a:effectRef idx="1">
+            <a:schemeClr val="accent1"/>
+          </a:effectRef>
+          <a:fontRef idx="minor">
+            <a:schemeClr val="tx1"/>
+          </a:fontRef>
+        </p:style>
+      </p:cxnSp>
+      <p:cxnSp>
+        <p:nvCxnSpPr>
+          <p:cNvPr id="41" name="直線コネクタ 40"/>
+          <p:cNvCxnSpPr>
+            <a:stCxn id="33" idx="6"/>
+          </p:cNvCxnSpPr>
+          <p:nvPr/>
+        </p:nvCxnSpPr>
+        <p:spPr>
+          <a:xfrm>
+            <a:off x="4761312" y="6240367"/>
+            <a:ext cx="653987" cy="0"/>
+          </a:xfrm>
+          <a:prstGeom prst="line">
+            <a:avLst/>
+          </a:prstGeom>
+          <a:ln>
+            <a:solidFill>
+              <a:schemeClr val="tx1"/>
+            </a:solidFill>
+          </a:ln>
+          <a:effectLst/>
+        </p:spPr>
+        <p:style>
+          <a:lnRef idx="2">
+            <a:schemeClr val="accent1"/>
+          </a:lnRef>
+          <a:fillRef idx="0">
+            <a:schemeClr val="accent1"/>
+          </a:fillRef>
+          <a:effectRef idx="1">
+            <a:schemeClr val="accent1"/>
+          </a:effectRef>
+          <a:fontRef idx="minor">
+            <a:schemeClr val="tx1"/>
+          </a:fontRef>
+        </p:style>
+      </p:cxnSp>
+      <p:sp>
+        <p:nvSpPr>
+          <p:cNvPr id="42" name="テキスト ボックス 41"/>
+          <p:cNvSpPr txBox="1"/>
+          <p:nvPr/>
+        </p:nvSpPr>
+        <p:spPr>
+          <a:xfrm>
+            <a:off x="2237683" y="6338015"/>
+            <a:ext cx="334309" cy="276999"/>
+          </a:xfrm>
+          <a:prstGeom prst="rect">
+            <a:avLst/>
+          </a:prstGeom>
+          <a:noFill/>
+        </p:spPr>
+        <p:txBody>
+          <a:bodyPr wrap="none" rtlCol="0">
+            <a:spAutoFit/>
+          </a:bodyPr>
+          <a:lstStyle/>
+          <a:p>
+            <a:r>
+              <a:rPr lang="en-US" altLang="ja-JP" sz="1200" i="1" dirty="0" smtClean="0">
+                <a:latin typeface="Book Antiqua"/>
+                <a:cs typeface="Book Antiqua"/>
+              </a:rPr>
+              <a:t>D</a:t>
+            </a:r>
+            <a:endParaRPr kumimoji="1" lang="ja-JP" altLang="en-US" sz="1200" i="1" baseline="-25000" dirty="0">
+              <a:latin typeface="Book Antiqua"/>
+              <a:cs typeface="Book Antiqua"/>
+            </a:endParaRPr>
+          </a:p>
+        </p:txBody>
+      </p:sp>
+      <p:sp>
+        <p:nvSpPr>
+          <p:cNvPr id="44" name="円/楕円 43"/>
+          <p:cNvSpPr/>
+          <p:nvPr/>
+        </p:nvSpPr>
+        <p:spPr>
+          <a:xfrm>
+            <a:off x="4654631" y="4736095"/>
+            <a:ext cx="106681" cy="107950"/>
+          </a:xfrm>
+          <a:prstGeom prst="ellipse">
+            <a:avLst/>
+          </a:prstGeom>
+          <a:noFill/>
+          <a:ln w="22225">
+            <a:solidFill>
+              <a:schemeClr val="tx1"/>
+            </a:solidFill>
+          </a:ln>
+          <a:effectLst/>
+        </p:spPr>
+        <p:style>
+          <a:lnRef idx="1">
+            <a:schemeClr val="accent1"/>
+          </a:lnRef>
+          <a:fillRef idx="3">
+            <a:schemeClr val="accent1"/>
+          </a:fillRef>
+          <a:effectRef idx="2">
+            <a:schemeClr val="accent1"/>
+          </a:effectRef>
+          <a:fontRef idx="minor">
+            <a:schemeClr val="lt1"/>
+          </a:fontRef>
+        </p:style>
+        <p:txBody>
+          <a:bodyPr/>
+          <a:lstStyle/>
+          <a:p>
+            <a:endParaRPr lang="ja-JP" altLang="en-US" dirty="0"/>
+          </a:p>
+        </p:txBody>
+      </p:sp>
+      <p:grpSp>
+        <p:nvGrpSpPr>
+          <p:cNvPr id="45" name="図形グループ 44"/>
+          <p:cNvGrpSpPr/>
+          <p:nvPr/>
+        </p:nvGrpSpPr>
+        <p:grpSpPr>
+          <a:xfrm>
+            <a:off x="3634786" y="4402717"/>
+            <a:ext cx="1019845" cy="762000"/>
+            <a:chOff x="2495550" y="3385820"/>
+            <a:chExt cx="1019845" cy="762000"/>
+          </a:xfrm>
+        </p:grpSpPr>
+        <p:sp>
+          <p:nvSpPr>
+            <p:cNvPr id="46" name="円弧 45"/>
+            <p:cNvSpPr/>
+            <p:nvPr/>
+          </p:nvSpPr>
+          <p:spPr>
+            <a:xfrm>
+              <a:off x="2692435" y="3385820"/>
+              <a:ext cx="822960" cy="760730"/>
+            </a:xfrm>
+            <a:prstGeom prst="arc">
+              <a:avLst>
+                <a:gd name="adj1" fmla="val 16200000"/>
+                <a:gd name="adj2" fmla="val 5440160"/>
+              </a:avLst>
+            </a:prstGeom>
+            <a:ln>
+              <a:solidFill>
+                <a:schemeClr val="tx1"/>
+              </a:solidFill>
+            </a:ln>
+            <a:effectLst/>
+          </p:spPr>
+          <p:style>
+            <a:lnRef idx="2">
+              <a:schemeClr val="accent1"/>
+            </a:lnRef>
+            <a:fillRef idx="0">
+              <a:schemeClr val="accent1"/>
+            </a:fillRef>
+            <a:effectRef idx="1">
+              <a:schemeClr val="accent1"/>
+            </a:effectRef>
+            <a:fontRef idx="minor">
+              <a:schemeClr val="tx1"/>
+            </a:fontRef>
+          </p:style>
+          <p:txBody>
+            <a:bodyPr/>
+            <a:lstStyle/>
+            <a:p>
+              <a:endParaRPr lang="ja-JP" altLang="en-US" dirty="0"/>
+            </a:p>
+          </p:txBody>
+        </p:sp>
+        <p:cxnSp>
+          <p:nvCxnSpPr>
+            <p:cNvPr id="47" name="直線コネクタ 46"/>
+            <p:cNvCxnSpPr>
+              <a:endCxn id="46" idx="0"/>
+            </p:cNvCxnSpPr>
+            <p:nvPr/>
+          </p:nvCxnSpPr>
+          <p:spPr>
+            <a:xfrm>
+              <a:off x="2495550" y="3385820"/>
+              <a:ext cx="608365" cy="0"/>
+            </a:xfrm>
+            <a:prstGeom prst="line">
+              <a:avLst/>
+            </a:prstGeom>
+            <a:ln>
+              <a:solidFill>
+                <a:schemeClr val="tx1"/>
+              </a:solidFill>
+            </a:ln>
+            <a:effectLst/>
+          </p:spPr>
+          <p:style>
+            <a:lnRef idx="2">
+              <a:schemeClr val="accent1"/>
+            </a:lnRef>
+            <a:fillRef idx="0">
+              <a:schemeClr val="accent1"/>
+            </a:fillRef>
+            <a:effectRef idx="1">
+              <a:schemeClr val="accent1"/>
+            </a:effectRef>
+            <a:fontRef idx="minor">
+              <a:schemeClr val="tx1"/>
+            </a:fontRef>
+          </p:style>
+        </p:cxnSp>
+        <p:cxnSp>
+          <p:nvCxnSpPr>
+            <p:cNvPr id="48" name="直線コネクタ 47"/>
+            <p:cNvCxnSpPr/>
+            <p:nvPr/>
+          </p:nvCxnSpPr>
+          <p:spPr>
+            <a:xfrm>
+              <a:off x="2501900" y="3387090"/>
+              <a:ext cx="0" cy="760730"/>
+            </a:xfrm>
+            <a:prstGeom prst="line">
+              <a:avLst/>
+            </a:prstGeom>
+            <a:ln>
+              <a:solidFill>
+                <a:schemeClr val="tx1"/>
+              </a:solidFill>
+            </a:ln>
+            <a:effectLst/>
+          </p:spPr>
+          <p:style>
+            <a:lnRef idx="2">
+              <a:schemeClr val="accent1"/>
+            </a:lnRef>
+            <a:fillRef idx="0">
+              <a:schemeClr val="accent1"/>
+            </a:fillRef>
+            <a:effectRef idx="1">
+              <a:schemeClr val="accent1"/>
+            </a:effectRef>
+            <a:fontRef idx="minor">
+              <a:schemeClr val="tx1"/>
+            </a:fontRef>
+          </p:style>
+        </p:cxnSp>
+        <p:cxnSp>
+          <p:nvCxnSpPr>
+            <p:cNvPr id="49" name="直線コネクタ 48"/>
+            <p:cNvCxnSpPr>
+              <a:endCxn id="46" idx="2"/>
+            </p:cNvCxnSpPr>
+            <p:nvPr/>
+          </p:nvCxnSpPr>
+          <p:spPr>
+            <a:xfrm flipV="1">
+              <a:off x="2495550" y="4146528"/>
+              <a:ext cx="603922" cy="1292"/>
+            </a:xfrm>
+            <a:prstGeom prst="line">
+              <a:avLst/>
+            </a:prstGeom>
+            <a:ln>
+              <a:solidFill>
+                <a:schemeClr val="tx1"/>
+              </a:solidFill>
+            </a:ln>
+            <a:effectLst/>
+          </p:spPr>
+          <p:style>
+            <a:lnRef idx="2">
+              <a:schemeClr val="accent1"/>
+            </a:lnRef>
+            <a:fillRef idx="0">
+              <a:schemeClr val="accent1"/>
+            </a:fillRef>
+            <a:effectRef idx="1">
+              <a:schemeClr val="accent1"/>
+            </a:effectRef>
+            <a:fontRef idx="minor">
+              <a:schemeClr val="tx1"/>
+            </a:fontRef>
+          </p:style>
+        </p:cxnSp>
+      </p:grpSp>
+      <p:cxnSp>
+        <p:nvCxnSpPr>
+          <p:cNvPr id="51" name="直線コネクタ 50"/>
+          <p:cNvCxnSpPr/>
+          <p:nvPr/>
+        </p:nvCxnSpPr>
+        <p:spPr>
+          <a:xfrm>
+            <a:off x="3360466" y="5044070"/>
+            <a:ext cx="284480" cy="0"/>
+          </a:xfrm>
+          <a:prstGeom prst="line">
+            <a:avLst/>
+          </a:prstGeom>
+          <a:ln>
+            <a:solidFill>
+              <a:schemeClr val="tx1"/>
+            </a:solidFill>
+          </a:ln>
+          <a:effectLst/>
+        </p:spPr>
+        <p:style>
+          <a:lnRef idx="2">
+            <a:schemeClr val="accent1"/>
+          </a:lnRef>
+          <a:fillRef idx="0">
+            <a:schemeClr val="accent1"/>
+          </a:fillRef>
+          <a:effectRef idx="1">
+            <a:schemeClr val="accent1"/>
+          </a:effectRef>
+          <a:fontRef idx="minor">
+            <a:schemeClr val="tx1"/>
+          </a:fontRef>
+        </p:style>
+      </p:cxnSp>
+      <p:cxnSp>
+        <p:nvCxnSpPr>
+          <p:cNvPr id="52" name="直線コネクタ 51"/>
+          <p:cNvCxnSpPr>
+            <a:stCxn id="44" idx="6"/>
+          </p:cNvCxnSpPr>
+          <p:nvPr/>
+        </p:nvCxnSpPr>
+        <p:spPr>
+          <a:xfrm>
+            <a:off x="4761312" y="4790070"/>
+            <a:ext cx="1420083" cy="0"/>
+          </a:xfrm>
+          <a:prstGeom prst="line">
+            <a:avLst/>
+          </a:prstGeom>
+          <a:ln>
+            <a:solidFill>
+              <a:schemeClr val="tx1"/>
+            </a:solidFill>
+          </a:ln>
+          <a:effectLst/>
+        </p:spPr>
+        <p:style>
+          <a:lnRef idx="2">
+            <a:schemeClr val="accent1"/>
+          </a:lnRef>
+          <a:fillRef idx="0">
+            <a:schemeClr val="accent1"/>
+          </a:fillRef>
+          <a:effectRef idx="1">
+            <a:schemeClr val="accent1"/>
+          </a:effectRef>
+          <a:fontRef idx="minor">
+            <a:schemeClr val="tx1"/>
+          </a:fontRef>
+        </p:style>
+      </p:cxnSp>
+      <p:sp>
+        <p:nvSpPr>
+          <p:cNvPr id="53" name="テキスト ボックス 52"/>
+          <p:cNvSpPr txBox="1"/>
+          <p:nvPr/>
+        </p:nvSpPr>
+        <p:spPr>
+          <a:xfrm>
+            <a:off x="2254740" y="3689807"/>
+            <a:ext cx="317252" cy="276999"/>
+          </a:xfrm>
+          <a:prstGeom prst="rect">
+            <a:avLst/>
+          </a:prstGeom>
+          <a:noFill/>
+        </p:spPr>
+        <p:txBody>
+          <a:bodyPr wrap="none" rtlCol="0">
+            <a:spAutoFit/>
+          </a:bodyPr>
+          <a:lstStyle/>
+          <a:p>
+            <a:r>
+              <a:rPr lang="en-US" altLang="ja-JP" sz="1200" i="1" dirty="0" smtClean="0">
+                <a:latin typeface="Book Antiqua"/>
+                <a:cs typeface="Book Antiqua"/>
+              </a:rPr>
+              <a:t>C</a:t>
+            </a:r>
+            <a:endParaRPr kumimoji="1" lang="ja-JP" altLang="en-US" sz="1200" i="1" baseline="-25000" dirty="0">
+              <a:latin typeface="Book Antiqua"/>
+              <a:cs typeface="Book Antiqua"/>
+            </a:endParaRPr>
+          </a:p>
+        </p:txBody>
+      </p:sp>
+      <p:cxnSp>
+        <p:nvCxnSpPr>
+          <p:cNvPr id="55" name="直線コネクタ 54"/>
+          <p:cNvCxnSpPr/>
+          <p:nvPr/>
+        </p:nvCxnSpPr>
+        <p:spPr>
+          <a:xfrm>
+            <a:off x="3350306" y="5033085"/>
+            <a:ext cx="0" cy="273380"/>
+          </a:xfrm>
+          <a:prstGeom prst="line">
+            <a:avLst/>
+          </a:prstGeom>
+          <a:ln>
+            <a:solidFill>
+              <a:schemeClr val="tx1"/>
+            </a:solidFill>
+          </a:ln>
+          <a:effectLst/>
+        </p:spPr>
+        <p:style>
+          <a:lnRef idx="2">
+            <a:schemeClr val="accent1"/>
+          </a:lnRef>
+          <a:fillRef idx="0">
+            <a:schemeClr val="accent1"/>
+          </a:fillRef>
+          <a:effectRef idx="1">
+            <a:schemeClr val="accent1"/>
+          </a:effectRef>
+          <a:fontRef idx="minor">
+            <a:schemeClr val="tx1"/>
+          </a:fontRef>
+        </p:style>
+      </p:cxnSp>
+      <p:cxnSp>
+        <p:nvCxnSpPr>
+          <p:cNvPr id="56" name="直線コネクタ 55"/>
+          <p:cNvCxnSpPr/>
+          <p:nvPr/>
+        </p:nvCxnSpPr>
+        <p:spPr>
+          <a:xfrm>
+            <a:off x="3360466" y="5706637"/>
+            <a:ext cx="0" cy="273380"/>
+          </a:xfrm>
+          <a:prstGeom prst="line">
+            <a:avLst/>
+          </a:prstGeom>
+          <a:ln>
+            <a:solidFill>
+              <a:schemeClr val="tx1"/>
+            </a:solidFill>
+          </a:ln>
+          <a:effectLst/>
+        </p:spPr>
+        <p:style>
+          <a:lnRef idx="2">
+            <a:schemeClr val="accent1"/>
+          </a:lnRef>
+          <a:fillRef idx="0">
+            <a:schemeClr val="accent1"/>
+          </a:fillRef>
+          <a:effectRef idx="1">
+            <a:schemeClr val="accent1"/>
+          </a:effectRef>
+          <a:fontRef idx="minor">
+            <a:schemeClr val="tx1"/>
+          </a:fontRef>
+        </p:style>
+      </p:cxnSp>
+      <p:cxnSp>
+        <p:nvCxnSpPr>
+          <p:cNvPr id="57" name="直線コネクタ 56"/>
+          <p:cNvCxnSpPr/>
+          <p:nvPr/>
+        </p:nvCxnSpPr>
+        <p:spPr>
+          <a:xfrm>
+            <a:off x="5045756" y="5966987"/>
+            <a:ext cx="0" cy="273380"/>
+          </a:xfrm>
+          <a:prstGeom prst="line">
+            <a:avLst/>
+          </a:prstGeom>
+          <a:ln>
+            <a:solidFill>
+              <a:schemeClr val="tx1"/>
+            </a:solidFill>
+          </a:ln>
+          <a:effectLst/>
+        </p:spPr>
+        <p:style>
+          <a:lnRef idx="2">
+            <a:schemeClr val="accent1"/>
+          </a:lnRef>
+          <a:fillRef idx="0">
+            <a:schemeClr val="accent1"/>
+          </a:fillRef>
+          <a:effectRef idx="1">
+            <a:schemeClr val="accent1"/>
+          </a:effectRef>
+          <a:fontRef idx="minor">
+            <a:schemeClr val="tx1"/>
+          </a:fontRef>
+        </p:style>
+      </p:cxnSp>
+      <p:cxnSp>
+        <p:nvCxnSpPr>
+          <p:cNvPr id="58" name="直線コネクタ 57"/>
+          <p:cNvCxnSpPr/>
+          <p:nvPr/>
+        </p:nvCxnSpPr>
+        <p:spPr>
+          <a:xfrm>
+            <a:off x="5044513" y="4790070"/>
+            <a:ext cx="0" cy="273380"/>
+          </a:xfrm>
+          <a:prstGeom prst="line">
+            <a:avLst/>
+          </a:prstGeom>
+          <a:ln>
+            <a:solidFill>
+              <a:schemeClr val="tx1"/>
+            </a:solidFill>
+          </a:ln>
+          <a:effectLst/>
+        </p:spPr>
+        <p:style>
+          <a:lnRef idx="2">
+            <a:schemeClr val="accent1"/>
+          </a:lnRef>
+          <a:fillRef idx="0">
+            <a:schemeClr val="accent1"/>
+          </a:fillRef>
+          <a:effectRef idx="1">
+            <a:schemeClr val="accent1"/>
+          </a:effectRef>
+          <a:fontRef idx="minor">
+            <a:schemeClr val="tx1"/>
+          </a:fontRef>
+        </p:style>
+      </p:cxnSp>
+      <p:sp>
+        <p:nvSpPr>
+          <p:cNvPr id="59" name="円/楕円 58"/>
+          <p:cNvSpPr/>
+          <p:nvPr/>
+        </p:nvSpPr>
+        <p:spPr>
+          <a:xfrm flipV="1">
+            <a:off x="5014926" y="4757576"/>
+            <a:ext cx="59174" cy="64988"/>
+          </a:xfrm>
+          <a:prstGeom prst="ellipse">
+            <a:avLst/>
+          </a:prstGeom>
+          <a:solidFill>
+            <a:srgbClr val="000000"/>
+          </a:solidFill>
+        </p:spPr>
+        <p:style>
+          <a:lnRef idx="2">
+            <a:schemeClr val="dk1"/>
+          </a:lnRef>
+          <a:fillRef idx="1">
+            <a:schemeClr val="lt1"/>
+          </a:fillRef>
+          <a:effectRef idx="0">
+            <a:schemeClr val="dk1"/>
+          </a:effectRef>
+          <a:fontRef idx="minor">
+            <a:schemeClr val="dk1"/>
+          </a:fontRef>
+        </p:style>
+        <p:txBody>
+          <a:bodyPr rtlCol="0" anchor="ctr"/>
+          <a:lstStyle/>
+          <a:p>
+            <a:pPr algn="ctr"/>
+            <a:endParaRPr kumimoji="1" lang="ja-JP" altLang="en-US" dirty="0"/>
+          </a:p>
+        </p:txBody>
+      </p:sp>
+      <p:sp>
+        <p:nvSpPr>
+          <p:cNvPr id="60" name="円/楕円 59"/>
+          <p:cNvSpPr/>
+          <p:nvPr/>
+        </p:nvSpPr>
+        <p:spPr>
+          <a:xfrm flipV="1">
+            <a:off x="5016169" y="6207873"/>
+            <a:ext cx="59174" cy="64988"/>
+          </a:xfrm>
+          <a:prstGeom prst="ellipse">
+            <a:avLst/>
+          </a:prstGeom>
+          <a:solidFill>
+            <a:srgbClr val="000000"/>
+          </a:solidFill>
+        </p:spPr>
+        <p:style>
+          <a:lnRef idx="2">
+            <a:schemeClr val="dk1"/>
+          </a:lnRef>
+          <a:fillRef idx="1">
+            <a:schemeClr val="lt1"/>
+          </a:fillRef>
+          <a:effectRef idx="0">
+            <a:schemeClr val="dk1"/>
+          </a:effectRef>
+          <a:fontRef idx="minor">
+            <a:schemeClr val="dk1"/>
+          </a:fontRef>
+        </p:style>
+        <p:txBody>
+          <a:bodyPr rtlCol="0" anchor="ctr"/>
+          <a:lstStyle/>
+          <a:p>
+            <a:pPr algn="ctr"/>
+            <a:endParaRPr kumimoji="1" lang="ja-JP" altLang="en-US" dirty="0"/>
+          </a:p>
+        </p:txBody>
+      </p:sp>
+      <p:cxnSp>
+        <p:nvCxnSpPr>
+          <p:cNvPr id="61" name="直線コネクタ 60"/>
+          <p:cNvCxnSpPr/>
+          <p:nvPr/>
+        </p:nvCxnSpPr>
+        <p:spPr>
+          <a:xfrm>
+            <a:off x="3350306" y="5306465"/>
+            <a:ext cx="1695450" cy="673552"/>
+          </a:xfrm>
+          <a:prstGeom prst="line">
+            <a:avLst/>
+          </a:prstGeom>
+          <a:ln>
+            <a:solidFill>
+              <a:schemeClr val="tx1"/>
+            </a:solidFill>
+          </a:ln>
+          <a:effectLst/>
+        </p:spPr>
+        <p:style>
+          <a:lnRef idx="2">
+            <a:schemeClr val="accent1"/>
+          </a:lnRef>
+          <a:fillRef idx="0">
+            <a:schemeClr val="accent1"/>
+          </a:fillRef>
+          <a:effectRef idx="1">
+            <a:schemeClr val="accent1"/>
+          </a:effectRef>
+          <a:fontRef idx="minor">
+            <a:schemeClr val="tx1"/>
+          </a:fontRef>
+        </p:style>
+      </p:cxnSp>
+      <p:cxnSp>
+        <p:nvCxnSpPr>
+          <p:cNvPr id="62" name="直線コネクタ 61"/>
+          <p:cNvCxnSpPr/>
+          <p:nvPr/>
+        </p:nvCxnSpPr>
+        <p:spPr>
+          <a:xfrm flipV="1">
+            <a:off x="3350306" y="5063450"/>
+            <a:ext cx="1695450" cy="643188"/>
+          </a:xfrm>
+          <a:prstGeom prst="line">
+            <a:avLst/>
+          </a:prstGeom>
+          <a:ln>
+            <a:solidFill>
+              <a:schemeClr val="tx1"/>
+            </a:solidFill>
+          </a:ln>
+          <a:effectLst/>
+        </p:spPr>
+        <p:style>
+          <a:lnRef idx="2">
+            <a:schemeClr val="accent1"/>
+          </a:lnRef>
+          <a:fillRef idx="0">
+            <a:schemeClr val="accent1"/>
+          </a:fillRef>
+          <a:effectRef idx="1">
+            <a:schemeClr val="accent1"/>
+          </a:effectRef>
+          <a:fontRef idx="minor">
+            <a:schemeClr val="tx1"/>
+          </a:fontRef>
+        </p:style>
+      </p:cxnSp>
+      <p:sp>
+        <p:nvSpPr>
+          <p:cNvPr id="63" name="円/楕円 62"/>
+          <p:cNvSpPr/>
+          <p:nvPr/>
+        </p:nvSpPr>
+        <p:spPr>
+          <a:xfrm>
+            <a:off x="4706040" y="2770549"/>
+            <a:ext cx="106681" cy="107950"/>
+          </a:xfrm>
+          <a:prstGeom prst="ellipse">
+            <a:avLst/>
+          </a:prstGeom>
+          <a:noFill/>
+          <a:ln w="22225">
+            <a:solidFill>
+              <a:schemeClr val="tx1"/>
+            </a:solidFill>
+          </a:ln>
+          <a:effectLst/>
+        </p:spPr>
+        <p:style>
+          <a:lnRef idx="1">
+            <a:schemeClr val="accent1"/>
+          </a:lnRef>
+          <a:fillRef idx="3">
+            <a:schemeClr val="accent1"/>
+          </a:fillRef>
+          <a:effectRef idx="2">
+            <a:schemeClr val="accent1"/>
+          </a:effectRef>
+          <a:fontRef idx="minor">
+            <a:schemeClr val="lt1"/>
+          </a:fontRef>
+        </p:style>
+        <p:txBody>
+          <a:bodyPr/>
+          <a:lstStyle/>
+          <a:p>
+            <a:endParaRPr lang="ja-JP" altLang="en-US" dirty="0"/>
+          </a:p>
+        </p:txBody>
+      </p:sp>
+      <p:grpSp>
+        <p:nvGrpSpPr>
+          <p:cNvPr id="64" name="図形グループ 63"/>
+          <p:cNvGrpSpPr/>
+          <p:nvPr/>
+        </p:nvGrpSpPr>
+        <p:grpSpPr>
+          <a:xfrm>
+            <a:off x="3686195" y="2437171"/>
+            <a:ext cx="1019845" cy="762000"/>
+            <a:chOff x="2495550" y="3385820"/>
+            <a:chExt cx="1019845" cy="762000"/>
+          </a:xfrm>
+        </p:grpSpPr>
+        <p:sp>
+          <p:nvSpPr>
+            <p:cNvPr id="65" name="円弧 64"/>
+            <p:cNvSpPr/>
+            <p:nvPr/>
+          </p:nvSpPr>
+          <p:spPr>
+            <a:xfrm>
+              <a:off x="2692435" y="3385820"/>
+              <a:ext cx="822960" cy="760730"/>
+            </a:xfrm>
+            <a:prstGeom prst="arc">
+              <a:avLst>
+                <a:gd name="adj1" fmla="val 16200000"/>
+                <a:gd name="adj2" fmla="val 5440160"/>
+              </a:avLst>
+            </a:prstGeom>
+            <a:ln>
+              <a:solidFill>
+                <a:schemeClr val="tx1"/>
+              </a:solidFill>
+            </a:ln>
+            <a:effectLst/>
+          </p:spPr>
+          <p:style>
+            <a:lnRef idx="2">
+              <a:schemeClr val="accent1"/>
+            </a:lnRef>
+            <a:fillRef idx="0">
+              <a:schemeClr val="accent1"/>
+            </a:fillRef>
+            <a:effectRef idx="1">
+              <a:schemeClr val="accent1"/>
+            </a:effectRef>
+            <a:fontRef idx="minor">
+              <a:schemeClr val="tx1"/>
+            </a:fontRef>
+          </p:style>
+          <p:txBody>
+            <a:bodyPr/>
+            <a:lstStyle/>
+            <a:p>
+              <a:endParaRPr lang="ja-JP" altLang="en-US" dirty="0"/>
+            </a:p>
+          </p:txBody>
+        </p:sp>
+        <p:cxnSp>
+          <p:nvCxnSpPr>
+            <p:cNvPr id="66" name="直線コネクタ 65"/>
+            <p:cNvCxnSpPr>
+              <a:endCxn id="65" idx="0"/>
+            </p:cNvCxnSpPr>
+            <p:nvPr/>
+          </p:nvCxnSpPr>
+          <p:spPr>
+            <a:xfrm>
+              <a:off x="2495550" y="3385820"/>
+              <a:ext cx="608365" cy="0"/>
+            </a:xfrm>
+            <a:prstGeom prst="line">
+              <a:avLst/>
+            </a:prstGeom>
+            <a:ln>
+              <a:solidFill>
+                <a:schemeClr val="tx1"/>
+              </a:solidFill>
+            </a:ln>
+            <a:effectLst/>
+          </p:spPr>
+          <p:style>
+            <a:lnRef idx="2">
+              <a:schemeClr val="accent1"/>
+            </a:lnRef>
+            <a:fillRef idx="0">
+              <a:schemeClr val="accent1"/>
+            </a:fillRef>
+            <a:effectRef idx="1">
+              <a:schemeClr val="accent1"/>
+            </a:effectRef>
+            <a:fontRef idx="minor">
+              <a:schemeClr val="tx1"/>
+            </a:fontRef>
+          </p:style>
+        </p:cxnSp>
+        <p:cxnSp>
+          <p:nvCxnSpPr>
+            <p:cNvPr id="67" name="直線コネクタ 66"/>
+            <p:cNvCxnSpPr/>
+            <p:nvPr/>
+          </p:nvCxnSpPr>
+          <p:spPr>
+            <a:xfrm>
+              <a:off x="2501900" y="3387090"/>
+              <a:ext cx="0" cy="760730"/>
+            </a:xfrm>
+            <a:prstGeom prst="line">
+              <a:avLst/>
+            </a:prstGeom>
+            <a:ln>
+              <a:solidFill>
+                <a:schemeClr val="tx1"/>
+              </a:solidFill>
+            </a:ln>
+            <a:effectLst/>
+          </p:spPr>
+          <p:style>
+            <a:lnRef idx="2">
+              <a:schemeClr val="accent1"/>
+            </a:lnRef>
+            <a:fillRef idx="0">
+              <a:schemeClr val="accent1"/>
+            </a:fillRef>
+            <a:effectRef idx="1">
+              <a:schemeClr val="accent1"/>
+            </a:effectRef>
+            <a:fontRef idx="minor">
+              <a:schemeClr val="tx1"/>
+            </a:fontRef>
+          </p:style>
+        </p:cxnSp>
+        <p:cxnSp>
+          <p:nvCxnSpPr>
+            <p:cNvPr id="68" name="直線コネクタ 67"/>
+            <p:cNvCxnSpPr>
+              <a:endCxn id="65" idx="2"/>
+            </p:cNvCxnSpPr>
+            <p:nvPr/>
+          </p:nvCxnSpPr>
+          <p:spPr>
+            <a:xfrm flipV="1">
+              <a:off x="2495550" y="4146528"/>
+              <a:ext cx="603922" cy="1292"/>
+            </a:xfrm>
+            <a:prstGeom prst="line">
+              <a:avLst/>
+            </a:prstGeom>
+            <a:ln>
+              <a:solidFill>
+                <a:schemeClr val="tx1"/>
+              </a:solidFill>
+            </a:ln>
+            <a:effectLst/>
+          </p:spPr>
+          <p:style>
+            <a:lnRef idx="2">
+              <a:schemeClr val="accent1"/>
+            </a:lnRef>
+            <a:fillRef idx="0">
+              <a:schemeClr val="accent1"/>
+            </a:fillRef>
+            <a:effectRef idx="1">
+              <a:schemeClr val="accent1"/>
+            </a:effectRef>
+            <a:fontRef idx="minor">
+              <a:schemeClr val="tx1"/>
+            </a:fontRef>
+          </p:style>
+        </p:cxnSp>
+      </p:grpSp>
+      <p:cxnSp>
+        <p:nvCxnSpPr>
+          <p:cNvPr id="69" name="直線コネクタ 68"/>
+          <p:cNvCxnSpPr/>
+          <p:nvPr/>
+        </p:nvCxnSpPr>
+        <p:spPr>
+          <a:xfrm>
+            <a:off x="3401715" y="2564174"/>
+            <a:ext cx="284480" cy="0"/>
+          </a:xfrm>
+          <a:prstGeom prst="line">
+            <a:avLst/>
+          </a:prstGeom>
+          <a:ln>
+            <a:solidFill>
+              <a:schemeClr val="tx1"/>
+            </a:solidFill>
+          </a:ln>
+          <a:effectLst/>
+        </p:spPr>
+        <p:style>
+          <a:lnRef idx="2">
+            <a:schemeClr val="accent1"/>
+          </a:lnRef>
+          <a:fillRef idx="0">
+            <a:schemeClr val="accent1"/>
+          </a:fillRef>
+          <a:effectRef idx="1">
+            <a:schemeClr val="accent1"/>
+          </a:effectRef>
+          <a:fontRef idx="minor">
+            <a:schemeClr val="tx1"/>
+          </a:fontRef>
+        </p:style>
+      </p:cxnSp>
+      <p:cxnSp>
+        <p:nvCxnSpPr>
+          <p:cNvPr id="70" name="直線コネクタ 69"/>
+          <p:cNvCxnSpPr/>
+          <p:nvPr/>
+        </p:nvCxnSpPr>
+        <p:spPr>
+          <a:xfrm flipV="1">
+            <a:off x="2984602" y="2823232"/>
+            <a:ext cx="705651" cy="1292"/>
+          </a:xfrm>
+          <a:prstGeom prst="line">
+            <a:avLst/>
+          </a:prstGeom>
+          <a:ln>
+            <a:solidFill>
+              <a:schemeClr val="tx1"/>
+            </a:solidFill>
+          </a:ln>
+          <a:effectLst/>
+        </p:spPr>
+        <p:style>
+          <a:lnRef idx="2">
+            <a:schemeClr val="accent1"/>
+          </a:lnRef>
+          <a:fillRef idx="0">
+            <a:schemeClr val="accent1"/>
+          </a:fillRef>
+          <a:effectRef idx="1">
+            <a:schemeClr val="accent1"/>
+          </a:effectRef>
+          <a:fontRef idx="minor">
+            <a:schemeClr val="tx1"/>
+          </a:fontRef>
+        </p:style>
+      </p:cxnSp>
+      <p:cxnSp>
+        <p:nvCxnSpPr>
+          <p:cNvPr id="71" name="直線コネクタ 70"/>
+          <p:cNvCxnSpPr>
+            <a:stCxn id="63" idx="6"/>
+          </p:cNvCxnSpPr>
+          <p:nvPr/>
+        </p:nvCxnSpPr>
+        <p:spPr>
+          <a:xfrm>
+            <a:off x="4812721" y="2824524"/>
+            <a:ext cx="1375024" cy="0"/>
+          </a:xfrm>
+          <a:prstGeom prst="line">
+            <a:avLst/>
+          </a:prstGeom>
+          <a:ln>
+            <a:solidFill>
+              <a:schemeClr val="tx1"/>
+            </a:solidFill>
+          </a:ln>
+          <a:effectLst/>
+        </p:spPr>
+        <p:style>
+          <a:lnRef idx="2">
+            <a:schemeClr val="accent1"/>
+          </a:lnRef>
+          <a:fillRef idx="0">
+            <a:schemeClr val="accent1"/>
+          </a:fillRef>
+          <a:effectRef idx="1">
+            <a:schemeClr val="accent1"/>
+          </a:effectRef>
+          <a:fontRef idx="minor">
+            <a:schemeClr val="tx1"/>
+          </a:fontRef>
+        </p:style>
+      </p:cxnSp>
+      <p:sp>
+        <p:nvSpPr>
+          <p:cNvPr id="74" name="円/楕円 73"/>
+          <p:cNvSpPr/>
+          <p:nvPr/>
+        </p:nvSpPr>
+        <p:spPr>
+          <a:xfrm>
+            <a:off x="4706040" y="1320252"/>
+            <a:ext cx="106681" cy="107950"/>
+          </a:xfrm>
+          <a:prstGeom prst="ellipse">
+            <a:avLst/>
+          </a:prstGeom>
+          <a:noFill/>
+          <a:ln w="22225">
+            <a:solidFill>
+              <a:schemeClr val="tx1"/>
+            </a:solidFill>
+          </a:ln>
+          <a:effectLst/>
+        </p:spPr>
+        <p:style>
+          <a:lnRef idx="1">
+            <a:schemeClr val="accent1"/>
+          </a:lnRef>
+          <a:fillRef idx="3">
+            <a:schemeClr val="accent1"/>
+          </a:fillRef>
+          <a:effectRef idx="2">
+            <a:schemeClr val="accent1"/>
+          </a:effectRef>
+          <a:fontRef idx="minor">
+            <a:schemeClr val="lt1"/>
+          </a:fontRef>
+        </p:style>
+        <p:txBody>
+          <a:bodyPr/>
+          <a:lstStyle/>
+          <a:p>
+            <a:endParaRPr lang="ja-JP" altLang="en-US" dirty="0"/>
+          </a:p>
+        </p:txBody>
+      </p:sp>
+      <p:grpSp>
+        <p:nvGrpSpPr>
+          <p:cNvPr id="75" name="図形グループ 74"/>
+          <p:cNvGrpSpPr/>
+          <p:nvPr/>
+        </p:nvGrpSpPr>
+        <p:grpSpPr>
+          <a:xfrm>
+            <a:off x="3686195" y="986874"/>
+            <a:ext cx="1019845" cy="762000"/>
+            <a:chOff x="2495550" y="3385820"/>
+            <a:chExt cx="1019845" cy="762000"/>
+          </a:xfrm>
+        </p:grpSpPr>
+        <p:sp>
+          <p:nvSpPr>
+            <p:cNvPr id="76" name="円弧 75"/>
+            <p:cNvSpPr/>
+            <p:nvPr/>
+          </p:nvSpPr>
+          <p:spPr>
+            <a:xfrm>
+              <a:off x="2692435" y="3385820"/>
+              <a:ext cx="822960" cy="760730"/>
+            </a:xfrm>
+            <a:prstGeom prst="arc">
+              <a:avLst>
+                <a:gd name="adj1" fmla="val 16200000"/>
+                <a:gd name="adj2" fmla="val 5440160"/>
+              </a:avLst>
+            </a:prstGeom>
+            <a:ln>
+              <a:solidFill>
+                <a:schemeClr val="tx1"/>
+              </a:solidFill>
+            </a:ln>
+            <a:effectLst/>
+          </p:spPr>
+          <p:style>
+            <a:lnRef idx="2">
+              <a:schemeClr val="accent1"/>
+            </a:lnRef>
+            <a:fillRef idx="0">
+              <a:schemeClr val="accent1"/>
+            </a:fillRef>
+            <a:effectRef idx="1">
+              <a:schemeClr val="accent1"/>
+            </a:effectRef>
+            <a:fontRef idx="minor">
+              <a:schemeClr val="tx1"/>
+            </a:fontRef>
+          </p:style>
+          <p:txBody>
+            <a:bodyPr/>
+            <a:lstStyle/>
+            <a:p>
+              <a:endParaRPr lang="ja-JP" altLang="en-US" dirty="0"/>
+            </a:p>
+          </p:txBody>
+        </p:sp>
+        <p:cxnSp>
+          <p:nvCxnSpPr>
+            <p:cNvPr id="77" name="直線コネクタ 76"/>
+            <p:cNvCxnSpPr>
+              <a:endCxn id="76" idx="0"/>
+            </p:cNvCxnSpPr>
+            <p:nvPr/>
+          </p:nvCxnSpPr>
+          <p:spPr>
+            <a:xfrm>
+              <a:off x="2495550" y="3385820"/>
+              <a:ext cx="608365" cy="0"/>
+            </a:xfrm>
+            <a:prstGeom prst="line">
+              <a:avLst/>
+            </a:prstGeom>
+            <a:ln>
+              <a:solidFill>
+                <a:schemeClr val="tx1"/>
+              </a:solidFill>
+            </a:ln>
+            <a:effectLst/>
+          </p:spPr>
+          <p:style>
+            <a:lnRef idx="2">
+              <a:schemeClr val="accent1"/>
+            </a:lnRef>
+            <a:fillRef idx="0">
+              <a:schemeClr val="accent1"/>
+            </a:fillRef>
+            <a:effectRef idx="1">
+              <a:schemeClr val="accent1"/>
+            </a:effectRef>
+            <a:fontRef idx="minor">
+              <a:schemeClr val="tx1"/>
+            </a:fontRef>
+          </p:style>
+        </p:cxnSp>
+        <p:cxnSp>
+          <p:nvCxnSpPr>
+            <p:cNvPr id="78" name="直線コネクタ 77"/>
+            <p:cNvCxnSpPr/>
+            <p:nvPr/>
+          </p:nvCxnSpPr>
+          <p:spPr>
+            <a:xfrm>
+              <a:off x="2501900" y="3387090"/>
+              <a:ext cx="0" cy="760730"/>
+            </a:xfrm>
+            <a:prstGeom prst="line">
+              <a:avLst/>
+            </a:prstGeom>
+            <a:ln>
+              <a:solidFill>
+                <a:schemeClr val="tx1"/>
+              </a:solidFill>
+            </a:ln>
+            <a:effectLst/>
+          </p:spPr>
+          <p:style>
+            <a:lnRef idx="2">
+              <a:schemeClr val="accent1"/>
+            </a:lnRef>
+            <a:fillRef idx="0">
+              <a:schemeClr val="accent1"/>
+            </a:fillRef>
+            <a:effectRef idx="1">
+              <a:schemeClr val="accent1"/>
+            </a:effectRef>
+            <a:fontRef idx="minor">
+              <a:schemeClr val="tx1"/>
+            </a:fontRef>
+          </p:style>
+        </p:cxnSp>
+        <p:cxnSp>
+          <p:nvCxnSpPr>
+            <p:cNvPr id="79" name="直線コネクタ 78"/>
+            <p:cNvCxnSpPr>
+              <a:endCxn id="76" idx="2"/>
+            </p:cNvCxnSpPr>
+            <p:nvPr/>
+          </p:nvCxnSpPr>
+          <p:spPr>
+            <a:xfrm flipV="1">
+              <a:off x="2495550" y="4146528"/>
+              <a:ext cx="603922" cy="1292"/>
+            </a:xfrm>
+            <a:prstGeom prst="line">
+              <a:avLst/>
+            </a:prstGeom>
+            <a:ln>
+              <a:solidFill>
+                <a:schemeClr val="tx1"/>
+              </a:solidFill>
+            </a:ln>
+            <a:effectLst/>
+          </p:spPr>
+          <p:style>
+            <a:lnRef idx="2">
+              <a:schemeClr val="accent1"/>
+            </a:lnRef>
+            <a:fillRef idx="0">
+              <a:schemeClr val="accent1"/>
+            </a:fillRef>
+            <a:effectRef idx="1">
+              <a:schemeClr val="accent1"/>
+            </a:effectRef>
+            <a:fontRef idx="minor">
+              <a:schemeClr val="tx1"/>
+            </a:fontRef>
+          </p:style>
+        </p:cxnSp>
+      </p:grpSp>
+      <p:cxnSp>
+        <p:nvCxnSpPr>
+          <p:cNvPr id="80" name="直線コネクタ 79"/>
+          <p:cNvCxnSpPr/>
+          <p:nvPr/>
+        </p:nvCxnSpPr>
+        <p:spPr>
+          <a:xfrm>
+            <a:off x="3401715" y="1113877"/>
+            <a:ext cx="284480" cy="0"/>
+          </a:xfrm>
+          <a:prstGeom prst="line">
+            <a:avLst/>
+          </a:prstGeom>
+          <a:ln>
+            <a:solidFill>
+              <a:schemeClr val="tx1"/>
+            </a:solidFill>
+          </a:ln>
+          <a:effectLst/>
+        </p:spPr>
+        <p:style>
+          <a:lnRef idx="2">
+            <a:schemeClr val="accent1"/>
+          </a:lnRef>
+          <a:fillRef idx="0">
+            <a:schemeClr val="accent1"/>
+          </a:fillRef>
+          <a:effectRef idx="1">
+            <a:schemeClr val="accent1"/>
+          </a:effectRef>
+          <a:fontRef idx="minor">
+            <a:schemeClr val="tx1"/>
+          </a:fontRef>
+        </p:style>
+      </p:cxnSp>
+      <p:cxnSp>
+        <p:nvCxnSpPr>
+          <p:cNvPr id="81" name="直線コネクタ 80"/>
+          <p:cNvCxnSpPr/>
+          <p:nvPr/>
+        </p:nvCxnSpPr>
+        <p:spPr>
+          <a:xfrm>
+            <a:off x="3411875" y="1628227"/>
+            <a:ext cx="284480" cy="0"/>
+          </a:xfrm>
+          <a:prstGeom prst="line">
+            <a:avLst/>
+          </a:prstGeom>
+          <a:ln>
+            <a:solidFill>
+              <a:schemeClr val="tx1"/>
+            </a:solidFill>
+          </a:ln>
+          <a:effectLst/>
+        </p:spPr>
+        <p:style>
+          <a:lnRef idx="2">
+            <a:schemeClr val="accent1"/>
+          </a:lnRef>
+          <a:fillRef idx="0">
+            <a:schemeClr val="accent1"/>
+          </a:fillRef>
+          <a:effectRef idx="1">
+            <a:schemeClr val="accent1"/>
+          </a:effectRef>
+          <a:fontRef idx="minor">
+            <a:schemeClr val="tx1"/>
+          </a:fontRef>
+        </p:style>
+      </p:cxnSp>
+      <p:cxnSp>
+        <p:nvCxnSpPr>
+          <p:cNvPr id="82" name="直線コネクタ 81"/>
+          <p:cNvCxnSpPr>
+            <a:stCxn id="74" idx="6"/>
+          </p:cNvCxnSpPr>
+          <p:nvPr/>
+        </p:nvCxnSpPr>
+        <p:spPr>
+          <a:xfrm>
+            <a:off x="4812721" y="1374227"/>
+            <a:ext cx="284444" cy="0"/>
+          </a:xfrm>
+          <a:prstGeom prst="line">
+            <a:avLst/>
+          </a:prstGeom>
+          <a:ln>
+            <a:solidFill>
+              <a:schemeClr val="tx1"/>
+            </a:solidFill>
+          </a:ln>
+          <a:effectLst/>
+        </p:spPr>
+        <p:style>
+          <a:lnRef idx="2">
+            <a:schemeClr val="accent1"/>
+          </a:lnRef>
+          <a:fillRef idx="0">
+            <a:schemeClr val="accent1"/>
+          </a:fillRef>
+          <a:effectRef idx="1">
+            <a:schemeClr val="accent1"/>
+          </a:effectRef>
+          <a:fontRef idx="minor">
+            <a:schemeClr val="tx1"/>
+          </a:fontRef>
+        </p:style>
+      </p:cxnSp>
+      <p:cxnSp>
+        <p:nvCxnSpPr>
+          <p:cNvPr id="85" name="直線コネクタ 84"/>
+          <p:cNvCxnSpPr/>
+          <p:nvPr/>
+        </p:nvCxnSpPr>
+        <p:spPr>
+          <a:xfrm>
+            <a:off x="3401715" y="1617242"/>
+            <a:ext cx="0" cy="273380"/>
+          </a:xfrm>
+          <a:prstGeom prst="line">
+            <a:avLst/>
+          </a:prstGeom>
+          <a:ln>
+            <a:solidFill>
+              <a:schemeClr val="tx1"/>
+            </a:solidFill>
+          </a:ln>
+          <a:effectLst/>
+        </p:spPr>
+        <p:style>
+          <a:lnRef idx="2">
+            <a:schemeClr val="accent1"/>
+          </a:lnRef>
+          <a:fillRef idx="0">
+            <a:schemeClr val="accent1"/>
+          </a:fillRef>
+          <a:effectRef idx="1">
+            <a:schemeClr val="accent1"/>
+          </a:effectRef>
+          <a:fontRef idx="minor">
+            <a:schemeClr val="tx1"/>
+          </a:fontRef>
+        </p:style>
+      </p:cxnSp>
+      <p:cxnSp>
+        <p:nvCxnSpPr>
+          <p:cNvPr id="86" name="直線コネクタ 85"/>
+          <p:cNvCxnSpPr/>
+          <p:nvPr/>
+        </p:nvCxnSpPr>
+        <p:spPr>
+          <a:xfrm>
+            <a:off x="3411875" y="2290794"/>
+            <a:ext cx="0" cy="273380"/>
+          </a:xfrm>
+          <a:prstGeom prst="line">
+            <a:avLst/>
+          </a:prstGeom>
+          <a:ln>
+            <a:solidFill>
+              <a:schemeClr val="tx1"/>
+            </a:solidFill>
+          </a:ln>
+          <a:effectLst/>
+        </p:spPr>
+        <p:style>
+          <a:lnRef idx="2">
+            <a:schemeClr val="accent1"/>
+          </a:lnRef>
+          <a:fillRef idx="0">
+            <a:schemeClr val="accent1"/>
+          </a:fillRef>
+          <a:effectRef idx="1">
+            <a:schemeClr val="accent1"/>
+          </a:effectRef>
+          <a:fontRef idx="minor">
+            <a:schemeClr val="tx1"/>
+          </a:fontRef>
+        </p:style>
+      </p:cxnSp>
+      <p:cxnSp>
+        <p:nvCxnSpPr>
+          <p:cNvPr id="87" name="直線コネクタ 86"/>
+          <p:cNvCxnSpPr/>
+          <p:nvPr/>
+        </p:nvCxnSpPr>
+        <p:spPr>
+          <a:xfrm>
+            <a:off x="5097165" y="2551144"/>
+            <a:ext cx="0" cy="273380"/>
+          </a:xfrm>
+          <a:prstGeom prst="line">
+            <a:avLst/>
+          </a:prstGeom>
+          <a:ln>
+            <a:solidFill>
+              <a:schemeClr val="tx1"/>
+            </a:solidFill>
+          </a:ln>
+          <a:effectLst/>
+        </p:spPr>
+        <p:style>
+          <a:lnRef idx="2">
+            <a:schemeClr val="accent1"/>
+          </a:lnRef>
+          <a:fillRef idx="0">
+            <a:schemeClr val="accent1"/>
+          </a:fillRef>
+          <a:effectRef idx="1">
+            <a:schemeClr val="accent1"/>
+          </a:effectRef>
+          <a:fontRef idx="minor">
+            <a:schemeClr val="tx1"/>
+          </a:fontRef>
+        </p:style>
+      </p:cxnSp>
+      <p:cxnSp>
+        <p:nvCxnSpPr>
+          <p:cNvPr id="88" name="直線コネクタ 87"/>
+          <p:cNvCxnSpPr/>
+          <p:nvPr/>
+        </p:nvCxnSpPr>
+        <p:spPr>
+          <a:xfrm>
+            <a:off x="5095922" y="1374227"/>
+            <a:ext cx="0" cy="273380"/>
+          </a:xfrm>
+          <a:prstGeom prst="line">
+            <a:avLst/>
+          </a:prstGeom>
+          <a:ln>
+            <a:solidFill>
+              <a:schemeClr val="tx1"/>
+            </a:solidFill>
+          </a:ln>
+          <a:effectLst/>
+        </p:spPr>
+        <p:style>
+          <a:lnRef idx="2">
+            <a:schemeClr val="accent1"/>
+          </a:lnRef>
+          <a:fillRef idx="0">
+            <a:schemeClr val="accent1"/>
+          </a:fillRef>
+          <a:effectRef idx="1">
+            <a:schemeClr val="accent1"/>
+          </a:effectRef>
+          <a:fontRef idx="minor">
+            <a:schemeClr val="tx1"/>
+          </a:fontRef>
+        </p:style>
+      </p:cxnSp>
+      <p:sp>
+        <p:nvSpPr>
+          <p:cNvPr id="89" name="円/楕円 88"/>
+          <p:cNvSpPr/>
+          <p:nvPr/>
+        </p:nvSpPr>
+        <p:spPr>
+          <a:xfrm flipV="1">
+            <a:off x="2955015" y="3828307"/>
+            <a:ext cx="59174" cy="64988"/>
+          </a:xfrm>
+          <a:prstGeom prst="ellipse">
+            <a:avLst/>
+          </a:prstGeom>
+          <a:solidFill>
+            <a:srgbClr val="000000"/>
+          </a:solidFill>
+        </p:spPr>
+        <p:style>
+          <a:lnRef idx="2">
+            <a:schemeClr val="dk1"/>
+          </a:lnRef>
+          <a:fillRef idx="1">
+            <a:schemeClr val="lt1"/>
+          </a:fillRef>
+          <a:effectRef idx="0">
+            <a:schemeClr val="dk1"/>
+          </a:effectRef>
+          <a:fontRef idx="minor">
+            <a:schemeClr val="dk1"/>
+          </a:fontRef>
+        </p:style>
+        <p:txBody>
+          <a:bodyPr rtlCol="0" anchor="ctr"/>
+          <a:lstStyle/>
+          <a:p>
+            <a:pPr algn="ctr"/>
+            <a:endParaRPr kumimoji="1" lang="ja-JP" altLang="en-US" dirty="0"/>
+          </a:p>
+        </p:txBody>
+      </p:sp>
+      <p:sp>
+        <p:nvSpPr>
+          <p:cNvPr id="90" name="円/楕円 89"/>
+          <p:cNvSpPr/>
+          <p:nvPr/>
+        </p:nvSpPr>
+        <p:spPr>
+          <a:xfrm flipV="1">
+            <a:off x="5067578" y="2792030"/>
+            <a:ext cx="59174" cy="64988"/>
+          </a:xfrm>
+          <a:prstGeom prst="ellipse">
+            <a:avLst/>
+          </a:prstGeom>
+          <a:solidFill>
+            <a:srgbClr val="000000"/>
+          </a:solidFill>
+        </p:spPr>
+        <p:style>
+          <a:lnRef idx="2">
+            <a:schemeClr val="dk1"/>
+          </a:lnRef>
+          <a:fillRef idx="1">
+            <a:schemeClr val="lt1"/>
+          </a:fillRef>
+          <a:effectRef idx="0">
+            <a:schemeClr val="dk1"/>
+          </a:effectRef>
+          <a:fontRef idx="minor">
+            <a:schemeClr val="dk1"/>
+          </a:fontRef>
+        </p:style>
+        <p:txBody>
+          <a:bodyPr rtlCol="0" anchor="ctr"/>
+          <a:lstStyle/>
+          <a:p>
+            <a:pPr algn="ctr"/>
+            <a:endParaRPr kumimoji="1" lang="ja-JP" altLang="en-US" dirty="0"/>
+          </a:p>
+        </p:txBody>
+      </p:sp>
+      <p:cxnSp>
+        <p:nvCxnSpPr>
+          <p:cNvPr id="91" name="直線コネクタ 90"/>
+          <p:cNvCxnSpPr/>
+          <p:nvPr/>
+        </p:nvCxnSpPr>
+        <p:spPr>
+          <a:xfrm>
+            <a:off x="3401715" y="1890622"/>
+            <a:ext cx="1695450" cy="673552"/>
+          </a:xfrm>
+          <a:prstGeom prst="line">
+            <a:avLst/>
+          </a:prstGeom>
+          <a:ln>
+            <a:solidFill>
+              <a:schemeClr val="tx1"/>
+            </a:solidFill>
+          </a:ln>
+          <a:effectLst/>
+        </p:spPr>
+        <p:style>
+          <a:lnRef idx="2">
+            <a:schemeClr val="accent1"/>
+          </a:lnRef>
+          <a:fillRef idx="0">
+            <a:schemeClr val="accent1"/>
+          </a:fillRef>
+          <a:effectRef idx="1">
+            <a:schemeClr val="accent1"/>
+          </a:effectRef>
+          <a:fontRef idx="minor">
+            <a:schemeClr val="tx1"/>
+          </a:fontRef>
+        </p:style>
+      </p:cxnSp>
+      <p:cxnSp>
+        <p:nvCxnSpPr>
+          <p:cNvPr id="92" name="直線コネクタ 91"/>
+          <p:cNvCxnSpPr/>
+          <p:nvPr/>
+        </p:nvCxnSpPr>
+        <p:spPr>
+          <a:xfrm flipV="1">
+            <a:off x="3401715" y="1647607"/>
+            <a:ext cx="1695450" cy="643188"/>
+          </a:xfrm>
+          <a:prstGeom prst="line">
+            <a:avLst/>
+          </a:prstGeom>
+          <a:ln>
+            <a:solidFill>
+              <a:schemeClr val="tx1"/>
+            </a:solidFill>
+          </a:ln>
+          <a:effectLst/>
+        </p:spPr>
+        <p:style>
+          <a:lnRef idx="2">
+            <a:schemeClr val="accent1"/>
+          </a:lnRef>
+          <a:fillRef idx="0">
+            <a:schemeClr val="accent1"/>
+          </a:fillRef>
+          <a:effectRef idx="1">
+            <a:schemeClr val="accent1"/>
+          </a:effectRef>
+          <a:fontRef idx="minor">
+            <a:schemeClr val="tx1"/>
+          </a:fontRef>
+        </p:style>
+      </p:cxnSp>
+      <p:sp>
+        <p:nvSpPr>
+          <p:cNvPr id="95" name="テキスト ボックス 94"/>
+          <p:cNvSpPr txBox="1"/>
+          <p:nvPr/>
+        </p:nvSpPr>
+        <p:spPr>
+          <a:xfrm>
+            <a:off x="4761312" y="1072967"/>
+            <a:ext cx="376003" cy="276999"/>
+          </a:xfrm>
+          <a:prstGeom prst="rect">
+            <a:avLst/>
+          </a:prstGeom>
+          <a:noFill/>
+        </p:spPr>
+        <p:txBody>
+          <a:bodyPr wrap="none" rtlCol="0">
+            <a:spAutoFit/>
+          </a:bodyPr>
+          <a:lstStyle/>
+          <a:p>
+            <a:r>
+              <a:rPr lang="en-US" altLang="ja-JP" sz="1200" i="1" dirty="0" smtClean="0">
+                <a:latin typeface="Book Antiqua"/>
+                <a:cs typeface="Book Antiqua"/>
+              </a:rPr>
+              <a:t>X</a:t>
+            </a:r>
+            <a:r>
+              <a:rPr lang="en-US" altLang="ja-JP" sz="1200" i="1" baseline="-25000" dirty="0" smtClean="0">
+                <a:latin typeface="Book Antiqua"/>
+                <a:cs typeface="Book Antiqua"/>
+              </a:rPr>
+              <a:t>0</a:t>
+            </a:r>
+            <a:endParaRPr kumimoji="1" lang="ja-JP" altLang="en-US" sz="1200" i="1" baseline="-25000" dirty="0">
+              <a:latin typeface="Book Antiqua"/>
+              <a:cs typeface="Book Antiqua"/>
+            </a:endParaRPr>
+          </a:p>
+        </p:txBody>
+      </p:sp>
+      <p:cxnSp>
+        <p:nvCxnSpPr>
+          <p:cNvPr id="97" name="直線コネクタ 96"/>
+          <p:cNvCxnSpPr/>
+          <p:nvPr/>
+        </p:nvCxnSpPr>
+        <p:spPr>
+          <a:xfrm flipV="1">
+            <a:off x="2984602" y="4782255"/>
+            <a:ext cx="650184" cy="7815"/>
+          </a:xfrm>
+          <a:prstGeom prst="line">
+            <a:avLst/>
+          </a:prstGeom>
+          <a:ln>
+            <a:solidFill>
+              <a:schemeClr val="tx1"/>
+            </a:solidFill>
+          </a:ln>
+          <a:effectLst/>
+        </p:spPr>
+        <p:style>
+          <a:lnRef idx="2">
+            <a:schemeClr val="accent1"/>
+          </a:lnRef>
+          <a:fillRef idx="0">
+            <a:schemeClr val="accent1"/>
+          </a:fillRef>
+          <a:effectRef idx="1">
+            <a:schemeClr val="accent1"/>
+          </a:effectRef>
+          <a:fontRef idx="minor">
+            <a:schemeClr val="tx1"/>
+          </a:fontRef>
+        </p:style>
+      </p:cxnSp>
+      <p:cxnSp>
+        <p:nvCxnSpPr>
+          <p:cNvPr id="98" name="直線コネクタ 97"/>
+          <p:cNvCxnSpPr/>
+          <p:nvPr/>
+        </p:nvCxnSpPr>
+        <p:spPr>
+          <a:xfrm>
+            <a:off x="3350306" y="4527003"/>
+            <a:ext cx="284480" cy="0"/>
+          </a:xfrm>
+          <a:prstGeom prst="line">
+            <a:avLst/>
+          </a:prstGeom>
+          <a:ln>
+            <a:solidFill>
+              <a:schemeClr val="tx1"/>
+            </a:solidFill>
+          </a:ln>
+          <a:effectLst/>
+        </p:spPr>
+        <p:style>
+          <a:lnRef idx="2">
+            <a:schemeClr val="accent1"/>
+          </a:lnRef>
+          <a:fillRef idx="0">
+            <a:schemeClr val="accent1"/>
+          </a:fillRef>
+          <a:effectRef idx="1">
+            <a:schemeClr val="accent1"/>
+          </a:effectRef>
+          <a:fontRef idx="minor">
+            <a:schemeClr val="tx1"/>
+          </a:fontRef>
+        </p:style>
+      </p:cxnSp>
+      <p:cxnSp>
+        <p:nvCxnSpPr>
+          <p:cNvPr id="102" name="直線コネクタ 101"/>
+          <p:cNvCxnSpPr/>
+          <p:nvPr/>
+        </p:nvCxnSpPr>
+        <p:spPr>
+          <a:xfrm>
+            <a:off x="3353739" y="4264155"/>
+            <a:ext cx="0" cy="273380"/>
+          </a:xfrm>
+          <a:prstGeom prst="line">
+            <a:avLst/>
+          </a:prstGeom>
+          <a:ln>
+            <a:solidFill>
+              <a:schemeClr val="tx1"/>
+            </a:solidFill>
+          </a:ln>
+          <a:effectLst/>
+        </p:spPr>
+        <p:style>
+          <a:lnRef idx="2">
+            <a:schemeClr val="accent1"/>
+          </a:lnRef>
+          <a:fillRef idx="0">
+            <a:schemeClr val="accent1"/>
+          </a:fillRef>
+          <a:effectRef idx="1">
+            <a:schemeClr val="accent1"/>
+          </a:effectRef>
+          <a:fontRef idx="minor">
+            <a:schemeClr val="tx1"/>
+          </a:fontRef>
+        </p:style>
+      </p:cxnSp>
+      <p:cxnSp>
+        <p:nvCxnSpPr>
+          <p:cNvPr id="103" name="直線コネクタ 102"/>
+          <p:cNvCxnSpPr/>
+          <p:nvPr/>
+        </p:nvCxnSpPr>
+        <p:spPr>
+          <a:xfrm>
+            <a:off x="5108152" y="2837224"/>
+            <a:ext cx="0" cy="273380"/>
+          </a:xfrm>
+          <a:prstGeom prst="line">
+            <a:avLst/>
+          </a:prstGeom>
+          <a:ln>
+            <a:solidFill>
+              <a:schemeClr val="tx1"/>
+            </a:solidFill>
+          </a:ln>
+          <a:effectLst/>
+        </p:spPr>
+        <p:style>
+          <a:lnRef idx="2">
+            <a:schemeClr val="accent1"/>
+          </a:lnRef>
+          <a:fillRef idx="0">
+            <a:schemeClr val="accent1"/>
+          </a:fillRef>
+          <a:effectRef idx="1">
+            <a:schemeClr val="accent1"/>
+          </a:effectRef>
+          <a:fontRef idx="minor">
+            <a:schemeClr val="tx1"/>
+          </a:fontRef>
+        </p:style>
+      </p:cxnSp>
+      <p:cxnSp>
+        <p:nvCxnSpPr>
+          <p:cNvPr id="104" name="直線コネクタ 103"/>
+          <p:cNvCxnSpPr/>
+          <p:nvPr/>
+        </p:nvCxnSpPr>
+        <p:spPr>
+          <a:xfrm flipV="1">
+            <a:off x="3350306" y="3110604"/>
+            <a:ext cx="1757846" cy="1166581"/>
+          </a:xfrm>
+          <a:prstGeom prst="line">
+            <a:avLst/>
+          </a:prstGeom>
+          <a:ln>
+            <a:solidFill>
+              <a:schemeClr val="tx1"/>
+            </a:solidFill>
+          </a:ln>
+          <a:effectLst/>
+        </p:spPr>
+        <p:style>
+          <a:lnRef idx="2">
+            <a:schemeClr val="accent1"/>
+          </a:lnRef>
+          <a:fillRef idx="0">
+            <a:schemeClr val="accent1"/>
+          </a:fillRef>
+          <a:effectRef idx="1">
+            <a:schemeClr val="accent1"/>
+          </a:effectRef>
+          <a:fontRef idx="minor">
+            <a:schemeClr val="tx1"/>
+          </a:fontRef>
+        </p:style>
+      </p:cxnSp>
+      <p:cxnSp>
+        <p:nvCxnSpPr>
+          <p:cNvPr id="108" name="直線コネクタ 107"/>
+          <p:cNvCxnSpPr/>
+          <p:nvPr/>
+        </p:nvCxnSpPr>
+        <p:spPr>
+          <a:xfrm>
+            <a:off x="3401715" y="850184"/>
+            <a:ext cx="0" cy="273380"/>
+          </a:xfrm>
+          <a:prstGeom prst="line">
+            <a:avLst/>
+          </a:prstGeom>
+          <a:ln>
+            <a:solidFill>
+              <a:schemeClr val="tx1"/>
+            </a:solidFill>
+          </a:ln>
+          <a:effectLst/>
+        </p:spPr>
+        <p:style>
+          <a:lnRef idx="2">
+            <a:schemeClr val="accent1"/>
+          </a:lnRef>
+          <a:fillRef idx="0">
+            <a:schemeClr val="accent1"/>
+          </a:fillRef>
+          <a:effectRef idx="1">
+            <a:schemeClr val="accent1"/>
+          </a:effectRef>
+          <a:fontRef idx="minor">
+            <a:schemeClr val="tx1"/>
+          </a:fontRef>
+        </p:style>
+      </p:cxnSp>
+      <p:cxnSp>
+        <p:nvCxnSpPr>
+          <p:cNvPr id="109" name="直線コネクタ 108"/>
+          <p:cNvCxnSpPr/>
+          <p:nvPr/>
+        </p:nvCxnSpPr>
+        <p:spPr>
+          <a:xfrm flipV="1">
+            <a:off x="3401715" y="854417"/>
+            <a:ext cx="2013584" cy="1"/>
+          </a:xfrm>
+          <a:prstGeom prst="line">
+            <a:avLst/>
+          </a:prstGeom>
+          <a:ln>
+            <a:solidFill>
+              <a:schemeClr val="tx1"/>
+            </a:solidFill>
+          </a:ln>
+          <a:effectLst/>
+        </p:spPr>
+        <p:style>
+          <a:lnRef idx="2">
+            <a:schemeClr val="accent1"/>
+          </a:lnRef>
+          <a:fillRef idx="0">
+            <a:schemeClr val="accent1"/>
+          </a:fillRef>
+          <a:effectRef idx="1">
+            <a:schemeClr val="accent1"/>
+          </a:effectRef>
+          <a:fontRef idx="minor">
+            <a:schemeClr val="tx1"/>
+          </a:fontRef>
+        </p:style>
+      </p:cxnSp>
+      <p:cxnSp>
+        <p:nvCxnSpPr>
+          <p:cNvPr id="113" name="直線コネクタ 112"/>
+          <p:cNvCxnSpPr/>
+          <p:nvPr/>
+        </p:nvCxnSpPr>
+        <p:spPr>
+          <a:xfrm flipV="1">
+            <a:off x="5415299" y="850185"/>
+            <a:ext cx="0" cy="5390182"/>
+          </a:xfrm>
+          <a:prstGeom prst="line">
+            <a:avLst/>
+          </a:prstGeom>
+          <a:ln>
+            <a:solidFill>
+              <a:schemeClr val="tx1"/>
+            </a:solidFill>
+          </a:ln>
+          <a:effectLst/>
+        </p:spPr>
+        <p:style>
+          <a:lnRef idx="2">
+            <a:schemeClr val="accent1"/>
+          </a:lnRef>
+          <a:fillRef idx="0">
+            <a:schemeClr val="accent1"/>
+          </a:fillRef>
+          <a:effectRef idx="1">
+            <a:schemeClr val="accent1"/>
+          </a:effectRef>
+          <a:fontRef idx="minor">
+            <a:schemeClr val="tx1"/>
+          </a:fontRef>
+        </p:style>
+      </p:cxnSp>
+      <p:cxnSp>
+        <p:nvCxnSpPr>
+          <p:cNvPr id="116" name="直線コネクタ 115"/>
+          <p:cNvCxnSpPr/>
+          <p:nvPr/>
+        </p:nvCxnSpPr>
+        <p:spPr>
+          <a:xfrm>
+            <a:off x="2984602" y="2816620"/>
+            <a:ext cx="0" cy="1973450"/>
+          </a:xfrm>
+          <a:prstGeom prst="line">
+            <a:avLst/>
+          </a:prstGeom>
+          <a:ln>
+            <a:solidFill>
+              <a:schemeClr val="tx1"/>
+            </a:solidFill>
+          </a:ln>
+          <a:effectLst/>
+        </p:spPr>
+        <p:style>
+          <a:lnRef idx="2">
+            <a:schemeClr val="accent1"/>
+          </a:lnRef>
+          <a:fillRef idx="0">
+            <a:schemeClr val="accent1"/>
+          </a:fillRef>
+          <a:effectRef idx="1">
+            <a:schemeClr val="accent1"/>
+          </a:effectRef>
+          <a:fontRef idx="minor">
+            <a:schemeClr val="tx1"/>
+          </a:fontRef>
+        </p:style>
+      </p:cxnSp>
+      <p:cxnSp>
+        <p:nvCxnSpPr>
+          <p:cNvPr id="119" name="直線コネクタ 118"/>
+          <p:cNvCxnSpPr/>
+          <p:nvPr/>
+        </p:nvCxnSpPr>
+        <p:spPr>
+          <a:xfrm flipH="1" flipV="1">
+            <a:off x="2614449" y="3860800"/>
+            <a:ext cx="370153" cy="1"/>
+          </a:xfrm>
+          <a:prstGeom prst="line">
+            <a:avLst/>
+          </a:prstGeom>
+          <a:ln>
+            <a:solidFill>
+              <a:schemeClr val="tx1"/>
+            </a:solidFill>
+          </a:ln>
+          <a:effectLst/>
+        </p:spPr>
+        <p:style>
+          <a:lnRef idx="2">
+            <a:schemeClr val="accent1"/>
+          </a:lnRef>
+          <a:fillRef idx="0">
+            <a:schemeClr val="accent1"/>
+          </a:fillRef>
+          <a:effectRef idx="1">
+            <a:schemeClr val="accent1"/>
+          </a:effectRef>
+          <a:fontRef idx="minor">
+            <a:schemeClr val="tx1"/>
+          </a:fontRef>
+        </p:style>
+      </p:cxnSp>
+      <p:sp>
+        <p:nvSpPr>
+          <p:cNvPr id="133" name="テキスト ボックス 132"/>
+          <p:cNvSpPr txBox="1"/>
+          <p:nvPr/>
+        </p:nvSpPr>
+        <p:spPr>
+          <a:xfrm>
+            <a:off x="4761312" y="2823232"/>
+            <a:ext cx="376003" cy="276999"/>
+          </a:xfrm>
+          <a:prstGeom prst="rect">
+            <a:avLst/>
+          </a:prstGeom>
+          <a:noFill/>
+        </p:spPr>
+        <p:txBody>
+          <a:bodyPr wrap="none" rtlCol="0">
+            <a:spAutoFit/>
+          </a:bodyPr>
+          <a:lstStyle/>
+          <a:p>
+            <a:r>
+              <a:rPr lang="en-US" altLang="ja-JP" sz="1200" i="1" dirty="0" smtClean="0">
+                <a:latin typeface="Book Antiqua"/>
+                <a:cs typeface="Book Antiqua"/>
+              </a:rPr>
+              <a:t>X</a:t>
+            </a:r>
+            <a:r>
+              <a:rPr lang="en-US" altLang="ja-JP" sz="1200" i="1" baseline="-25000" dirty="0" smtClean="0">
+                <a:latin typeface="Book Antiqua"/>
+                <a:cs typeface="Book Antiqua"/>
+              </a:rPr>
+              <a:t>1</a:t>
+            </a:r>
+            <a:endParaRPr kumimoji="1" lang="ja-JP" altLang="en-US" sz="1200" i="1" baseline="-25000" dirty="0">
+              <a:latin typeface="Book Antiqua"/>
+              <a:cs typeface="Book Antiqua"/>
+            </a:endParaRPr>
+          </a:p>
+        </p:txBody>
+      </p:sp>
+      <p:sp>
+        <p:nvSpPr>
+          <p:cNvPr id="134" name="テキスト ボックス 133"/>
+          <p:cNvSpPr txBox="1"/>
+          <p:nvPr/>
+        </p:nvSpPr>
+        <p:spPr>
+          <a:xfrm>
+            <a:off x="4761312" y="4497895"/>
+            <a:ext cx="376003" cy="276999"/>
+          </a:xfrm>
+          <a:prstGeom prst="rect">
+            <a:avLst/>
+          </a:prstGeom>
+          <a:noFill/>
+        </p:spPr>
+        <p:txBody>
+          <a:bodyPr wrap="none" rtlCol="0">
+            <a:spAutoFit/>
+          </a:bodyPr>
+          <a:lstStyle/>
+          <a:p>
+            <a:r>
+              <a:rPr lang="en-US" altLang="ja-JP" sz="1200" i="1" dirty="0" smtClean="0">
+                <a:latin typeface="Book Antiqua"/>
+                <a:cs typeface="Book Antiqua"/>
+              </a:rPr>
+              <a:t>X</a:t>
+            </a:r>
+            <a:r>
+              <a:rPr lang="en-US" altLang="ja-JP" sz="1200" i="1" baseline="-25000" dirty="0" smtClean="0">
+                <a:latin typeface="Book Antiqua"/>
+                <a:cs typeface="Book Antiqua"/>
+              </a:rPr>
+              <a:t>2</a:t>
+            </a:r>
+            <a:endParaRPr kumimoji="1" lang="ja-JP" altLang="en-US" sz="1200" i="1" baseline="-25000" dirty="0">
+              <a:latin typeface="Book Antiqua"/>
+              <a:cs typeface="Book Antiqua"/>
+            </a:endParaRPr>
+          </a:p>
+        </p:txBody>
+      </p:sp>
+      <p:sp>
+        <p:nvSpPr>
+          <p:cNvPr id="135" name="テキスト ボックス 134"/>
+          <p:cNvSpPr txBox="1"/>
+          <p:nvPr/>
+        </p:nvSpPr>
+        <p:spPr>
+          <a:xfrm>
+            <a:off x="4761312" y="6242625"/>
+            <a:ext cx="376003" cy="276999"/>
+          </a:xfrm>
+          <a:prstGeom prst="rect">
+            <a:avLst/>
+          </a:prstGeom>
+          <a:noFill/>
+        </p:spPr>
+        <p:txBody>
+          <a:bodyPr wrap="none" rtlCol="0">
+            <a:spAutoFit/>
+          </a:bodyPr>
+          <a:lstStyle/>
+          <a:p>
+            <a:r>
+              <a:rPr lang="en-US" altLang="ja-JP" sz="1200" i="1" dirty="0" smtClean="0">
+                <a:latin typeface="Book Antiqua"/>
+                <a:cs typeface="Book Antiqua"/>
+              </a:rPr>
+              <a:t>X</a:t>
+            </a:r>
+            <a:r>
+              <a:rPr lang="en-US" altLang="ja-JP" sz="1200" i="1" baseline="-25000" dirty="0" smtClean="0">
+                <a:latin typeface="Book Antiqua"/>
+                <a:cs typeface="Book Antiqua"/>
+              </a:rPr>
+              <a:t>3</a:t>
+            </a:r>
+            <a:endParaRPr kumimoji="1" lang="ja-JP" altLang="en-US" sz="1200" i="1" baseline="-25000" dirty="0">
+              <a:latin typeface="Book Antiqua"/>
+              <a:cs typeface="Book Antiqua"/>
+            </a:endParaRPr>
           </a:p>
         </p:txBody>
       </p:sp>
@@ -8833,6 +13547,754 @@
     <p:extLst>
       <p:ext uri="{BB962C8B-B14F-4D97-AF65-F5344CB8AC3E}">
         <p14:creationId xmlns:p14="http://schemas.microsoft.com/office/powerpoint/2010/main" val="4027273176"/>
+      </p:ext>
+    </p:extLst>
+  </p:cSld>
+  <p:clrMapOvr>
+    <a:masterClrMapping/>
+  </p:clrMapOvr>
+</p:sld>
+</file>
+
+<file path=ppt/slides/slide5.xml><?xml version="1.0" encoding="utf-8"?>
+<p:sld xmlns:a="http://schemas.openxmlformats.org/drawingml/2006/main" xmlns:r="http://schemas.openxmlformats.org/officeDocument/2006/relationships" xmlns:p="http://schemas.openxmlformats.org/presentationml/2006/main">
+  <p:cSld>
+    <p:spTree>
+      <p:nvGrpSpPr>
+        <p:cNvPr id="1" name=""/>
+        <p:cNvGrpSpPr/>
+        <p:nvPr/>
+      </p:nvGrpSpPr>
+      <p:grpSpPr>
+        <a:xfrm>
+          <a:off x="0" y="0"/>
+          <a:ext cx="0" cy="0"/>
+          <a:chOff x="0" y="0"/>
+          <a:chExt cx="0" cy="0"/>
+        </a:xfrm>
+      </p:grpSpPr>
+      <p:sp>
+        <p:nvSpPr>
+          <p:cNvPr id="2" name="タイトル 1"/>
+          <p:cNvSpPr>
+            <a:spLocks noGrp="1"/>
+          </p:cNvSpPr>
+          <p:nvPr>
+            <p:ph type="title"/>
+          </p:nvPr>
+        </p:nvSpPr>
+        <p:spPr/>
+        <p:txBody>
+          <a:bodyPr/>
+          <a:lstStyle/>
+          <a:p>
+            <a:r>
+              <a:rPr lang="ja-JP" altLang="ja-JP" dirty="0" smtClean="0"/>
+              <a:t>D</a:t>
+            </a:r>
+            <a:r>
+              <a:rPr lang="en-US" altLang="ja-JP" dirty="0" smtClean="0"/>
+              <a:t>-FF</a:t>
+            </a:r>
+            <a:r>
+              <a:rPr lang="ja-JP" altLang="en-US" dirty="0" smtClean="0"/>
+              <a:t> </a:t>
+            </a:r>
+            <a:r>
+              <a:rPr lang="en-US" altLang="ja-JP" dirty="0" smtClean="0"/>
+              <a:t>w/</a:t>
+            </a:r>
+            <a:r>
+              <a:rPr lang="ja-JP" altLang="en-US" dirty="0" smtClean="0"/>
+              <a:t> </a:t>
+            </a:r>
+            <a:r>
+              <a:rPr lang="en-US" altLang="ja-JP" dirty="0" smtClean="0"/>
+              <a:t>C</a:t>
+            </a:r>
+            <a:r>
+              <a:rPr lang="ja-JP" altLang="en-US" dirty="0" smtClean="0"/>
+              <a:t>L</a:t>
+            </a:r>
+            <a:r>
+              <a:rPr lang="en-US" altLang="ja-JP" dirty="0" smtClean="0"/>
+              <a:t>R</a:t>
+            </a:r>
+            <a:r>
+              <a:rPr lang="ja-JP" altLang="en-US" dirty="0" smtClean="0"/>
+              <a:t> </a:t>
+            </a:r>
+            <a:r>
+              <a:rPr lang="en-US" altLang="ja-JP" dirty="0" smtClean="0"/>
+              <a:t>and</a:t>
+            </a:r>
+            <a:r>
+              <a:rPr lang="ja-JP" altLang="en-US" dirty="0" smtClean="0"/>
+              <a:t> </a:t>
+            </a:r>
+            <a:r>
+              <a:rPr lang="en-US" altLang="ja-JP" dirty="0" smtClean="0"/>
+              <a:t>PR</a:t>
+            </a:r>
+            <a:endParaRPr kumimoji="1" lang="ja-JP" altLang="en-US" dirty="0"/>
+          </a:p>
+        </p:txBody>
+      </p:sp>
+      <p:sp>
+        <p:nvSpPr>
+          <p:cNvPr id="4" name="円/楕円 3"/>
+          <p:cNvSpPr/>
+          <p:nvPr/>
+        </p:nvSpPr>
+        <p:spPr>
+          <a:xfrm>
+            <a:off x="4652596" y="3904170"/>
+            <a:ext cx="106681" cy="107950"/>
+          </a:xfrm>
+          <a:prstGeom prst="ellipse">
+            <a:avLst/>
+          </a:prstGeom>
+          <a:noFill/>
+          <a:ln w="22225">
+            <a:solidFill>
+              <a:schemeClr val="tx1"/>
+            </a:solidFill>
+          </a:ln>
+          <a:effectLst/>
+        </p:spPr>
+        <p:style>
+          <a:lnRef idx="1">
+            <a:schemeClr val="accent1"/>
+          </a:lnRef>
+          <a:fillRef idx="3">
+            <a:schemeClr val="accent1"/>
+          </a:fillRef>
+          <a:effectRef idx="2">
+            <a:schemeClr val="accent1"/>
+          </a:effectRef>
+          <a:fontRef idx="minor">
+            <a:schemeClr val="lt1"/>
+          </a:fontRef>
+        </p:style>
+        <p:txBody>
+          <a:bodyPr/>
+          <a:lstStyle/>
+          <a:p>
+            <a:endParaRPr lang="ja-JP" altLang="en-US" dirty="0"/>
+          </a:p>
+        </p:txBody>
+      </p:sp>
+      <p:sp>
+        <p:nvSpPr>
+          <p:cNvPr id="14" name="テキスト ボックス 13"/>
+          <p:cNvSpPr txBox="1"/>
+          <p:nvPr/>
+        </p:nvSpPr>
+        <p:spPr>
+          <a:xfrm>
+            <a:off x="5874275" y="3353855"/>
+            <a:ext cx="334309" cy="461665"/>
+          </a:xfrm>
+          <a:prstGeom prst="rect">
+            <a:avLst/>
+          </a:prstGeom>
+          <a:noFill/>
+        </p:spPr>
+        <p:txBody>
+          <a:bodyPr wrap="none" rtlCol="0">
+            <a:spAutoFit/>
+          </a:bodyPr>
+          <a:lstStyle/>
+          <a:p>
+            <a:r>
+              <a:rPr lang="en-US" altLang="ja-JP" sz="1200" i="1" dirty="0" smtClean="0">
+                <a:latin typeface="Book Antiqua"/>
+                <a:cs typeface="Book Antiqua"/>
+              </a:rPr>
+              <a:t>_</a:t>
+            </a:r>
+          </a:p>
+          <a:p>
+            <a:r>
+              <a:rPr lang="en-US" altLang="ja-JP" sz="1200" i="1" dirty="0" smtClean="0">
+                <a:latin typeface="Book Antiqua"/>
+                <a:cs typeface="Book Antiqua"/>
+              </a:rPr>
+              <a:t>Q</a:t>
+            </a:r>
+            <a:endParaRPr kumimoji="1" lang="ja-JP" altLang="en-US" sz="1200" i="1" baseline="-25000" dirty="0">
+              <a:latin typeface="Book Antiqua"/>
+              <a:cs typeface="Book Antiqua"/>
+            </a:endParaRPr>
+          </a:p>
+        </p:txBody>
+      </p:sp>
+      <p:sp>
+        <p:nvSpPr>
+          <p:cNvPr id="15" name="円/楕円 14"/>
+          <p:cNvSpPr/>
+          <p:nvPr/>
+        </p:nvSpPr>
+        <p:spPr>
+          <a:xfrm>
+            <a:off x="4652596" y="2805710"/>
+            <a:ext cx="106681" cy="107950"/>
+          </a:xfrm>
+          <a:prstGeom prst="ellipse">
+            <a:avLst/>
+          </a:prstGeom>
+          <a:noFill/>
+          <a:ln w="22225">
+            <a:solidFill>
+              <a:schemeClr val="tx1"/>
+            </a:solidFill>
+          </a:ln>
+          <a:effectLst/>
+        </p:spPr>
+        <p:style>
+          <a:lnRef idx="1">
+            <a:schemeClr val="accent1"/>
+          </a:lnRef>
+          <a:fillRef idx="3">
+            <a:schemeClr val="accent1"/>
+          </a:fillRef>
+          <a:effectRef idx="2">
+            <a:schemeClr val="accent1"/>
+          </a:effectRef>
+          <a:fontRef idx="minor">
+            <a:schemeClr val="lt1"/>
+          </a:fontRef>
+        </p:style>
+        <p:txBody>
+          <a:bodyPr/>
+          <a:lstStyle/>
+          <a:p>
+            <a:endParaRPr lang="ja-JP" altLang="en-US" dirty="0"/>
+          </a:p>
+        </p:txBody>
+      </p:sp>
+      <p:cxnSp>
+        <p:nvCxnSpPr>
+          <p:cNvPr id="21" name="直線コネクタ 20"/>
+          <p:cNvCxnSpPr/>
+          <p:nvPr/>
+        </p:nvCxnSpPr>
+        <p:spPr>
+          <a:xfrm>
+            <a:off x="3962925" y="3021440"/>
+            <a:ext cx="197947" cy="108280"/>
+          </a:xfrm>
+          <a:prstGeom prst="line">
+            <a:avLst/>
+          </a:prstGeom>
+          <a:ln>
+            <a:solidFill>
+              <a:schemeClr val="tx1"/>
+            </a:solidFill>
+          </a:ln>
+          <a:effectLst/>
+        </p:spPr>
+        <p:style>
+          <a:lnRef idx="2">
+            <a:schemeClr val="accent1"/>
+          </a:lnRef>
+          <a:fillRef idx="0">
+            <a:schemeClr val="accent1"/>
+          </a:fillRef>
+          <a:effectRef idx="1">
+            <a:schemeClr val="accent1"/>
+          </a:effectRef>
+          <a:fontRef idx="minor">
+            <a:schemeClr val="tx1"/>
+          </a:fontRef>
+        </p:style>
+      </p:cxnSp>
+      <p:cxnSp>
+        <p:nvCxnSpPr>
+          <p:cNvPr id="23" name="直線コネクタ 22"/>
+          <p:cNvCxnSpPr/>
+          <p:nvPr/>
+        </p:nvCxnSpPr>
+        <p:spPr>
+          <a:xfrm>
+            <a:off x="5417075" y="3127125"/>
+            <a:ext cx="457200" cy="0"/>
+          </a:xfrm>
+          <a:prstGeom prst="line">
+            <a:avLst/>
+          </a:prstGeom>
+          <a:ln>
+            <a:solidFill>
+              <a:schemeClr val="tx1"/>
+            </a:solidFill>
+          </a:ln>
+          <a:effectLst/>
+        </p:spPr>
+        <p:style>
+          <a:lnRef idx="2">
+            <a:schemeClr val="accent1"/>
+          </a:lnRef>
+          <a:fillRef idx="0">
+            <a:schemeClr val="accent1"/>
+          </a:fillRef>
+          <a:effectRef idx="1">
+            <a:schemeClr val="accent1"/>
+          </a:effectRef>
+          <a:fontRef idx="minor">
+            <a:schemeClr val="tx1"/>
+          </a:fontRef>
+        </p:style>
+      </p:cxnSp>
+      <p:sp>
+        <p:nvSpPr>
+          <p:cNvPr id="25" name="テキスト ボックス 24"/>
+          <p:cNvSpPr txBox="1"/>
+          <p:nvPr/>
+        </p:nvSpPr>
+        <p:spPr>
+          <a:xfrm>
+            <a:off x="5874275" y="2929835"/>
+            <a:ext cx="334309" cy="276999"/>
+          </a:xfrm>
+          <a:prstGeom prst="rect">
+            <a:avLst/>
+          </a:prstGeom>
+          <a:noFill/>
+        </p:spPr>
+        <p:txBody>
+          <a:bodyPr wrap="none" rtlCol="0">
+            <a:spAutoFit/>
+          </a:bodyPr>
+          <a:lstStyle/>
+          <a:p>
+            <a:r>
+              <a:rPr lang="en-US" altLang="ja-JP" sz="1200" i="1" dirty="0" smtClean="0">
+                <a:latin typeface="Book Antiqua"/>
+                <a:cs typeface="Book Antiqua"/>
+              </a:rPr>
+              <a:t>Q</a:t>
+            </a:r>
+            <a:endParaRPr kumimoji="1" lang="ja-JP" altLang="en-US" sz="1200" i="1" baseline="-25000" dirty="0">
+              <a:latin typeface="Book Antiqua"/>
+              <a:cs typeface="Book Antiqua"/>
+            </a:endParaRPr>
+          </a:p>
+        </p:txBody>
+      </p:sp>
+      <p:cxnSp>
+        <p:nvCxnSpPr>
+          <p:cNvPr id="29" name="直線コネクタ 28"/>
+          <p:cNvCxnSpPr/>
+          <p:nvPr/>
+        </p:nvCxnSpPr>
+        <p:spPr>
+          <a:xfrm>
+            <a:off x="4699069" y="2532330"/>
+            <a:ext cx="0" cy="273380"/>
+          </a:xfrm>
+          <a:prstGeom prst="line">
+            <a:avLst/>
+          </a:prstGeom>
+          <a:ln>
+            <a:solidFill>
+              <a:schemeClr val="tx1"/>
+            </a:solidFill>
+          </a:ln>
+          <a:effectLst/>
+        </p:spPr>
+        <p:style>
+          <a:lnRef idx="2">
+            <a:schemeClr val="accent1"/>
+          </a:lnRef>
+          <a:fillRef idx="0">
+            <a:schemeClr val="accent1"/>
+          </a:fillRef>
+          <a:effectRef idx="1">
+            <a:schemeClr val="accent1"/>
+          </a:effectRef>
+          <a:fontRef idx="minor">
+            <a:schemeClr val="tx1"/>
+          </a:fontRef>
+        </p:style>
+      </p:cxnSp>
+      <p:sp>
+        <p:nvSpPr>
+          <p:cNvPr id="34" name="正方形/長方形 33"/>
+          <p:cNvSpPr/>
+          <p:nvPr/>
+        </p:nvSpPr>
+        <p:spPr>
+          <a:xfrm>
+            <a:off x="3962925" y="2913990"/>
+            <a:ext cx="1454150" cy="990180"/>
+          </a:xfrm>
+          <a:prstGeom prst="rect">
+            <a:avLst/>
+          </a:prstGeom>
+          <a:noFill/>
+        </p:spPr>
+        <p:style>
+          <a:lnRef idx="2">
+            <a:schemeClr val="dk1"/>
+          </a:lnRef>
+          <a:fillRef idx="1">
+            <a:schemeClr val="lt1"/>
+          </a:fillRef>
+          <a:effectRef idx="0">
+            <a:schemeClr val="dk1"/>
+          </a:effectRef>
+          <a:fontRef idx="minor">
+            <a:schemeClr val="dk1"/>
+          </a:fontRef>
+        </p:style>
+        <p:txBody>
+          <a:bodyPr rtlCol="0" anchor="ctr"/>
+          <a:lstStyle/>
+          <a:p>
+            <a:pPr algn="ctr"/>
+            <a:r>
+              <a:rPr kumimoji="1" lang="en-US" altLang="ja-JP" dirty="0" smtClean="0"/>
+              <a:t>D-FF</a:t>
+            </a:r>
+            <a:endParaRPr kumimoji="1" lang="ja-JP" altLang="en-US" dirty="0"/>
+          </a:p>
+        </p:txBody>
+      </p:sp>
+      <p:cxnSp>
+        <p:nvCxnSpPr>
+          <p:cNvPr id="36" name="直線コネクタ 35"/>
+          <p:cNvCxnSpPr/>
+          <p:nvPr/>
+        </p:nvCxnSpPr>
+        <p:spPr>
+          <a:xfrm>
+            <a:off x="5417075" y="3690735"/>
+            <a:ext cx="457200" cy="0"/>
+          </a:xfrm>
+          <a:prstGeom prst="line">
+            <a:avLst/>
+          </a:prstGeom>
+          <a:ln>
+            <a:solidFill>
+              <a:schemeClr val="tx1"/>
+            </a:solidFill>
+          </a:ln>
+          <a:effectLst/>
+        </p:spPr>
+        <p:style>
+          <a:lnRef idx="2">
+            <a:schemeClr val="accent1"/>
+          </a:lnRef>
+          <a:fillRef idx="0">
+            <a:schemeClr val="accent1"/>
+          </a:fillRef>
+          <a:effectRef idx="1">
+            <a:schemeClr val="accent1"/>
+          </a:effectRef>
+          <a:fontRef idx="minor">
+            <a:schemeClr val="tx1"/>
+          </a:fontRef>
+        </p:style>
+      </p:cxnSp>
+      <p:cxnSp>
+        <p:nvCxnSpPr>
+          <p:cNvPr id="43" name="直線コネクタ 42"/>
+          <p:cNvCxnSpPr/>
+          <p:nvPr/>
+        </p:nvCxnSpPr>
+        <p:spPr>
+          <a:xfrm>
+            <a:off x="4705419" y="4012120"/>
+            <a:ext cx="0" cy="273380"/>
+          </a:xfrm>
+          <a:prstGeom prst="line">
+            <a:avLst/>
+          </a:prstGeom>
+          <a:ln>
+            <a:solidFill>
+              <a:schemeClr val="tx1"/>
+            </a:solidFill>
+          </a:ln>
+          <a:effectLst/>
+        </p:spPr>
+        <p:style>
+          <a:lnRef idx="2">
+            <a:schemeClr val="accent1"/>
+          </a:lnRef>
+          <a:fillRef idx="0">
+            <a:schemeClr val="accent1"/>
+          </a:fillRef>
+          <a:effectRef idx="1">
+            <a:schemeClr val="accent1"/>
+          </a:effectRef>
+          <a:fontRef idx="minor">
+            <a:schemeClr val="tx1"/>
+          </a:fontRef>
+        </p:style>
+      </p:cxnSp>
+      <p:cxnSp>
+        <p:nvCxnSpPr>
+          <p:cNvPr id="44" name="直線コネクタ 43"/>
+          <p:cNvCxnSpPr/>
+          <p:nvPr/>
+        </p:nvCxnSpPr>
+        <p:spPr>
+          <a:xfrm>
+            <a:off x="3505725" y="3124030"/>
+            <a:ext cx="457200" cy="0"/>
+          </a:xfrm>
+          <a:prstGeom prst="line">
+            <a:avLst/>
+          </a:prstGeom>
+          <a:ln>
+            <a:solidFill>
+              <a:schemeClr val="tx1"/>
+            </a:solidFill>
+          </a:ln>
+          <a:effectLst/>
+        </p:spPr>
+        <p:style>
+          <a:lnRef idx="2">
+            <a:schemeClr val="accent1"/>
+          </a:lnRef>
+          <a:fillRef idx="0">
+            <a:schemeClr val="accent1"/>
+          </a:fillRef>
+          <a:effectRef idx="1">
+            <a:schemeClr val="accent1"/>
+          </a:effectRef>
+          <a:fontRef idx="minor">
+            <a:schemeClr val="tx1"/>
+          </a:fontRef>
+        </p:style>
+      </p:cxnSp>
+      <p:cxnSp>
+        <p:nvCxnSpPr>
+          <p:cNvPr id="45" name="直線コネクタ 44"/>
+          <p:cNvCxnSpPr/>
+          <p:nvPr/>
+        </p:nvCxnSpPr>
+        <p:spPr>
+          <a:xfrm>
+            <a:off x="3505725" y="3690735"/>
+            <a:ext cx="457200" cy="0"/>
+          </a:xfrm>
+          <a:prstGeom prst="line">
+            <a:avLst/>
+          </a:prstGeom>
+          <a:ln>
+            <a:solidFill>
+              <a:schemeClr val="tx1"/>
+            </a:solidFill>
+          </a:ln>
+          <a:effectLst/>
+        </p:spPr>
+        <p:style>
+          <a:lnRef idx="2">
+            <a:schemeClr val="accent1"/>
+          </a:lnRef>
+          <a:fillRef idx="0">
+            <a:schemeClr val="accent1"/>
+          </a:fillRef>
+          <a:effectRef idx="1">
+            <a:schemeClr val="accent1"/>
+          </a:effectRef>
+          <a:fontRef idx="minor">
+            <a:schemeClr val="tx1"/>
+          </a:fontRef>
+        </p:style>
+      </p:cxnSp>
+      <p:cxnSp>
+        <p:nvCxnSpPr>
+          <p:cNvPr id="47" name="直線コネクタ 46"/>
+          <p:cNvCxnSpPr/>
+          <p:nvPr/>
+        </p:nvCxnSpPr>
+        <p:spPr>
+          <a:xfrm flipV="1">
+            <a:off x="3962925" y="3129720"/>
+            <a:ext cx="197947" cy="89814"/>
+          </a:xfrm>
+          <a:prstGeom prst="line">
+            <a:avLst/>
+          </a:prstGeom>
+          <a:ln>
+            <a:solidFill>
+              <a:schemeClr val="tx1"/>
+            </a:solidFill>
+          </a:ln>
+          <a:effectLst/>
+        </p:spPr>
+        <p:style>
+          <a:lnRef idx="2">
+            <a:schemeClr val="accent1"/>
+          </a:lnRef>
+          <a:fillRef idx="0">
+            <a:schemeClr val="accent1"/>
+          </a:fillRef>
+          <a:effectRef idx="1">
+            <a:schemeClr val="accent1"/>
+          </a:effectRef>
+          <a:fontRef idx="minor">
+            <a:schemeClr val="tx1"/>
+          </a:fontRef>
+        </p:style>
+      </p:cxnSp>
+      <p:sp>
+        <p:nvSpPr>
+          <p:cNvPr id="50" name="テキスト ボックス 49"/>
+          <p:cNvSpPr txBox="1"/>
+          <p:nvPr/>
+        </p:nvSpPr>
+        <p:spPr>
+          <a:xfrm>
+            <a:off x="3188473" y="2948268"/>
+            <a:ext cx="317252" cy="276999"/>
+          </a:xfrm>
+          <a:prstGeom prst="rect">
+            <a:avLst/>
+          </a:prstGeom>
+          <a:noFill/>
+        </p:spPr>
+        <p:txBody>
+          <a:bodyPr wrap="none" rtlCol="0">
+            <a:spAutoFit/>
+          </a:bodyPr>
+          <a:lstStyle/>
+          <a:p>
+            <a:r>
+              <a:rPr lang="en-US" altLang="ja-JP" sz="1200" i="1" dirty="0" smtClean="0">
+                <a:latin typeface="Book Antiqua"/>
+                <a:cs typeface="Book Antiqua"/>
+              </a:rPr>
+              <a:t>C</a:t>
+            </a:r>
+            <a:endParaRPr kumimoji="1" lang="ja-JP" altLang="en-US" sz="1200" i="1" baseline="-25000" dirty="0">
+              <a:latin typeface="Book Antiqua"/>
+              <a:cs typeface="Book Antiqua"/>
+            </a:endParaRPr>
+          </a:p>
+        </p:txBody>
+      </p:sp>
+      <p:sp>
+        <p:nvSpPr>
+          <p:cNvPr id="51" name="テキスト ボックス 50"/>
+          <p:cNvSpPr txBox="1"/>
+          <p:nvPr/>
+        </p:nvSpPr>
+        <p:spPr>
+          <a:xfrm>
+            <a:off x="3188473" y="3531968"/>
+            <a:ext cx="334309" cy="276999"/>
+          </a:xfrm>
+          <a:prstGeom prst="rect">
+            <a:avLst/>
+          </a:prstGeom>
+          <a:noFill/>
+        </p:spPr>
+        <p:txBody>
+          <a:bodyPr wrap="none" rtlCol="0">
+            <a:spAutoFit/>
+          </a:bodyPr>
+          <a:lstStyle/>
+          <a:p>
+            <a:r>
+              <a:rPr lang="en-US" altLang="ja-JP" sz="1200" i="1" dirty="0" smtClean="0">
+                <a:latin typeface="Book Antiqua"/>
+                <a:cs typeface="Book Antiqua"/>
+              </a:rPr>
+              <a:t>D</a:t>
+            </a:r>
+            <a:endParaRPr kumimoji="1" lang="ja-JP" altLang="en-US" sz="1200" i="1" baseline="-25000" dirty="0">
+              <a:latin typeface="Book Antiqua"/>
+              <a:cs typeface="Book Antiqua"/>
+            </a:endParaRPr>
+          </a:p>
+        </p:txBody>
+      </p:sp>
+      <p:sp>
+        <p:nvSpPr>
+          <p:cNvPr id="52" name="テキスト ボックス 51"/>
+          <p:cNvSpPr txBox="1"/>
+          <p:nvPr/>
+        </p:nvSpPr>
+        <p:spPr>
+          <a:xfrm>
+            <a:off x="4452679" y="4282187"/>
+            <a:ext cx="505480" cy="276999"/>
+          </a:xfrm>
+          <a:prstGeom prst="rect">
+            <a:avLst/>
+          </a:prstGeom>
+          <a:noFill/>
+        </p:spPr>
+        <p:txBody>
+          <a:bodyPr wrap="none" rtlCol="0">
+            <a:spAutoFit/>
+          </a:bodyPr>
+          <a:lstStyle/>
+          <a:p>
+            <a:r>
+              <a:rPr lang="en-US" altLang="ja-JP" sz="1200" i="1" dirty="0" smtClean="0">
+                <a:latin typeface="Book Antiqua"/>
+                <a:cs typeface="Book Antiqua"/>
+              </a:rPr>
+              <a:t>CLR</a:t>
+            </a:r>
+            <a:endParaRPr kumimoji="1" lang="ja-JP" altLang="en-US" sz="1200" i="1" baseline="-25000" dirty="0">
+              <a:latin typeface="Book Antiqua"/>
+              <a:cs typeface="Book Antiqua"/>
+            </a:endParaRPr>
+          </a:p>
+        </p:txBody>
+      </p:sp>
+      <p:sp>
+        <p:nvSpPr>
+          <p:cNvPr id="53" name="テキスト ボックス 52"/>
+          <p:cNvSpPr txBox="1"/>
+          <p:nvPr/>
+        </p:nvSpPr>
+        <p:spPr>
+          <a:xfrm>
+            <a:off x="4493442" y="2250392"/>
+            <a:ext cx="411253" cy="276999"/>
+          </a:xfrm>
+          <a:prstGeom prst="rect">
+            <a:avLst/>
+          </a:prstGeom>
+          <a:noFill/>
+        </p:spPr>
+        <p:txBody>
+          <a:bodyPr wrap="none" rtlCol="0">
+            <a:spAutoFit/>
+          </a:bodyPr>
+          <a:lstStyle/>
+          <a:p>
+            <a:r>
+              <a:rPr lang="en-US" altLang="ja-JP" sz="1200" i="1" dirty="0">
+                <a:latin typeface="Book Antiqua"/>
+                <a:cs typeface="Book Antiqua"/>
+              </a:rPr>
+              <a:t>P</a:t>
+            </a:r>
+            <a:r>
+              <a:rPr lang="en-US" altLang="ja-JP" sz="1200" i="1" dirty="0" smtClean="0">
+                <a:latin typeface="Book Antiqua"/>
+                <a:cs typeface="Book Antiqua"/>
+              </a:rPr>
+              <a:t>R</a:t>
+            </a:r>
+            <a:endParaRPr kumimoji="1" lang="ja-JP" altLang="en-US" sz="1200" i="1" baseline="-25000" dirty="0">
+              <a:latin typeface="Book Antiqua"/>
+              <a:cs typeface="Book Antiqua"/>
+            </a:endParaRPr>
+          </a:p>
+        </p:txBody>
+      </p:sp>
+    </p:spTree>
+    <p:extLst>
+      <p:ext uri="{BB962C8B-B14F-4D97-AF65-F5344CB8AC3E}">
+        <p14:creationId xmlns:p14="http://schemas.microsoft.com/office/powerpoint/2010/main" val="2183545166"/>
       </p:ext>
     </p:extLst>
   </p:cSld>

--- a/articles/201602/reg.pptx
+++ b/articles/201602/reg.pptx
@@ -10,6 +10,7 @@
     <p:sldId id="259" r:id="rId4"/>
     <p:sldId id="258" r:id="rId5"/>
     <p:sldId id="260" r:id="rId6"/>
+    <p:sldId id="261" r:id="rId7"/>
   </p:sldIdLst>
   <p:sldSz cx="9144000" cy="6858000" type="screen4x3"/>
   <p:notesSz cx="6858000" cy="9144000"/>
@@ -110,7 +111,7 @@
   </p:defaultTextStyle>
   <p:extLst>
     <p:ext uri="{EFAFB233-063F-42B5-8137-9DF3F51BA10A}">
-      <p15:sldGuideLst xmlns:p15="http://schemas.microsoft.com/office/powerpoint/2012/main" xmlns="">
+      <p15:sldGuideLst xmlns="" xmlns:p15="http://schemas.microsoft.com/office/powerpoint/2012/main">
         <p15:guide id="1" orient="horz" pos="2160">
           <p15:clr>
             <a:srgbClr val="A4A3A4"/>
@@ -308,7 +309,7 @@
           <a:p>
             <a:fld id="{F398A4FB-147A-2342-8E4D-45CE9D336126}" type="datetimeFigureOut">
               <a:rPr kumimoji="1" lang="ja-JP" altLang="en-US" smtClean="0"/>
-              <a:t>2/20/16</a:t>
+              <a:t>2/28/16</a:t>
             </a:fld>
             <a:endParaRPr kumimoji="1" lang="ja-JP" altLang="en-US"/>
           </a:p>
@@ -510,7 +511,7 @@
           <a:p>
             <a:fld id="{F398A4FB-147A-2342-8E4D-45CE9D336126}" type="datetimeFigureOut">
               <a:rPr kumimoji="1" lang="ja-JP" altLang="en-US" smtClean="0"/>
-              <a:t>2/20/16</a:t>
+              <a:t>2/28/16</a:t>
             </a:fld>
             <a:endParaRPr kumimoji="1" lang="ja-JP" altLang="en-US"/>
           </a:p>
@@ -722,7 +723,7 @@
           <a:p>
             <a:fld id="{F398A4FB-147A-2342-8E4D-45CE9D336126}" type="datetimeFigureOut">
               <a:rPr kumimoji="1" lang="ja-JP" altLang="en-US" smtClean="0"/>
-              <a:t>2/20/16</a:t>
+              <a:t>2/28/16</a:t>
             </a:fld>
             <a:endParaRPr kumimoji="1" lang="ja-JP" altLang="en-US"/>
           </a:p>
@@ -924,7 +925,7 @@
           <a:p>
             <a:fld id="{F398A4FB-147A-2342-8E4D-45CE9D336126}" type="datetimeFigureOut">
               <a:rPr kumimoji="1" lang="ja-JP" altLang="en-US" smtClean="0"/>
-              <a:t>2/20/16</a:t>
+              <a:t>2/28/16</a:t>
             </a:fld>
             <a:endParaRPr kumimoji="1" lang="ja-JP" altLang="en-US"/>
           </a:p>
@@ -1170,7 +1171,7 @@
           <a:p>
             <a:fld id="{F398A4FB-147A-2342-8E4D-45CE9D336126}" type="datetimeFigureOut">
               <a:rPr kumimoji="1" lang="ja-JP" altLang="en-US" smtClean="0"/>
-              <a:t>2/20/16</a:t>
+              <a:t>2/28/16</a:t>
             </a:fld>
             <a:endParaRPr kumimoji="1" lang="ja-JP" altLang="en-US"/>
           </a:p>
@@ -1522,7 +1523,7 @@
           <a:p>
             <a:fld id="{F398A4FB-147A-2342-8E4D-45CE9D336126}" type="datetimeFigureOut">
               <a:rPr kumimoji="1" lang="ja-JP" altLang="en-US" smtClean="0"/>
-              <a:t>2/20/16</a:t>
+              <a:t>2/28/16</a:t>
             </a:fld>
             <a:endParaRPr kumimoji="1" lang="ja-JP" altLang="en-US"/>
           </a:p>
@@ -2008,7 +2009,7 @@
           <a:p>
             <a:fld id="{F398A4FB-147A-2342-8E4D-45CE9D336126}" type="datetimeFigureOut">
               <a:rPr kumimoji="1" lang="ja-JP" altLang="en-US" smtClean="0"/>
-              <a:t>2/20/16</a:t>
+              <a:t>2/28/16</a:t>
             </a:fld>
             <a:endParaRPr kumimoji="1" lang="ja-JP" altLang="en-US"/>
           </a:p>
@@ -2126,7 +2127,7 @@
           <a:p>
             <a:fld id="{F398A4FB-147A-2342-8E4D-45CE9D336126}" type="datetimeFigureOut">
               <a:rPr kumimoji="1" lang="ja-JP" altLang="en-US" smtClean="0"/>
-              <a:t>2/20/16</a:t>
+              <a:t>2/28/16</a:t>
             </a:fld>
             <a:endParaRPr kumimoji="1" lang="ja-JP" altLang="en-US"/>
           </a:p>
@@ -2221,7 +2222,7 @@
           <a:p>
             <a:fld id="{F398A4FB-147A-2342-8E4D-45CE9D336126}" type="datetimeFigureOut">
               <a:rPr kumimoji="1" lang="ja-JP" altLang="en-US" smtClean="0"/>
-              <a:t>2/20/16</a:t>
+              <a:t>2/28/16</a:t>
             </a:fld>
             <a:endParaRPr kumimoji="1" lang="ja-JP" altLang="en-US"/>
           </a:p>
@@ -2530,7 +2531,7 @@
           <a:p>
             <a:fld id="{F398A4FB-147A-2342-8E4D-45CE9D336126}" type="datetimeFigureOut">
               <a:rPr kumimoji="1" lang="ja-JP" altLang="en-US" smtClean="0"/>
-              <a:t>2/20/16</a:t>
+              <a:t>2/28/16</a:t>
             </a:fld>
             <a:endParaRPr kumimoji="1" lang="ja-JP" altLang="en-US"/>
           </a:p>
@@ -2783,7 +2784,7 @@
           <a:p>
             <a:fld id="{F398A4FB-147A-2342-8E4D-45CE9D336126}" type="datetimeFigureOut">
               <a:rPr kumimoji="1" lang="ja-JP" altLang="en-US" smtClean="0"/>
-              <a:t>2/20/16</a:t>
+              <a:t>2/28/16</a:t>
             </a:fld>
             <a:endParaRPr kumimoji="1" lang="ja-JP" altLang="en-US"/>
           </a:p>
@@ -3028,7 +3029,7 @@
           <a:p>
             <a:fld id="{F398A4FB-147A-2342-8E4D-45CE9D336126}" type="datetimeFigureOut">
               <a:rPr kumimoji="1" lang="ja-JP" altLang="en-US" smtClean="0"/>
-              <a:t>2/20/16</a:t>
+              <a:t>2/28/16</a:t>
             </a:fld>
             <a:endParaRPr kumimoji="1" lang="ja-JP" altLang="en-US"/>
           </a:p>
@@ -10010,11 +10011,7 @@
             <a:pPr algn="l"/>
             <a:r>
               <a:rPr lang="en-US" altLang="ja-JP" dirty="0" smtClean="0"/>
-              <a:t>D</a:t>
-            </a:r>
-            <a:r>
-              <a:rPr lang="en-US" altLang="ja-JP" dirty="0" smtClean="0"/>
-              <a:t>-FF</a:t>
+              <a:t>D-FF</a:t>
             </a:r>
             <a:endParaRPr kumimoji="1" lang="ja-JP" altLang="en-US" dirty="0"/>
           </a:p>
@@ -14295,6 +14292,1403 @@
     <p:extLst>
       <p:ext uri="{BB962C8B-B14F-4D97-AF65-F5344CB8AC3E}">
         <p14:creationId xmlns:p14="http://schemas.microsoft.com/office/powerpoint/2010/main" val="2183545166"/>
+      </p:ext>
+    </p:extLst>
+  </p:cSld>
+  <p:clrMapOvr>
+    <a:masterClrMapping/>
+  </p:clrMapOvr>
+</p:sld>
+</file>
+
+<file path=ppt/slides/slide6.xml><?xml version="1.0" encoding="utf-8"?>
+<p:sld xmlns:a="http://schemas.openxmlformats.org/drawingml/2006/main" xmlns:r="http://schemas.openxmlformats.org/officeDocument/2006/relationships" xmlns:p="http://schemas.openxmlformats.org/presentationml/2006/main">
+  <p:cSld>
+    <p:spTree>
+      <p:nvGrpSpPr>
+        <p:cNvPr id="1" name=""/>
+        <p:cNvGrpSpPr/>
+        <p:nvPr/>
+      </p:nvGrpSpPr>
+      <p:grpSpPr>
+        <a:xfrm>
+          <a:off x="0" y="0"/>
+          <a:ext cx="0" cy="0"/>
+          <a:chOff x="0" y="0"/>
+          <a:chExt cx="0" cy="0"/>
+        </a:xfrm>
+      </p:grpSpPr>
+      <p:sp>
+        <p:nvSpPr>
+          <p:cNvPr id="2" name="タイトル 1"/>
+          <p:cNvSpPr>
+            <a:spLocks noGrp="1"/>
+          </p:cNvSpPr>
+          <p:nvPr>
+            <p:ph type="title"/>
+          </p:nvPr>
+        </p:nvSpPr>
+        <p:spPr/>
+        <p:txBody>
+          <a:bodyPr/>
+          <a:lstStyle/>
+          <a:p>
+            <a:r>
+              <a:rPr kumimoji="1" lang="en-US" altLang="ja-JP" dirty="0" smtClean="0"/>
+              <a:t>1</a:t>
+            </a:r>
+            <a:r>
+              <a:rPr kumimoji="1" lang="ja-JP" altLang="en-US" dirty="0" smtClean="0"/>
+              <a:t> </a:t>
+            </a:r>
+            <a:r>
+              <a:rPr kumimoji="1" lang="en-US" altLang="ja-JP" dirty="0" smtClean="0"/>
+              <a:t>bit</a:t>
+            </a:r>
+            <a:r>
+              <a:rPr kumimoji="1" lang="ja-JP" altLang="en-US" dirty="0" smtClean="0"/>
+              <a:t> </a:t>
+            </a:r>
+            <a:r>
+              <a:rPr kumimoji="1" lang="en-US" altLang="ja-JP" dirty="0" smtClean="0"/>
+              <a:t>register</a:t>
+            </a:r>
+            <a:endParaRPr kumimoji="1" lang="ja-JP" altLang="en-US" dirty="0"/>
+          </a:p>
+        </p:txBody>
+      </p:sp>
+      <p:sp>
+        <p:nvSpPr>
+          <p:cNvPr id="4" name="円/楕円 3"/>
+          <p:cNvSpPr/>
+          <p:nvPr/>
+        </p:nvSpPr>
+        <p:spPr>
+          <a:xfrm>
+            <a:off x="5594366" y="3848945"/>
+            <a:ext cx="106681" cy="107950"/>
+          </a:xfrm>
+          <a:prstGeom prst="ellipse">
+            <a:avLst/>
+          </a:prstGeom>
+          <a:noFill/>
+          <a:ln w="22225">
+            <a:solidFill>
+              <a:schemeClr val="tx1"/>
+            </a:solidFill>
+          </a:ln>
+          <a:effectLst/>
+        </p:spPr>
+        <p:style>
+          <a:lnRef idx="1">
+            <a:schemeClr val="accent1"/>
+          </a:lnRef>
+          <a:fillRef idx="3">
+            <a:schemeClr val="accent1"/>
+          </a:fillRef>
+          <a:effectRef idx="2">
+            <a:schemeClr val="accent1"/>
+          </a:effectRef>
+          <a:fontRef idx="minor">
+            <a:schemeClr val="lt1"/>
+          </a:fontRef>
+        </p:style>
+        <p:txBody>
+          <a:bodyPr/>
+          <a:lstStyle/>
+          <a:p>
+            <a:endParaRPr lang="ja-JP" altLang="en-US" dirty="0"/>
+          </a:p>
+        </p:txBody>
+      </p:sp>
+      <p:sp>
+        <p:nvSpPr>
+          <p:cNvPr id="5" name="テキスト ボックス 4"/>
+          <p:cNvSpPr txBox="1"/>
+          <p:nvPr/>
+        </p:nvSpPr>
+        <p:spPr>
+          <a:xfrm>
+            <a:off x="6816045" y="3298630"/>
+            <a:ext cx="334309" cy="461665"/>
+          </a:xfrm>
+          <a:prstGeom prst="rect">
+            <a:avLst/>
+          </a:prstGeom>
+          <a:noFill/>
+        </p:spPr>
+        <p:txBody>
+          <a:bodyPr wrap="none" rtlCol="0">
+            <a:spAutoFit/>
+          </a:bodyPr>
+          <a:lstStyle/>
+          <a:p>
+            <a:r>
+              <a:rPr lang="en-US" altLang="ja-JP" sz="1200" i="1" dirty="0" smtClean="0">
+                <a:latin typeface="Book Antiqua"/>
+                <a:cs typeface="Book Antiqua"/>
+              </a:rPr>
+              <a:t>_</a:t>
+            </a:r>
+          </a:p>
+          <a:p>
+            <a:r>
+              <a:rPr lang="en-US" altLang="ja-JP" sz="1200" i="1" dirty="0" smtClean="0">
+                <a:latin typeface="Book Antiqua"/>
+                <a:cs typeface="Book Antiqua"/>
+              </a:rPr>
+              <a:t>Q</a:t>
+            </a:r>
+            <a:endParaRPr kumimoji="1" lang="ja-JP" altLang="en-US" sz="1200" i="1" baseline="-25000" dirty="0">
+              <a:latin typeface="Book Antiqua"/>
+              <a:cs typeface="Book Antiqua"/>
+            </a:endParaRPr>
+          </a:p>
+        </p:txBody>
+      </p:sp>
+      <p:sp>
+        <p:nvSpPr>
+          <p:cNvPr id="6" name="円/楕円 5"/>
+          <p:cNvSpPr/>
+          <p:nvPr/>
+        </p:nvSpPr>
+        <p:spPr>
+          <a:xfrm>
+            <a:off x="5594366" y="2750485"/>
+            <a:ext cx="106681" cy="107950"/>
+          </a:xfrm>
+          <a:prstGeom prst="ellipse">
+            <a:avLst/>
+          </a:prstGeom>
+          <a:noFill/>
+          <a:ln w="22225">
+            <a:solidFill>
+              <a:schemeClr val="tx1"/>
+            </a:solidFill>
+          </a:ln>
+          <a:effectLst/>
+        </p:spPr>
+        <p:style>
+          <a:lnRef idx="1">
+            <a:schemeClr val="accent1"/>
+          </a:lnRef>
+          <a:fillRef idx="3">
+            <a:schemeClr val="accent1"/>
+          </a:fillRef>
+          <a:effectRef idx="2">
+            <a:schemeClr val="accent1"/>
+          </a:effectRef>
+          <a:fontRef idx="minor">
+            <a:schemeClr val="lt1"/>
+          </a:fontRef>
+        </p:style>
+        <p:txBody>
+          <a:bodyPr/>
+          <a:lstStyle/>
+          <a:p>
+            <a:endParaRPr lang="ja-JP" altLang="en-US" dirty="0"/>
+          </a:p>
+        </p:txBody>
+      </p:sp>
+      <p:cxnSp>
+        <p:nvCxnSpPr>
+          <p:cNvPr id="7" name="直線コネクタ 6"/>
+          <p:cNvCxnSpPr/>
+          <p:nvPr/>
+        </p:nvCxnSpPr>
+        <p:spPr>
+          <a:xfrm>
+            <a:off x="4904695" y="2966215"/>
+            <a:ext cx="197947" cy="108280"/>
+          </a:xfrm>
+          <a:prstGeom prst="line">
+            <a:avLst/>
+          </a:prstGeom>
+          <a:ln>
+            <a:solidFill>
+              <a:schemeClr val="tx1"/>
+            </a:solidFill>
+          </a:ln>
+          <a:effectLst/>
+        </p:spPr>
+        <p:style>
+          <a:lnRef idx="2">
+            <a:schemeClr val="accent1"/>
+          </a:lnRef>
+          <a:fillRef idx="0">
+            <a:schemeClr val="accent1"/>
+          </a:fillRef>
+          <a:effectRef idx="1">
+            <a:schemeClr val="accent1"/>
+          </a:effectRef>
+          <a:fontRef idx="minor">
+            <a:schemeClr val="tx1"/>
+          </a:fontRef>
+        </p:style>
+      </p:cxnSp>
+      <p:cxnSp>
+        <p:nvCxnSpPr>
+          <p:cNvPr id="8" name="直線コネクタ 7"/>
+          <p:cNvCxnSpPr/>
+          <p:nvPr/>
+        </p:nvCxnSpPr>
+        <p:spPr>
+          <a:xfrm>
+            <a:off x="6358845" y="3071900"/>
+            <a:ext cx="1375455" cy="2595"/>
+          </a:xfrm>
+          <a:prstGeom prst="line">
+            <a:avLst/>
+          </a:prstGeom>
+          <a:ln>
+            <a:solidFill>
+              <a:schemeClr val="tx1"/>
+            </a:solidFill>
+          </a:ln>
+          <a:effectLst/>
+        </p:spPr>
+        <p:style>
+          <a:lnRef idx="2">
+            <a:schemeClr val="accent1"/>
+          </a:lnRef>
+          <a:fillRef idx="0">
+            <a:schemeClr val="accent1"/>
+          </a:fillRef>
+          <a:effectRef idx="1">
+            <a:schemeClr val="accent1"/>
+          </a:effectRef>
+          <a:fontRef idx="minor">
+            <a:schemeClr val="tx1"/>
+          </a:fontRef>
+        </p:style>
+      </p:cxnSp>
+      <p:sp>
+        <p:nvSpPr>
+          <p:cNvPr id="9" name="テキスト ボックス 8"/>
+          <p:cNvSpPr txBox="1"/>
+          <p:nvPr/>
+        </p:nvSpPr>
+        <p:spPr>
+          <a:xfrm>
+            <a:off x="7734300" y="2893043"/>
+            <a:ext cx="334309" cy="276999"/>
+          </a:xfrm>
+          <a:prstGeom prst="rect">
+            <a:avLst/>
+          </a:prstGeom>
+          <a:noFill/>
+        </p:spPr>
+        <p:txBody>
+          <a:bodyPr wrap="none" rtlCol="0">
+            <a:spAutoFit/>
+          </a:bodyPr>
+          <a:lstStyle/>
+          <a:p>
+            <a:r>
+              <a:rPr lang="en-US" altLang="ja-JP" sz="1200" i="1" dirty="0" smtClean="0">
+                <a:latin typeface="Book Antiqua"/>
+                <a:cs typeface="Book Antiqua"/>
+              </a:rPr>
+              <a:t>Q</a:t>
+            </a:r>
+            <a:endParaRPr kumimoji="1" lang="ja-JP" altLang="en-US" sz="1200" i="1" baseline="-25000" dirty="0">
+              <a:latin typeface="Book Antiqua"/>
+              <a:cs typeface="Book Antiqua"/>
+            </a:endParaRPr>
+          </a:p>
+        </p:txBody>
+      </p:sp>
+      <p:cxnSp>
+        <p:nvCxnSpPr>
+          <p:cNvPr id="10" name="直線コネクタ 9"/>
+          <p:cNvCxnSpPr/>
+          <p:nvPr/>
+        </p:nvCxnSpPr>
+        <p:spPr>
+          <a:xfrm>
+            <a:off x="5640839" y="2611967"/>
+            <a:ext cx="0" cy="138518"/>
+          </a:xfrm>
+          <a:prstGeom prst="line">
+            <a:avLst/>
+          </a:prstGeom>
+          <a:ln>
+            <a:solidFill>
+              <a:schemeClr val="tx1"/>
+            </a:solidFill>
+          </a:ln>
+          <a:effectLst/>
+        </p:spPr>
+        <p:style>
+          <a:lnRef idx="2">
+            <a:schemeClr val="accent1"/>
+          </a:lnRef>
+          <a:fillRef idx="0">
+            <a:schemeClr val="accent1"/>
+          </a:fillRef>
+          <a:effectRef idx="1">
+            <a:schemeClr val="accent1"/>
+          </a:effectRef>
+          <a:fontRef idx="minor">
+            <a:schemeClr val="tx1"/>
+          </a:fontRef>
+        </p:style>
+      </p:cxnSp>
+      <p:sp>
+        <p:nvSpPr>
+          <p:cNvPr id="11" name="正方形/長方形 10"/>
+          <p:cNvSpPr/>
+          <p:nvPr/>
+        </p:nvSpPr>
+        <p:spPr>
+          <a:xfrm>
+            <a:off x="4904695" y="2858765"/>
+            <a:ext cx="1454150" cy="990180"/>
+          </a:xfrm>
+          <a:prstGeom prst="rect">
+            <a:avLst/>
+          </a:prstGeom>
+          <a:noFill/>
+        </p:spPr>
+        <p:style>
+          <a:lnRef idx="2">
+            <a:schemeClr val="dk1"/>
+          </a:lnRef>
+          <a:fillRef idx="1">
+            <a:schemeClr val="lt1"/>
+          </a:fillRef>
+          <a:effectRef idx="0">
+            <a:schemeClr val="dk1"/>
+          </a:effectRef>
+          <a:fontRef idx="minor">
+            <a:schemeClr val="dk1"/>
+          </a:fontRef>
+        </p:style>
+        <p:txBody>
+          <a:bodyPr rtlCol="0" anchor="ctr"/>
+          <a:lstStyle/>
+          <a:p>
+            <a:pPr algn="ctr"/>
+            <a:r>
+              <a:rPr kumimoji="1" lang="en-US" altLang="ja-JP" dirty="0" smtClean="0"/>
+              <a:t>D-FF</a:t>
+            </a:r>
+            <a:endParaRPr kumimoji="1" lang="ja-JP" altLang="en-US" dirty="0"/>
+          </a:p>
+        </p:txBody>
+      </p:sp>
+      <p:cxnSp>
+        <p:nvCxnSpPr>
+          <p:cNvPr id="12" name="直線コネクタ 11"/>
+          <p:cNvCxnSpPr/>
+          <p:nvPr/>
+        </p:nvCxnSpPr>
+        <p:spPr>
+          <a:xfrm>
+            <a:off x="6358845" y="3635510"/>
+            <a:ext cx="457200" cy="0"/>
+          </a:xfrm>
+          <a:prstGeom prst="line">
+            <a:avLst/>
+          </a:prstGeom>
+          <a:ln>
+            <a:solidFill>
+              <a:schemeClr val="tx1"/>
+            </a:solidFill>
+          </a:ln>
+          <a:effectLst/>
+        </p:spPr>
+        <p:style>
+          <a:lnRef idx="2">
+            <a:schemeClr val="accent1"/>
+          </a:lnRef>
+          <a:fillRef idx="0">
+            <a:schemeClr val="accent1"/>
+          </a:fillRef>
+          <a:effectRef idx="1">
+            <a:schemeClr val="accent1"/>
+          </a:effectRef>
+          <a:fontRef idx="minor">
+            <a:schemeClr val="tx1"/>
+          </a:fontRef>
+        </p:style>
+      </p:cxnSp>
+      <p:cxnSp>
+        <p:nvCxnSpPr>
+          <p:cNvPr id="13" name="直線コネクタ 12"/>
+          <p:cNvCxnSpPr>
+            <a:endCxn id="19" idx="0"/>
+          </p:cNvCxnSpPr>
+          <p:nvPr/>
+        </p:nvCxnSpPr>
+        <p:spPr>
+          <a:xfrm>
+            <a:off x="5647189" y="3956895"/>
+            <a:ext cx="0" cy="676467"/>
+          </a:xfrm>
+          <a:prstGeom prst="line">
+            <a:avLst/>
+          </a:prstGeom>
+          <a:ln>
+            <a:solidFill>
+              <a:schemeClr val="tx1"/>
+            </a:solidFill>
+          </a:ln>
+          <a:effectLst/>
+        </p:spPr>
+        <p:style>
+          <a:lnRef idx="2">
+            <a:schemeClr val="accent1"/>
+          </a:lnRef>
+          <a:fillRef idx="0">
+            <a:schemeClr val="accent1"/>
+          </a:fillRef>
+          <a:effectRef idx="1">
+            <a:schemeClr val="accent1"/>
+          </a:effectRef>
+          <a:fontRef idx="minor">
+            <a:schemeClr val="tx1"/>
+          </a:fontRef>
+        </p:style>
+      </p:cxnSp>
+      <p:cxnSp>
+        <p:nvCxnSpPr>
+          <p:cNvPr id="14" name="直線コネクタ 13"/>
+          <p:cNvCxnSpPr/>
+          <p:nvPr/>
+        </p:nvCxnSpPr>
+        <p:spPr>
+          <a:xfrm>
+            <a:off x="4447495" y="3068805"/>
+            <a:ext cx="457200" cy="0"/>
+          </a:xfrm>
+          <a:prstGeom prst="line">
+            <a:avLst/>
+          </a:prstGeom>
+          <a:ln>
+            <a:solidFill>
+              <a:schemeClr val="tx1"/>
+            </a:solidFill>
+          </a:ln>
+          <a:effectLst/>
+        </p:spPr>
+        <p:style>
+          <a:lnRef idx="2">
+            <a:schemeClr val="accent1"/>
+          </a:lnRef>
+          <a:fillRef idx="0">
+            <a:schemeClr val="accent1"/>
+          </a:fillRef>
+          <a:effectRef idx="1">
+            <a:schemeClr val="accent1"/>
+          </a:effectRef>
+          <a:fontRef idx="minor">
+            <a:schemeClr val="tx1"/>
+          </a:fontRef>
+        </p:style>
+      </p:cxnSp>
+      <p:cxnSp>
+        <p:nvCxnSpPr>
+          <p:cNvPr id="15" name="直線コネクタ 14"/>
+          <p:cNvCxnSpPr/>
+          <p:nvPr/>
+        </p:nvCxnSpPr>
+        <p:spPr>
+          <a:xfrm>
+            <a:off x="3496733" y="3635510"/>
+            <a:ext cx="1407962" cy="0"/>
+          </a:xfrm>
+          <a:prstGeom prst="line">
+            <a:avLst/>
+          </a:prstGeom>
+          <a:ln>
+            <a:solidFill>
+              <a:schemeClr val="tx1"/>
+            </a:solidFill>
+          </a:ln>
+          <a:effectLst/>
+        </p:spPr>
+        <p:style>
+          <a:lnRef idx="2">
+            <a:schemeClr val="accent1"/>
+          </a:lnRef>
+          <a:fillRef idx="0">
+            <a:schemeClr val="accent1"/>
+          </a:fillRef>
+          <a:effectRef idx="1">
+            <a:schemeClr val="accent1"/>
+          </a:effectRef>
+          <a:fontRef idx="minor">
+            <a:schemeClr val="tx1"/>
+          </a:fontRef>
+        </p:style>
+      </p:cxnSp>
+      <p:cxnSp>
+        <p:nvCxnSpPr>
+          <p:cNvPr id="16" name="直線コネクタ 15"/>
+          <p:cNvCxnSpPr/>
+          <p:nvPr/>
+        </p:nvCxnSpPr>
+        <p:spPr>
+          <a:xfrm flipV="1">
+            <a:off x="4904695" y="3074495"/>
+            <a:ext cx="197947" cy="89814"/>
+          </a:xfrm>
+          <a:prstGeom prst="line">
+            <a:avLst/>
+          </a:prstGeom>
+          <a:ln>
+            <a:solidFill>
+              <a:schemeClr val="tx1"/>
+            </a:solidFill>
+          </a:ln>
+          <a:effectLst/>
+        </p:spPr>
+        <p:style>
+          <a:lnRef idx="2">
+            <a:schemeClr val="accent1"/>
+          </a:lnRef>
+          <a:fillRef idx="0">
+            <a:schemeClr val="accent1"/>
+          </a:fillRef>
+          <a:effectRef idx="1">
+            <a:schemeClr val="accent1"/>
+          </a:effectRef>
+          <a:fontRef idx="minor">
+            <a:schemeClr val="tx1"/>
+          </a:fontRef>
+        </p:style>
+      </p:cxnSp>
+      <p:sp>
+        <p:nvSpPr>
+          <p:cNvPr id="17" name="テキスト ボックス 16"/>
+          <p:cNvSpPr txBox="1"/>
+          <p:nvPr/>
+        </p:nvSpPr>
+        <p:spPr>
+          <a:xfrm>
+            <a:off x="4130243" y="2893043"/>
+            <a:ext cx="317252" cy="276999"/>
+          </a:xfrm>
+          <a:prstGeom prst="rect">
+            <a:avLst/>
+          </a:prstGeom>
+          <a:noFill/>
+        </p:spPr>
+        <p:txBody>
+          <a:bodyPr wrap="none" rtlCol="0">
+            <a:spAutoFit/>
+          </a:bodyPr>
+          <a:lstStyle/>
+          <a:p>
+            <a:r>
+              <a:rPr lang="en-US" altLang="ja-JP" sz="1200" i="1" dirty="0" smtClean="0">
+                <a:latin typeface="Book Antiqua"/>
+                <a:cs typeface="Book Antiqua"/>
+              </a:rPr>
+              <a:t>C</a:t>
+            </a:r>
+            <a:endParaRPr kumimoji="1" lang="ja-JP" altLang="en-US" sz="1200" i="1" baseline="-25000" dirty="0">
+              <a:latin typeface="Book Antiqua"/>
+              <a:cs typeface="Book Antiqua"/>
+            </a:endParaRPr>
+          </a:p>
+        </p:txBody>
+      </p:sp>
+      <p:sp>
+        <p:nvSpPr>
+          <p:cNvPr id="18" name="テキスト ボックス 17"/>
+          <p:cNvSpPr txBox="1"/>
+          <p:nvPr/>
+        </p:nvSpPr>
+        <p:spPr>
+          <a:xfrm>
+            <a:off x="4550345" y="3358511"/>
+            <a:ext cx="334309" cy="276999"/>
+          </a:xfrm>
+          <a:prstGeom prst="rect">
+            <a:avLst/>
+          </a:prstGeom>
+          <a:noFill/>
+        </p:spPr>
+        <p:txBody>
+          <a:bodyPr wrap="none" rtlCol="0">
+            <a:spAutoFit/>
+          </a:bodyPr>
+          <a:lstStyle/>
+          <a:p>
+            <a:r>
+              <a:rPr lang="en-US" altLang="ja-JP" sz="1200" i="1" dirty="0" smtClean="0">
+                <a:latin typeface="Book Antiqua"/>
+                <a:cs typeface="Book Antiqua"/>
+              </a:rPr>
+              <a:t>D</a:t>
+            </a:r>
+            <a:endParaRPr kumimoji="1" lang="ja-JP" altLang="en-US" sz="1200" i="1" baseline="-25000" dirty="0">
+              <a:latin typeface="Book Antiqua"/>
+              <a:cs typeface="Book Antiqua"/>
+            </a:endParaRPr>
+          </a:p>
+        </p:txBody>
+      </p:sp>
+      <p:sp>
+        <p:nvSpPr>
+          <p:cNvPr id="19" name="テキスト ボックス 18"/>
+          <p:cNvSpPr txBox="1"/>
+          <p:nvPr/>
+        </p:nvSpPr>
+        <p:spPr>
+          <a:xfrm>
+            <a:off x="5394449" y="4633362"/>
+            <a:ext cx="505480" cy="276999"/>
+          </a:xfrm>
+          <a:prstGeom prst="rect">
+            <a:avLst/>
+          </a:prstGeom>
+          <a:noFill/>
+        </p:spPr>
+        <p:txBody>
+          <a:bodyPr wrap="none" rtlCol="0">
+            <a:spAutoFit/>
+          </a:bodyPr>
+          <a:lstStyle/>
+          <a:p>
+            <a:r>
+              <a:rPr lang="en-US" altLang="ja-JP" sz="1200" i="1" dirty="0" smtClean="0">
+                <a:latin typeface="Book Antiqua"/>
+                <a:cs typeface="Book Antiqua"/>
+              </a:rPr>
+              <a:t>CLR</a:t>
+            </a:r>
+            <a:endParaRPr kumimoji="1" lang="ja-JP" altLang="en-US" sz="1200" i="1" baseline="-25000" dirty="0">
+              <a:latin typeface="Book Antiqua"/>
+              <a:cs typeface="Book Antiqua"/>
+            </a:endParaRPr>
+          </a:p>
+        </p:txBody>
+      </p:sp>
+      <p:sp>
+        <p:nvSpPr>
+          <p:cNvPr id="20" name="テキスト ボックス 19"/>
+          <p:cNvSpPr txBox="1"/>
+          <p:nvPr/>
+        </p:nvSpPr>
+        <p:spPr>
+          <a:xfrm>
+            <a:off x="5435212" y="2334968"/>
+            <a:ext cx="411253" cy="276999"/>
+          </a:xfrm>
+          <a:prstGeom prst="rect">
+            <a:avLst/>
+          </a:prstGeom>
+          <a:noFill/>
+        </p:spPr>
+        <p:txBody>
+          <a:bodyPr wrap="none" rtlCol="0">
+            <a:spAutoFit/>
+          </a:bodyPr>
+          <a:lstStyle/>
+          <a:p>
+            <a:r>
+              <a:rPr lang="en-US" altLang="ja-JP" sz="1200" i="1" dirty="0">
+                <a:latin typeface="Book Antiqua"/>
+                <a:cs typeface="Book Antiqua"/>
+              </a:rPr>
+              <a:t>P</a:t>
+            </a:r>
+            <a:r>
+              <a:rPr lang="en-US" altLang="ja-JP" sz="1200" i="1" dirty="0" smtClean="0">
+                <a:latin typeface="Book Antiqua"/>
+                <a:cs typeface="Book Antiqua"/>
+              </a:rPr>
+              <a:t>R</a:t>
+            </a:r>
+            <a:endParaRPr kumimoji="1" lang="ja-JP" altLang="en-US" sz="1200" i="1" baseline="-25000" dirty="0">
+              <a:latin typeface="Book Antiqua"/>
+              <a:cs typeface="Book Antiqua"/>
+            </a:endParaRPr>
+          </a:p>
+        </p:txBody>
+      </p:sp>
+      <p:sp>
+        <p:nvSpPr>
+          <p:cNvPr id="21" name="正方形/長方形 20"/>
+          <p:cNvSpPr/>
+          <p:nvPr/>
+        </p:nvSpPr>
+        <p:spPr>
+          <a:xfrm>
+            <a:off x="2751667" y="3277568"/>
+            <a:ext cx="933199" cy="734479"/>
+          </a:xfrm>
+          <a:prstGeom prst="rect">
+            <a:avLst/>
+          </a:prstGeom>
+          <a:noFill/>
+        </p:spPr>
+        <p:style>
+          <a:lnRef idx="2">
+            <a:schemeClr val="dk1"/>
+          </a:lnRef>
+          <a:fillRef idx="1">
+            <a:schemeClr val="lt1"/>
+          </a:fillRef>
+          <a:effectRef idx="0">
+            <a:schemeClr val="dk1"/>
+          </a:effectRef>
+          <a:fontRef idx="minor">
+            <a:schemeClr val="dk1"/>
+          </a:fontRef>
+        </p:style>
+        <p:txBody>
+          <a:bodyPr rtlCol="0" anchor="ctr"/>
+          <a:lstStyle/>
+          <a:p>
+            <a:pPr algn="ctr"/>
+            <a:endParaRPr kumimoji="1" lang="ja-JP" altLang="en-US" dirty="0"/>
+          </a:p>
+        </p:txBody>
+      </p:sp>
+      <p:sp>
+        <p:nvSpPr>
+          <p:cNvPr id="23" name="円/楕円 22"/>
+          <p:cNvSpPr/>
+          <p:nvPr/>
+        </p:nvSpPr>
+        <p:spPr>
+          <a:xfrm flipV="1">
+            <a:off x="3072001" y="3388258"/>
+            <a:ext cx="59174" cy="64988"/>
+          </a:xfrm>
+          <a:prstGeom prst="ellipse">
+            <a:avLst/>
+          </a:prstGeom>
+        </p:spPr>
+        <p:style>
+          <a:lnRef idx="2">
+            <a:schemeClr val="dk1"/>
+          </a:lnRef>
+          <a:fillRef idx="1">
+            <a:schemeClr val="lt1"/>
+          </a:fillRef>
+          <a:effectRef idx="0">
+            <a:schemeClr val="dk1"/>
+          </a:effectRef>
+          <a:fontRef idx="minor">
+            <a:schemeClr val="dk1"/>
+          </a:fontRef>
+        </p:style>
+        <p:txBody>
+          <a:bodyPr rtlCol="0" anchor="ctr"/>
+          <a:lstStyle/>
+          <a:p>
+            <a:pPr algn="ctr"/>
+            <a:endParaRPr kumimoji="1" lang="ja-JP" altLang="en-US" dirty="0"/>
+          </a:p>
+        </p:txBody>
+      </p:sp>
+      <p:sp>
+        <p:nvSpPr>
+          <p:cNvPr id="24" name="円/楕円 23"/>
+          <p:cNvSpPr/>
+          <p:nvPr/>
+        </p:nvSpPr>
+        <p:spPr>
+          <a:xfrm flipV="1">
+            <a:off x="3080467" y="3834479"/>
+            <a:ext cx="59174" cy="64988"/>
+          </a:xfrm>
+          <a:prstGeom prst="ellipse">
+            <a:avLst/>
+          </a:prstGeom>
+        </p:spPr>
+        <p:style>
+          <a:lnRef idx="2">
+            <a:schemeClr val="dk1"/>
+          </a:lnRef>
+          <a:fillRef idx="1">
+            <a:schemeClr val="lt1"/>
+          </a:fillRef>
+          <a:effectRef idx="0">
+            <a:schemeClr val="dk1"/>
+          </a:effectRef>
+          <a:fontRef idx="minor">
+            <a:schemeClr val="dk1"/>
+          </a:fontRef>
+        </p:style>
+        <p:txBody>
+          <a:bodyPr rtlCol="0" anchor="ctr"/>
+          <a:lstStyle/>
+          <a:p>
+            <a:pPr algn="ctr"/>
+            <a:endParaRPr kumimoji="1" lang="ja-JP" altLang="en-US" dirty="0"/>
+          </a:p>
+        </p:txBody>
+      </p:sp>
+      <p:sp>
+        <p:nvSpPr>
+          <p:cNvPr id="25" name="円/楕円 24"/>
+          <p:cNvSpPr/>
+          <p:nvPr/>
+        </p:nvSpPr>
+        <p:spPr>
+          <a:xfrm flipV="1">
+            <a:off x="7366471" y="3042001"/>
+            <a:ext cx="59174" cy="64988"/>
+          </a:xfrm>
+          <a:prstGeom prst="ellipse">
+            <a:avLst/>
+          </a:prstGeom>
+          <a:solidFill>
+            <a:srgbClr val="000000"/>
+          </a:solidFill>
+        </p:spPr>
+        <p:style>
+          <a:lnRef idx="2">
+            <a:schemeClr val="dk1"/>
+          </a:lnRef>
+          <a:fillRef idx="1">
+            <a:schemeClr val="lt1"/>
+          </a:fillRef>
+          <a:effectRef idx="0">
+            <a:schemeClr val="dk1"/>
+          </a:effectRef>
+          <a:fontRef idx="minor">
+            <a:schemeClr val="dk1"/>
+          </a:fontRef>
+        </p:style>
+        <p:txBody>
+          <a:bodyPr rtlCol="0" anchor="ctr"/>
+          <a:lstStyle/>
+          <a:p>
+            <a:pPr algn="ctr"/>
+            <a:endParaRPr kumimoji="1" lang="ja-JP" altLang="en-US" dirty="0"/>
+          </a:p>
+        </p:txBody>
+      </p:sp>
+      <p:sp>
+        <p:nvSpPr>
+          <p:cNvPr id="29" name="円/楕円 28"/>
+          <p:cNvSpPr/>
+          <p:nvPr/>
+        </p:nvSpPr>
+        <p:spPr>
+          <a:xfrm flipV="1">
+            <a:off x="3437559" y="3603016"/>
+            <a:ext cx="59174" cy="64988"/>
+          </a:xfrm>
+          <a:prstGeom prst="ellipse">
+            <a:avLst/>
+          </a:prstGeom>
+        </p:spPr>
+        <p:style>
+          <a:lnRef idx="2">
+            <a:schemeClr val="dk1"/>
+          </a:lnRef>
+          <a:fillRef idx="1">
+            <a:schemeClr val="lt1"/>
+          </a:fillRef>
+          <a:effectRef idx="0">
+            <a:schemeClr val="dk1"/>
+          </a:effectRef>
+          <a:fontRef idx="minor">
+            <a:schemeClr val="dk1"/>
+          </a:fontRef>
+        </p:style>
+        <p:txBody>
+          <a:bodyPr rtlCol="0" anchor="ctr"/>
+          <a:lstStyle/>
+          <a:p>
+            <a:pPr algn="ctr"/>
+            <a:endParaRPr kumimoji="1" lang="ja-JP" altLang="en-US" dirty="0"/>
+          </a:p>
+        </p:txBody>
+      </p:sp>
+      <p:cxnSp>
+        <p:nvCxnSpPr>
+          <p:cNvPr id="35" name="直線コネクタ 34"/>
+          <p:cNvCxnSpPr>
+            <a:stCxn id="23" idx="5"/>
+            <a:endCxn id="29" idx="2"/>
+          </p:cNvCxnSpPr>
+          <p:nvPr/>
+        </p:nvCxnSpPr>
+        <p:spPr>
+          <a:xfrm>
+            <a:off x="3122509" y="3397775"/>
+            <a:ext cx="315050" cy="237735"/>
+          </a:xfrm>
+          <a:prstGeom prst="line">
+            <a:avLst/>
+          </a:prstGeom>
+        </p:spPr>
+        <p:style>
+          <a:lnRef idx="3">
+            <a:schemeClr val="dk1"/>
+          </a:lnRef>
+          <a:fillRef idx="0">
+            <a:schemeClr val="dk1"/>
+          </a:fillRef>
+          <a:effectRef idx="2">
+            <a:schemeClr val="dk1"/>
+          </a:effectRef>
+          <a:fontRef idx="minor">
+            <a:schemeClr val="tx1"/>
+          </a:fontRef>
+        </p:style>
+      </p:cxnSp>
+      <p:cxnSp>
+        <p:nvCxnSpPr>
+          <p:cNvPr id="46" name="直線コネクタ 45"/>
+          <p:cNvCxnSpPr/>
+          <p:nvPr/>
+        </p:nvCxnSpPr>
+        <p:spPr>
+          <a:xfrm>
+            <a:off x="2036233" y="3869749"/>
+            <a:ext cx="1035768" cy="0"/>
+          </a:xfrm>
+          <a:prstGeom prst="line">
+            <a:avLst/>
+          </a:prstGeom>
+          <a:ln>
+            <a:solidFill>
+              <a:schemeClr val="tx1"/>
+            </a:solidFill>
+          </a:ln>
+          <a:effectLst/>
+        </p:spPr>
+        <p:style>
+          <a:lnRef idx="2">
+            <a:schemeClr val="accent1"/>
+          </a:lnRef>
+          <a:fillRef idx="0">
+            <a:schemeClr val="accent1"/>
+          </a:fillRef>
+          <a:effectRef idx="1">
+            <a:schemeClr val="accent1"/>
+          </a:effectRef>
+          <a:fontRef idx="minor">
+            <a:schemeClr val="tx1"/>
+          </a:fontRef>
+        </p:style>
+      </p:cxnSp>
+      <p:cxnSp>
+        <p:nvCxnSpPr>
+          <p:cNvPr id="48" name="直線コネクタ 47"/>
+          <p:cNvCxnSpPr/>
+          <p:nvPr/>
+        </p:nvCxnSpPr>
+        <p:spPr>
+          <a:xfrm>
+            <a:off x="2036233" y="3418372"/>
+            <a:ext cx="1031535" cy="0"/>
+          </a:xfrm>
+          <a:prstGeom prst="line">
+            <a:avLst/>
+          </a:prstGeom>
+          <a:ln>
+            <a:solidFill>
+              <a:schemeClr val="tx1"/>
+            </a:solidFill>
+          </a:ln>
+          <a:effectLst/>
+        </p:spPr>
+        <p:style>
+          <a:lnRef idx="2">
+            <a:schemeClr val="accent1"/>
+          </a:lnRef>
+          <a:fillRef idx="0">
+            <a:schemeClr val="accent1"/>
+          </a:fillRef>
+          <a:effectRef idx="1">
+            <a:schemeClr val="accent1"/>
+          </a:effectRef>
+          <a:fontRef idx="minor">
+            <a:schemeClr val="tx1"/>
+          </a:fontRef>
+        </p:style>
+      </p:cxnSp>
+      <p:cxnSp>
+        <p:nvCxnSpPr>
+          <p:cNvPr id="52" name="直線コネクタ 51"/>
+          <p:cNvCxnSpPr/>
+          <p:nvPr/>
+        </p:nvCxnSpPr>
+        <p:spPr>
+          <a:xfrm flipV="1">
+            <a:off x="2048933" y="2146300"/>
+            <a:ext cx="0" cy="1272073"/>
+          </a:xfrm>
+          <a:prstGeom prst="line">
+            <a:avLst/>
+          </a:prstGeom>
+          <a:ln>
+            <a:solidFill>
+              <a:schemeClr val="tx1"/>
+            </a:solidFill>
+          </a:ln>
+          <a:effectLst/>
+        </p:spPr>
+        <p:style>
+          <a:lnRef idx="2">
+            <a:schemeClr val="accent1"/>
+          </a:lnRef>
+          <a:fillRef idx="0">
+            <a:schemeClr val="accent1"/>
+          </a:fillRef>
+          <a:effectRef idx="1">
+            <a:schemeClr val="accent1"/>
+          </a:effectRef>
+          <a:fontRef idx="minor">
+            <a:schemeClr val="tx1"/>
+          </a:fontRef>
+        </p:style>
+      </p:cxnSp>
+      <p:sp>
+        <p:nvSpPr>
+          <p:cNvPr id="59" name="正方形/長方形 58"/>
+          <p:cNvSpPr/>
+          <p:nvPr/>
+        </p:nvSpPr>
+        <p:spPr>
+          <a:xfrm>
+            <a:off x="2504360" y="2357242"/>
+            <a:ext cx="4645994" cy="1973458"/>
+          </a:xfrm>
+          <a:prstGeom prst="rect">
+            <a:avLst/>
+          </a:prstGeom>
+          <a:noFill/>
+          <a:ln>
+            <a:prstDash val="sysDash"/>
+          </a:ln>
+        </p:spPr>
+        <p:style>
+          <a:lnRef idx="2">
+            <a:schemeClr val="dk1"/>
+          </a:lnRef>
+          <a:fillRef idx="1">
+            <a:schemeClr val="lt1"/>
+          </a:fillRef>
+          <a:effectRef idx="0">
+            <a:schemeClr val="dk1"/>
+          </a:effectRef>
+          <a:fontRef idx="minor">
+            <a:schemeClr val="dk1"/>
+          </a:fontRef>
+        </p:style>
+        <p:txBody>
+          <a:bodyPr rtlCol="0" anchor="ctr"/>
+          <a:lstStyle/>
+          <a:p>
+            <a:pPr algn="ctr"/>
+            <a:endParaRPr kumimoji="1" lang="ja-JP" altLang="en-US" dirty="0"/>
+          </a:p>
+        </p:txBody>
+      </p:sp>
+      <p:cxnSp>
+        <p:nvCxnSpPr>
+          <p:cNvPr id="60" name="直線コネクタ 59"/>
+          <p:cNvCxnSpPr/>
+          <p:nvPr/>
+        </p:nvCxnSpPr>
+        <p:spPr>
+          <a:xfrm flipH="1">
+            <a:off x="2036234" y="2146300"/>
+            <a:ext cx="5359824" cy="0"/>
+          </a:xfrm>
+          <a:prstGeom prst="line">
+            <a:avLst/>
+          </a:prstGeom>
+          <a:ln>
+            <a:solidFill>
+              <a:schemeClr val="tx1"/>
+            </a:solidFill>
+          </a:ln>
+          <a:effectLst/>
+        </p:spPr>
+        <p:style>
+          <a:lnRef idx="2">
+            <a:schemeClr val="accent1"/>
+          </a:lnRef>
+          <a:fillRef idx="0">
+            <a:schemeClr val="accent1"/>
+          </a:fillRef>
+          <a:effectRef idx="1">
+            <a:schemeClr val="accent1"/>
+          </a:effectRef>
+          <a:fontRef idx="minor">
+            <a:schemeClr val="tx1"/>
+          </a:fontRef>
+        </p:style>
+      </p:cxnSp>
+      <p:cxnSp>
+        <p:nvCxnSpPr>
+          <p:cNvPr id="63" name="直線コネクタ 62"/>
+          <p:cNvCxnSpPr>
+            <a:stCxn id="25" idx="4"/>
+          </p:cNvCxnSpPr>
+          <p:nvPr/>
+        </p:nvCxnSpPr>
+        <p:spPr>
+          <a:xfrm flipV="1">
+            <a:off x="7396058" y="2140611"/>
+            <a:ext cx="0" cy="901390"/>
+          </a:xfrm>
+          <a:prstGeom prst="line">
+            <a:avLst/>
+          </a:prstGeom>
+          <a:ln>
+            <a:solidFill>
+              <a:schemeClr val="tx1"/>
+            </a:solidFill>
+          </a:ln>
+          <a:effectLst/>
+        </p:spPr>
+        <p:style>
+          <a:lnRef idx="2">
+            <a:schemeClr val="accent1"/>
+          </a:lnRef>
+          <a:fillRef idx="0">
+            <a:schemeClr val="accent1"/>
+          </a:fillRef>
+          <a:effectRef idx="1">
+            <a:schemeClr val="accent1"/>
+          </a:effectRef>
+          <a:fontRef idx="minor">
+            <a:schemeClr val="tx1"/>
+          </a:fontRef>
+        </p:style>
+      </p:cxnSp>
+      <p:sp>
+        <p:nvSpPr>
+          <p:cNvPr id="67" name="テキスト ボックス 66"/>
+          <p:cNvSpPr txBox="1"/>
+          <p:nvPr/>
+        </p:nvSpPr>
+        <p:spPr>
+          <a:xfrm>
+            <a:off x="1731681" y="3277568"/>
+            <a:ext cx="325743" cy="276999"/>
+          </a:xfrm>
+          <a:prstGeom prst="rect">
+            <a:avLst/>
+          </a:prstGeom>
+          <a:noFill/>
+        </p:spPr>
+        <p:txBody>
+          <a:bodyPr wrap="none" rtlCol="0">
+            <a:spAutoFit/>
+          </a:bodyPr>
+          <a:lstStyle/>
+          <a:p>
+            <a:r>
+              <a:rPr lang="en-US" altLang="ja-JP" sz="1200" i="1" dirty="0" smtClean="0">
+                <a:latin typeface="Book Antiqua"/>
+                <a:cs typeface="Book Antiqua"/>
+              </a:rPr>
+              <a:t>A</a:t>
+            </a:r>
+            <a:endParaRPr kumimoji="1" lang="ja-JP" altLang="en-US" sz="1200" i="1" baseline="-25000" dirty="0">
+              <a:latin typeface="Book Antiqua"/>
+              <a:cs typeface="Book Antiqua"/>
+            </a:endParaRPr>
+          </a:p>
+        </p:txBody>
+      </p:sp>
+      <p:sp>
+        <p:nvSpPr>
+          <p:cNvPr id="68" name="テキスト ボックス 67"/>
+          <p:cNvSpPr txBox="1"/>
+          <p:nvPr/>
+        </p:nvSpPr>
+        <p:spPr>
+          <a:xfrm>
+            <a:off x="1731681" y="3735048"/>
+            <a:ext cx="317252" cy="276999"/>
+          </a:xfrm>
+          <a:prstGeom prst="rect">
+            <a:avLst/>
+          </a:prstGeom>
+          <a:noFill/>
+        </p:spPr>
+        <p:txBody>
+          <a:bodyPr wrap="none" rtlCol="0">
+            <a:spAutoFit/>
+          </a:bodyPr>
+          <a:lstStyle/>
+          <a:p>
+            <a:r>
+              <a:rPr lang="en-US" altLang="ja-JP" sz="1200" i="1" dirty="0" smtClean="0">
+                <a:latin typeface="Book Antiqua"/>
+                <a:cs typeface="Book Antiqua"/>
+              </a:rPr>
+              <a:t>B</a:t>
+            </a:r>
+            <a:endParaRPr kumimoji="1" lang="ja-JP" altLang="en-US" sz="1200" i="1" baseline="-25000" dirty="0">
+              <a:latin typeface="Book Antiqua"/>
+              <a:cs typeface="Book Antiqua"/>
+            </a:endParaRPr>
+          </a:p>
+        </p:txBody>
+      </p:sp>
+      <p:cxnSp>
+        <p:nvCxnSpPr>
+          <p:cNvPr id="69" name="直線コネクタ 68"/>
+          <p:cNvCxnSpPr>
+            <a:endCxn id="73" idx="4"/>
+          </p:cNvCxnSpPr>
+          <p:nvPr/>
+        </p:nvCxnSpPr>
+        <p:spPr>
+          <a:xfrm flipV="1">
+            <a:off x="3256198" y="4119997"/>
+            <a:ext cx="0" cy="480579"/>
+          </a:xfrm>
+          <a:prstGeom prst="line">
+            <a:avLst/>
+          </a:prstGeom>
+          <a:ln>
+            <a:solidFill>
+              <a:schemeClr val="tx1"/>
+            </a:solidFill>
+          </a:ln>
+          <a:effectLst/>
+        </p:spPr>
+        <p:style>
+          <a:lnRef idx="2">
+            <a:schemeClr val="accent1"/>
+          </a:lnRef>
+          <a:fillRef idx="0">
+            <a:schemeClr val="accent1"/>
+          </a:fillRef>
+          <a:effectRef idx="1">
+            <a:schemeClr val="accent1"/>
+          </a:effectRef>
+          <a:fontRef idx="minor">
+            <a:schemeClr val="tx1"/>
+          </a:fontRef>
+        </p:style>
+      </p:cxnSp>
+      <p:sp>
+        <p:nvSpPr>
+          <p:cNvPr id="72" name="テキスト ボックス 71"/>
+          <p:cNvSpPr txBox="1"/>
+          <p:nvPr/>
+        </p:nvSpPr>
+        <p:spPr>
+          <a:xfrm>
+            <a:off x="3086910" y="4569793"/>
+            <a:ext cx="419894" cy="276999"/>
+          </a:xfrm>
+          <a:prstGeom prst="rect">
+            <a:avLst/>
+          </a:prstGeom>
+          <a:noFill/>
+        </p:spPr>
+        <p:txBody>
+          <a:bodyPr wrap="none" rtlCol="0">
+            <a:spAutoFit/>
+          </a:bodyPr>
+          <a:lstStyle/>
+          <a:p>
+            <a:r>
+              <a:rPr lang="en-US" altLang="ja-JP" sz="1200" i="1" dirty="0" smtClean="0">
+                <a:latin typeface="Book Antiqua"/>
+                <a:cs typeface="Book Antiqua"/>
+              </a:rPr>
+              <a:t>LD</a:t>
+            </a:r>
+            <a:endParaRPr kumimoji="1" lang="ja-JP" altLang="en-US" sz="1200" i="1" baseline="-25000" dirty="0">
+              <a:latin typeface="Book Antiqua"/>
+              <a:cs typeface="Book Antiqua"/>
+            </a:endParaRPr>
+          </a:p>
+        </p:txBody>
+      </p:sp>
+      <p:sp>
+        <p:nvSpPr>
+          <p:cNvPr id="73" name="円/楕円 72"/>
+          <p:cNvSpPr/>
+          <p:nvPr/>
+        </p:nvSpPr>
+        <p:spPr>
+          <a:xfrm>
+            <a:off x="3202857" y="4012047"/>
+            <a:ext cx="106681" cy="107950"/>
+          </a:xfrm>
+          <a:prstGeom prst="ellipse">
+            <a:avLst/>
+          </a:prstGeom>
+          <a:noFill/>
+          <a:ln w="22225">
+            <a:solidFill>
+              <a:schemeClr val="tx1"/>
+            </a:solidFill>
+          </a:ln>
+          <a:effectLst/>
+        </p:spPr>
+        <p:style>
+          <a:lnRef idx="1">
+            <a:schemeClr val="accent1"/>
+          </a:lnRef>
+          <a:fillRef idx="3">
+            <a:schemeClr val="accent1"/>
+          </a:fillRef>
+          <a:effectRef idx="2">
+            <a:schemeClr val="accent1"/>
+          </a:effectRef>
+          <a:fontRef idx="minor">
+            <a:schemeClr val="lt1"/>
+          </a:fontRef>
+        </p:style>
+        <p:txBody>
+          <a:bodyPr/>
+          <a:lstStyle/>
+          <a:p>
+            <a:endParaRPr lang="ja-JP" altLang="en-US" dirty="0"/>
+          </a:p>
+        </p:txBody>
+      </p:sp>
+      <p:sp>
+        <p:nvSpPr>
+          <p:cNvPr id="75" name="テキスト ボックス 74"/>
+          <p:cNvSpPr txBox="1"/>
+          <p:nvPr/>
+        </p:nvSpPr>
+        <p:spPr>
+          <a:xfrm>
+            <a:off x="2747774" y="2935995"/>
+            <a:ext cx="907745" cy="276999"/>
+          </a:xfrm>
+          <a:prstGeom prst="rect">
+            <a:avLst/>
+          </a:prstGeom>
+          <a:noFill/>
+        </p:spPr>
+        <p:txBody>
+          <a:bodyPr wrap="none" rtlCol="0">
+            <a:spAutoFit/>
+          </a:bodyPr>
+          <a:lstStyle/>
+          <a:p>
+            <a:r>
+              <a:rPr kumimoji="1" lang="en-US" altLang="ja-JP" baseline="-25000" dirty="0" smtClean="0">
+                <a:cs typeface="Book Antiqua"/>
+              </a:rPr>
+              <a:t>Multiplexer</a:t>
+            </a:r>
+            <a:endParaRPr kumimoji="1" lang="ja-JP" altLang="en-US" baseline="-25000" dirty="0">
+              <a:cs typeface="Book Antiqua"/>
+            </a:endParaRPr>
+          </a:p>
+        </p:txBody>
+      </p:sp>
+    </p:spTree>
+    <p:extLst>
+      <p:ext uri="{BB962C8B-B14F-4D97-AF65-F5344CB8AC3E}">
+        <p14:creationId xmlns:p14="http://schemas.microsoft.com/office/powerpoint/2010/main" val="2692145765"/>
       </p:ext>
     </p:extLst>
   </p:cSld>
